--- a/posts/prove-meridians-are-geodesics/sketch.pptx
+++ b/posts/prove-meridians-are-geodesics/sketch.pptx
@@ -4,6 +4,9 @@
   <p:sldMasterIdLst>
     <p:sldMasterId id="2147483648" r:id="rId1"/>
   </p:sldMasterIdLst>
+  <p:notesMasterIdLst>
+    <p:notesMasterId r:id="rId3"/>
+  </p:notesMasterIdLst>
   <p:sldIdLst>
     <p:sldId id="256" r:id="rId2"/>
   </p:sldIdLst>
@@ -105,6 +108,439 @@
     </a:lvl9pPr>
   </p:defaultTextStyle>
 </p:presentation>
+</file>
+
+<file path=ppt/notesMasters/notesMaster1.xml><?xml version="1.0" encoding="utf-8"?>
+<p:notesMaster xmlns:a="http://schemas.openxmlformats.org/drawingml/2006/main" xmlns:r="http://schemas.openxmlformats.org/officeDocument/2006/relationships" xmlns:p="http://schemas.openxmlformats.org/presentationml/2006/main">
+  <p:cSld>
+    <p:bg>
+      <p:bgRef idx="1001">
+        <a:schemeClr val="bg1"/>
+      </p:bgRef>
+    </p:bg>
+    <p:spTree>
+      <p:nvGrpSpPr>
+        <p:cNvPr id="1" name=""/>
+        <p:cNvGrpSpPr/>
+        <p:nvPr/>
+      </p:nvGrpSpPr>
+      <p:grpSpPr>
+        <a:xfrm>
+          <a:off x="0" y="0"/>
+          <a:ext cx="0" cy="0"/>
+          <a:chOff x="0" y="0"/>
+          <a:chExt cx="0" cy="0"/>
+        </a:xfrm>
+      </p:grpSpPr>
+      <p:sp>
+        <p:nvSpPr>
+          <p:cNvPr id="2" name="Header Placeholder 1"/>
+          <p:cNvSpPr>
+            <a:spLocks noGrp="1"/>
+          </p:cNvSpPr>
+          <p:nvPr>
+            <p:ph type="hdr" sz="quarter"/>
+          </p:nvPr>
+        </p:nvSpPr>
+        <p:spPr>
+          <a:xfrm>
+            <a:off x="0" y="0"/>
+            <a:ext cx="2971800" cy="458788"/>
+          </a:xfrm>
+          <a:prstGeom prst="rect">
+            <a:avLst/>
+          </a:prstGeom>
+        </p:spPr>
+        <p:txBody>
+          <a:bodyPr vert="horz" lIns="91440" tIns="45720" rIns="91440" bIns="45720" rtlCol="0"/>
+          <a:lstStyle>
+            <a:lvl1pPr algn="l">
+              <a:defRPr sz="1200"/>
+            </a:lvl1pPr>
+          </a:lstStyle>
+          <a:p>
+            <a:endParaRPr lang="en-US"/>
+          </a:p>
+        </p:txBody>
+      </p:sp>
+      <p:sp>
+        <p:nvSpPr>
+          <p:cNvPr id="3" name="Date Placeholder 2"/>
+          <p:cNvSpPr>
+            <a:spLocks noGrp="1"/>
+          </p:cNvSpPr>
+          <p:nvPr>
+            <p:ph type="dt" idx="1"/>
+          </p:nvPr>
+        </p:nvSpPr>
+        <p:spPr>
+          <a:xfrm>
+            <a:off x="3884613" y="0"/>
+            <a:ext cx="2971800" cy="458788"/>
+          </a:xfrm>
+          <a:prstGeom prst="rect">
+            <a:avLst/>
+          </a:prstGeom>
+        </p:spPr>
+        <p:txBody>
+          <a:bodyPr vert="horz" lIns="91440" tIns="45720" rIns="91440" bIns="45720" rtlCol="0"/>
+          <a:lstStyle>
+            <a:lvl1pPr algn="r">
+              <a:defRPr sz="1200"/>
+            </a:lvl1pPr>
+          </a:lstStyle>
+          <a:p>
+            <a:fld id="{48ABABE4-D240-B645-8000-5E915815381A}" type="datetimeFigureOut">
+              <a:rPr lang="en-US" smtClean="0"/>
+              <a:t>7/1/25</a:t>
+            </a:fld>
+            <a:endParaRPr lang="en-US"/>
+          </a:p>
+        </p:txBody>
+      </p:sp>
+      <p:sp>
+        <p:nvSpPr>
+          <p:cNvPr id="4" name="Slide Image Placeholder 3"/>
+          <p:cNvSpPr>
+            <a:spLocks noGrp="1" noRot="1" noChangeAspect="1"/>
+          </p:cNvSpPr>
+          <p:nvPr>
+            <p:ph type="sldImg" idx="2"/>
+          </p:nvPr>
+        </p:nvSpPr>
+        <p:spPr>
+          <a:xfrm>
+            <a:off x="685800" y="1143000"/>
+            <a:ext cx="5486400" cy="3086100"/>
+          </a:xfrm>
+          <a:prstGeom prst="rect">
+            <a:avLst/>
+          </a:prstGeom>
+          <a:noFill/>
+          <a:ln w="12700">
+            <a:solidFill>
+              <a:prstClr val="black"/>
+            </a:solidFill>
+          </a:ln>
+        </p:spPr>
+        <p:txBody>
+          <a:bodyPr vert="horz" lIns="91440" tIns="45720" rIns="91440" bIns="45720" rtlCol="0" anchor="ctr"/>
+          <a:lstStyle/>
+          <a:p>
+            <a:endParaRPr lang="en-US"/>
+          </a:p>
+        </p:txBody>
+      </p:sp>
+      <p:sp>
+        <p:nvSpPr>
+          <p:cNvPr id="5" name="Notes Placeholder 4"/>
+          <p:cNvSpPr>
+            <a:spLocks noGrp="1"/>
+          </p:cNvSpPr>
+          <p:nvPr>
+            <p:ph type="body" sz="quarter" idx="3"/>
+          </p:nvPr>
+        </p:nvSpPr>
+        <p:spPr>
+          <a:xfrm>
+            <a:off x="685800" y="4400550"/>
+            <a:ext cx="5486400" cy="3600450"/>
+          </a:xfrm>
+          <a:prstGeom prst="rect">
+            <a:avLst/>
+          </a:prstGeom>
+        </p:spPr>
+        <p:txBody>
+          <a:bodyPr vert="horz" lIns="91440" tIns="45720" rIns="91440" bIns="45720" rtlCol="0"/>
+          <a:lstStyle/>
+          <a:p>
+            <a:pPr lvl="0"/>
+            <a:r>
+              <a:rPr lang="en-US"/>
+              <a:t>Click to edit Master text styles</a:t>
+            </a:r>
+          </a:p>
+          <a:p>
+            <a:pPr lvl="1"/>
+            <a:r>
+              <a:rPr lang="en-US"/>
+              <a:t>Second level</a:t>
+            </a:r>
+          </a:p>
+          <a:p>
+            <a:pPr lvl="2"/>
+            <a:r>
+              <a:rPr lang="en-US"/>
+              <a:t>Third level</a:t>
+            </a:r>
+          </a:p>
+          <a:p>
+            <a:pPr lvl="3"/>
+            <a:r>
+              <a:rPr lang="en-US"/>
+              <a:t>Fourth level</a:t>
+            </a:r>
+          </a:p>
+          <a:p>
+            <a:pPr lvl="4"/>
+            <a:r>
+              <a:rPr lang="en-US"/>
+              <a:t>Fifth level</a:t>
+            </a:r>
+          </a:p>
+        </p:txBody>
+      </p:sp>
+      <p:sp>
+        <p:nvSpPr>
+          <p:cNvPr id="6" name="Footer Placeholder 5"/>
+          <p:cNvSpPr>
+            <a:spLocks noGrp="1"/>
+          </p:cNvSpPr>
+          <p:nvPr>
+            <p:ph type="ftr" sz="quarter" idx="4"/>
+          </p:nvPr>
+        </p:nvSpPr>
+        <p:spPr>
+          <a:xfrm>
+            <a:off x="0" y="8685213"/>
+            <a:ext cx="2971800" cy="458787"/>
+          </a:xfrm>
+          <a:prstGeom prst="rect">
+            <a:avLst/>
+          </a:prstGeom>
+        </p:spPr>
+        <p:txBody>
+          <a:bodyPr vert="horz" lIns="91440" tIns="45720" rIns="91440" bIns="45720" rtlCol="0" anchor="b"/>
+          <a:lstStyle>
+            <a:lvl1pPr algn="l">
+              <a:defRPr sz="1200"/>
+            </a:lvl1pPr>
+          </a:lstStyle>
+          <a:p>
+            <a:endParaRPr lang="en-US"/>
+          </a:p>
+        </p:txBody>
+      </p:sp>
+      <p:sp>
+        <p:nvSpPr>
+          <p:cNvPr id="7" name="Slide Number Placeholder 6"/>
+          <p:cNvSpPr>
+            <a:spLocks noGrp="1"/>
+          </p:cNvSpPr>
+          <p:nvPr>
+            <p:ph type="sldNum" sz="quarter" idx="5"/>
+          </p:nvPr>
+        </p:nvSpPr>
+        <p:spPr>
+          <a:xfrm>
+            <a:off x="3884613" y="8685213"/>
+            <a:ext cx="2971800" cy="458787"/>
+          </a:xfrm>
+          <a:prstGeom prst="rect">
+            <a:avLst/>
+          </a:prstGeom>
+        </p:spPr>
+        <p:txBody>
+          <a:bodyPr vert="horz" lIns="91440" tIns="45720" rIns="91440" bIns="45720" rtlCol="0" anchor="b"/>
+          <a:lstStyle>
+            <a:lvl1pPr algn="r">
+              <a:defRPr sz="1200"/>
+            </a:lvl1pPr>
+          </a:lstStyle>
+          <a:p>
+            <a:fld id="{FEEF5E9B-7EE4-0343-9277-0F68A14C7742}" type="slidenum">
+              <a:rPr lang="en-US" smtClean="0"/>
+              <a:t>‹#›</a:t>
+            </a:fld>
+            <a:endParaRPr lang="en-US"/>
+          </a:p>
+        </p:txBody>
+      </p:sp>
+    </p:spTree>
+    <p:extLst>
+      <p:ext uri="{BB962C8B-B14F-4D97-AF65-F5344CB8AC3E}">
+        <p14:creationId xmlns:p14="http://schemas.microsoft.com/office/powerpoint/2010/main" val="3039017940"/>
+      </p:ext>
+    </p:extLst>
+  </p:cSld>
+  <p:clrMap bg1="lt1" tx1="dk1" bg2="lt2" tx2="dk2" accent1="accent1" accent2="accent2" accent3="accent3" accent4="accent4" accent5="accent5" accent6="accent6" hlink="hlink" folHlink="folHlink"/>
+  <p:notesStyle>
+    <a:lvl1pPr marL="0" algn="l" defTabSz="914400" rtl="0" eaLnBrk="1" latinLnBrk="0" hangingPunct="1">
+      <a:defRPr sz="1200" kern="1200">
+        <a:solidFill>
+          <a:schemeClr val="tx1"/>
+        </a:solidFill>
+        <a:latin typeface="+mn-lt"/>
+        <a:ea typeface="+mn-ea"/>
+        <a:cs typeface="+mn-cs"/>
+      </a:defRPr>
+    </a:lvl1pPr>
+    <a:lvl2pPr marL="457200" algn="l" defTabSz="914400" rtl="0" eaLnBrk="1" latinLnBrk="0" hangingPunct="1">
+      <a:defRPr sz="1200" kern="1200">
+        <a:solidFill>
+          <a:schemeClr val="tx1"/>
+        </a:solidFill>
+        <a:latin typeface="+mn-lt"/>
+        <a:ea typeface="+mn-ea"/>
+        <a:cs typeface="+mn-cs"/>
+      </a:defRPr>
+    </a:lvl2pPr>
+    <a:lvl3pPr marL="914400" algn="l" defTabSz="914400" rtl="0" eaLnBrk="1" latinLnBrk="0" hangingPunct="1">
+      <a:defRPr sz="1200" kern="1200">
+        <a:solidFill>
+          <a:schemeClr val="tx1"/>
+        </a:solidFill>
+        <a:latin typeface="+mn-lt"/>
+        <a:ea typeface="+mn-ea"/>
+        <a:cs typeface="+mn-cs"/>
+      </a:defRPr>
+    </a:lvl3pPr>
+    <a:lvl4pPr marL="1371600" algn="l" defTabSz="914400" rtl="0" eaLnBrk="1" latinLnBrk="0" hangingPunct="1">
+      <a:defRPr sz="1200" kern="1200">
+        <a:solidFill>
+          <a:schemeClr val="tx1"/>
+        </a:solidFill>
+        <a:latin typeface="+mn-lt"/>
+        <a:ea typeface="+mn-ea"/>
+        <a:cs typeface="+mn-cs"/>
+      </a:defRPr>
+    </a:lvl4pPr>
+    <a:lvl5pPr marL="1828800" algn="l" defTabSz="914400" rtl="0" eaLnBrk="1" latinLnBrk="0" hangingPunct="1">
+      <a:defRPr sz="1200" kern="1200">
+        <a:solidFill>
+          <a:schemeClr val="tx1"/>
+        </a:solidFill>
+        <a:latin typeface="+mn-lt"/>
+        <a:ea typeface="+mn-ea"/>
+        <a:cs typeface="+mn-cs"/>
+      </a:defRPr>
+    </a:lvl5pPr>
+    <a:lvl6pPr marL="2286000" algn="l" defTabSz="914400" rtl="0" eaLnBrk="1" latinLnBrk="0" hangingPunct="1">
+      <a:defRPr sz="1200" kern="1200">
+        <a:solidFill>
+          <a:schemeClr val="tx1"/>
+        </a:solidFill>
+        <a:latin typeface="+mn-lt"/>
+        <a:ea typeface="+mn-ea"/>
+        <a:cs typeface="+mn-cs"/>
+      </a:defRPr>
+    </a:lvl6pPr>
+    <a:lvl7pPr marL="2743200" algn="l" defTabSz="914400" rtl="0" eaLnBrk="1" latinLnBrk="0" hangingPunct="1">
+      <a:defRPr sz="1200" kern="1200">
+        <a:solidFill>
+          <a:schemeClr val="tx1"/>
+        </a:solidFill>
+        <a:latin typeface="+mn-lt"/>
+        <a:ea typeface="+mn-ea"/>
+        <a:cs typeface="+mn-cs"/>
+      </a:defRPr>
+    </a:lvl7pPr>
+    <a:lvl8pPr marL="3200400" algn="l" defTabSz="914400" rtl="0" eaLnBrk="1" latinLnBrk="0" hangingPunct="1">
+      <a:defRPr sz="1200" kern="1200">
+        <a:solidFill>
+          <a:schemeClr val="tx1"/>
+        </a:solidFill>
+        <a:latin typeface="+mn-lt"/>
+        <a:ea typeface="+mn-ea"/>
+        <a:cs typeface="+mn-cs"/>
+      </a:defRPr>
+    </a:lvl8pPr>
+    <a:lvl9pPr marL="3657600" algn="l" defTabSz="914400" rtl="0" eaLnBrk="1" latinLnBrk="0" hangingPunct="1">
+      <a:defRPr sz="1200" kern="1200">
+        <a:solidFill>
+          <a:schemeClr val="tx1"/>
+        </a:solidFill>
+        <a:latin typeface="+mn-lt"/>
+        <a:ea typeface="+mn-ea"/>
+        <a:cs typeface="+mn-cs"/>
+      </a:defRPr>
+    </a:lvl9pPr>
+  </p:notesStyle>
+</p:notesMaster>
+</file>
+
+<file path=ppt/notesSlides/notesSlide1.xml><?xml version="1.0" encoding="utf-8"?>
+<p:notes xmlns:a="http://schemas.openxmlformats.org/drawingml/2006/main" xmlns:r="http://schemas.openxmlformats.org/officeDocument/2006/relationships" xmlns:p="http://schemas.openxmlformats.org/presentationml/2006/main">
+  <p:cSld>
+    <p:spTree>
+      <p:nvGrpSpPr>
+        <p:cNvPr id="1" name=""/>
+        <p:cNvGrpSpPr/>
+        <p:nvPr/>
+      </p:nvGrpSpPr>
+      <p:grpSpPr>
+        <a:xfrm>
+          <a:off x="0" y="0"/>
+          <a:ext cx="0" cy="0"/>
+          <a:chOff x="0" y="0"/>
+          <a:chExt cx="0" cy="0"/>
+        </a:xfrm>
+      </p:grpSpPr>
+      <p:sp>
+        <p:nvSpPr>
+          <p:cNvPr id="2" name="Slide Image Placeholder 1"/>
+          <p:cNvSpPr>
+            <a:spLocks noGrp="1" noRot="1" noChangeAspect="1"/>
+          </p:cNvSpPr>
+          <p:nvPr>
+            <p:ph type="sldImg"/>
+          </p:nvPr>
+        </p:nvSpPr>
+        <p:spPr/>
+      </p:sp>
+      <p:sp>
+        <p:nvSpPr>
+          <p:cNvPr id="3" name="Notes Placeholder 2"/>
+          <p:cNvSpPr>
+            <a:spLocks noGrp="1"/>
+          </p:cNvSpPr>
+          <p:nvPr>
+            <p:ph type="body" idx="1"/>
+          </p:nvPr>
+        </p:nvSpPr>
+        <p:spPr/>
+        <p:txBody>
+          <a:bodyPr/>
+          <a:lstStyle/>
+          <a:p>
+            <a:endParaRPr lang="en-US" dirty="0"/>
+          </a:p>
+        </p:txBody>
+      </p:sp>
+      <p:sp>
+        <p:nvSpPr>
+          <p:cNvPr id="4" name="Slide Number Placeholder 3"/>
+          <p:cNvSpPr>
+            <a:spLocks noGrp="1"/>
+          </p:cNvSpPr>
+          <p:nvPr>
+            <p:ph type="sldNum" sz="quarter" idx="5"/>
+          </p:nvPr>
+        </p:nvSpPr>
+        <p:spPr/>
+        <p:txBody>
+          <a:bodyPr/>
+          <a:lstStyle/>
+          <a:p>
+            <a:fld id="{FEEF5E9B-7EE4-0343-9277-0F68A14C7742}" type="slidenum">
+              <a:rPr lang="en-US" smtClean="0"/>
+              <a:t>1</a:t>
+            </a:fld>
+            <a:endParaRPr lang="en-US"/>
+          </a:p>
+        </p:txBody>
+      </p:sp>
+    </p:spTree>
+    <p:extLst>
+      <p:ext uri="{BB962C8B-B14F-4D97-AF65-F5344CB8AC3E}">
+        <p14:creationId xmlns:p14="http://schemas.microsoft.com/office/powerpoint/2010/main" val="3774022798"/>
+      </p:ext>
+    </p:extLst>
+  </p:cSld>
+  <p:clrMapOvr>
+    <a:masterClrMapping/>
+  </p:clrMapOvr>
+</p:notes>
 </file>
 
 <file path=ppt/slideLayouts/slideLayout1.xml><?xml version="1.0" encoding="utf-8"?>
@@ -3321,6 +3757,62 @@
           <a:chExt cx="0" cy="0"/>
         </a:xfrm>
       </p:grpSpPr>
+      <p:sp>
+        <p:nvSpPr>
+          <p:cNvPr id="83" name="Parallelogram 82">
+            <a:extLst>
+              <a:ext uri="{FF2B5EF4-FFF2-40B4-BE49-F238E27FC236}">
+                <a16:creationId xmlns:a16="http://schemas.microsoft.com/office/drawing/2014/main" id="{3B1BA451-B09D-05EA-F220-8FDCAFBE4E4D}"/>
+              </a:ext>
+            </a:extLst>
+          </p:cNvPr>
+          <p:cNvSpPr/>
+          <p:nvPr/>
+        </p:nvSpPr>
+        <p:spPr>
+          <a:xfrm>
+            <a:off x="6859795" y="3730700"/>
+            <a:ext cx="2195737" cy="581339"/>
+          </a:xfrm>
+          <a:prstGeom prst="parallelogram">
+            <a:avLst>
+              <a:gd name="adj" fmla="val 129432"/>
+            </a:avLst>
+          </a:prstGeom>
+          <a:solidFill>
+            <a:schemeClr val="bg1">
+              <a:lumMod val="85000"/>
+            </a:schemeClr>
+          </a:solidFill>
+          <a:ln>
+            <a:noFill/>
+          </a:ln>
+        </p:spPr>
+        <p:style>
+          <a:lnRef idx="2">
+            <a:schemeClr val="accent1">
+              <a:shade val="15000"/>
+            </a:schemeClr>
+          </a:lnRef>
+          <a:fillRef idx="1">
+            <a:schemeClr val="accent1"/>
+          </a:fillRef>
+          <a:effectRef idx="0">
+            <a:schemeClr val="accent1"/>
+          </a:effectRef>
+          <a:fontRef idx="minor">
+            <a:schemeClr val="lt1"/>
+          </a:fontRef>
+        </p:style>
+        <p:txBody>
+          <a:bodyPr rtlCol="0" anchor="ctr"/>
+          <a:lstStyle/>
+          <a:p>
+            <a:pPr algn="ctr"/>
+            <a:endParaRPr lang="en-US"/>
+          </a:p>
+        </p:txBody>
+      </p:sp>
       <p:grpSp>
         <p:nvGrpSpPr>
           <p:cNvPr id="61" name="Group 60">
@@ -3335,7 +3827,7 @@
         </p:nvGrpSpPr>
         <p:grpSpPr>
           <a:xfrm>
-            <a:off x="3387607" y="2150864"/>
+            <a:off x="500569" y="1832365"/>
             <a:ext cx="3899886" cy="3006952"/>
             <a:chOff x="3387607" y="2150864"/>
             <a:chExt cx="3899886" cy="3006952"/>
@@ -3356,7 +3848,7 @@
             <p:nvPr/>
           </p:nvPicPr>
           <p:blipFill>
-            <a:blip r:embed="rId2"/>
+            <a:blip r:embed="rId3"/>
             <a:stretch>
               <a:fillRect/>
             </a:stretch>
@@ -3542,9 +4034,9 @@
                   <a:avLst/>
                 </a:prstGeom>
                 <a:blipFill>
-                  <a:blip r:embed="rId3"/>
+                  <a:blip r:embed="rId4"/>
                   <a:stretch>
-                    <a:fillRect l="-18182" r="-9091"/>
+                    <a:fillRect l="-16667" r="-8333"/>
                   </a:stretch>
                 </a:blipFill>
               </p:spPr>
@@ -3578,7 +4070,7 @@
             <p:nvPr/>
           </p:nvPicPr>
           <p:blipFill>
-            <a:blip r:embed="rId4"/>
+            <a:blip r:embed="rId5"/>
             <a:stretch>
               <a:fillRect/>
             </a:stretch>
@@ -3692,9 +4184,9 @@
                   <a:avLst/>
                 </a:prstGeom>
                 <a:blipFill>
-                  <a:blip r:embed="rId5"/>
+                  <a:blip r:embed="rId6"/>
                   <a:stretch>
-                    <a:fillRect l="-11111" r="-7407" b="-12500"/>
+                    <a:fillRect l="-11538" r="-11538" b="-12500"/>
                   </a:stretch>
                 </a:blipFill>
               </p:spPr>
@@ -3787,9 +4279,9 @@
                   <a:avLst/>
                 </a:prstGeom>
                 <a:blipFill>
-                  <a:blip r:embed="rId6"/>
+                  <a:blip r:embed="rId7"/>
                   <a:stretch>
-                    <a:fillRect l="-25000" r="-18750" b="-5556"/>
+                    <a:fillRect l="-26667" r="-20000" b="-5556"/>
                   </a:stretch>
                 </a:blipFill>
               </p:spPr>
@@ -4033,9 +4525,9 @@
                   <a:avLst/>
                 </a:prstGeom>
                 <a:blipFill>
-                  <a:blip r:embed="rId7"/>
+                  <a:blip r:embed="rId8"/>
                   <a:stretch>
-                    <a:fillRect l="-12500" b="-12500"/>
+                    <a:fillRect l="-12500" r="-6250" b="-12500"/>
                   </a:stretch>
                 </a:blipFill>
               </p:spPr>
@@ -4147,9 +4639,9 @@
                   <a:avLst/>
                 </a:prstGeom>
                 <a:blipFill>
-                  <a:blip r:embed="rId8"/>
+                  <a:blip r:embed="rId9"/>
                   <a:stretch>
-                    <a:fillRect l="-13333" r="-6667" b="-13333"/>
+                    <a:fillRect l="-12500" b="-6250"/>
                   </a:stretch>
                 </a:blipFill>
               </p:spPr>
@@ -4302,9 +4794,9 @@
                   <a:avLst/>
                 </a:prstGeom>
                 <a:blipFill>
-                  <a:blip r:embed="rId9"/>
+                  <a:blip r:embed="rId10"/>
                   <a:stretch>
-                    <a:fillRect l="-21429" t="-6667" r="-28571" b="-6667"/>
+                    <a:fillRect l="-28571" t="-6667" r="-21429" b="-13333"/>
                   </a:stretch>
                 </a:blipFill>
               </p:spPr>
@@ -4397,9 +4889,9 @@
                   <a:avLst/>
                 </a:prstGeom>
                 <a:blipFill>
-                  <a:blip r:embed="rId10"/>
+                  <a:blip r:embed="rId11"/>
                   <a:stretch>
-                    <a:fillRect l="-9091" r="-18182"/>
+                    <a:fillRect l="-18182" r="-9091"/>
                   </a:stretch>
                 </a:blipFill>
               </p:spPr>
@@ -4619,9 +5111,9 @@
                   <a:avLst/>
                 </a:prstGeom>
                 <a:blipFill>
-                  <a:blip r:embed="rId11"/>
+                  <a:blip r:embed="rId12"/>
                   <a:stretch>
-                    <a:fillRect l="-9375" t="-6667" r="-6250" b="-13333"/>
+                    <a:fillRect l="-6250" r="-9375" b="-12500"/>
                   </a:stretch>
                 </a:blipFill>
               </p:spPr>
@@ -4890,7 +5382,7 @@
                   <a:avLst/>
                 </a:prstGeom>
                 <a:blipFill>
-                  <a:blip r:embed="rId12"/>
+                  <a:blip r:embed="rId13"/>
                   <a:stretch>
                     <a:fillRect l="-9677" r="-9677" b="-6250"/>
                   </a:stretch>
@@ -5151,7 +5643,7 @@
                   <a:avLst/>
                 </a:prstGeom>
                 <a:blipFill>
-                  <a:blip r:embed="rId13"/>
+                  <a:blip r:embed="rId14"/>
                   <a:stretch>
                     <a:fillRect t="-6667" r="-1538" b="-13333"/>
                   </a:stretch>
@@ -5234,7 +5726,7 @@
             <p:nvPr/>
           </p:nvPicPr>
           <p:blipFill>
-            <a:blip r:embed="rId14"/>
+            <a:blip r:embed="rId15"/>
             <a:stretch>
               <a:fillRect/>
             </a:stretch>
@@ -5250,6 +5742,1832 @@
           </p:spPr>
         </p:pic>
       </p:grpSp>
+      <p:cxnSp>
+        <p:nvCxnSpPr>
+          <p:cNvPr id="63" name="Straight Arrow Connector 62">
+            <a:extLst>
+              <a:ext uri="{FF2B5EF4-FFF2-40B4-BE49-F238E27FC236}">
+                <a16:creationId xmlns:a16="http://schemas.microsoft.com/office/drawing/2014/main" id="{FCF0AB94-6469-D389-E274-792036EDCC24}"/>
+              </a:ext>
+            </a:extLst>
+          </p:cNvPr>
+          <p:cNvCxnSpPr>
+            <a:cxnSpLocks/>
+          </p:cNvCxnSpPr>
+          <p:nvPr/>
+        </p:nvCxnSpPr>
+        <p:spPr>
+          <a:xfrm>
+            <a:off x="7592602" y="3727584"/>
+            <a:ext cx="1561672" cy="0"/>
+          </a:xfrm>
+          <a:prstGeom prst="straightConnector1">
+            <a:avLst/>
+          </a:prstGeom>
+          <a:ln>
+            <a:solidFill>
+              <a:schemeClr val="tx1"/>
+            </a:solidFill>
+            <a:tailEnd type="triangle"/>
+          </a:ln>
+        </p:spPr>
+        <p:style>
+          <a:lnRef idx="2">
+            <a:schemeClr val="accent1"/>
+          </a:lnRef>
+          <a:fillRef idx="0">
+            <a:schemeClr val="accent1"/>
+          </a:fillRef>
+          <a:effectRef idx="1">
+            <a:schemeClr val="accent1"/>
+          </a:effectRef>
+          <a:fontRef idx="minor">
+            <a:schemeClr val="tx1"/>
+          </a:fontRef>
+        </p:style>
+      </p:cxnSp>
+      <p:cxnSp>
+        <p:nvCxnSpPr>
+          <p:cNvPr id="65" name="Straight Arrow Connector 64">
+            <a:extLst>
+              <a:ext uri="{FF2B5EF4-FFF2-40B4-BE49-F238E27FC236}">
+                <a16:creationId xmlns:a16="http://schemas.microsoft.com/office/drawing/2014/main" id="{75215B55-6CA5-EEF6-F969-A080CCE7F6B4}"/>
+              </a:ext>
+            </a:extLst>
+          </p:cNvPr>
+          <p:cNvCxnSpPr>
+            <a:cxnSpLocks/>
+          </p:cNvCxnSpPr>
+          <p:nvPr/>
+        </p:nvCxnSpPr>
+        <p:spPr>
+          <a:xfrm flipV="1">
+            <a:off x="7592602" y="2146917"/>
+            <a:ext cx="0" cy="1580667"/>
+          </a:xfrm>
+          <a:prstGeom prst="straightConnector1">
+            <a:avLst/>
+          </a:prstGeom>
+          <a:ln>
+            <a:solidFill>
+              <a:schemeClr val="tx1"/>
+            </a:solidFill>
+            <a:tailEnd type="triangle"/>
+          </a:ln>
+        </p:spPr>
+        <p:style>
+          <a:lnRef idx="2">
+            <a:schemeClr val="accent1"/>
+          </a:lnRef>
+          <a:fillRef idx="0">
+            <a:schemeClr val="accent1"/>
+          </a:fillRef>
+          <a:effectRef idx="1">
+            <a:schemeClr val="accent1"/>
+          </a:effectRef>
+          <a:fontRef idx="minor">
+            <a:schemeClr val="tx1"/>
+          </a:fontRef>
+        </p:style>
+      </p:cxnSp>
+      <p:cxnSp>
+        <p:nvCxnSpPr>
+          <p:cNvPr id="67" name="Straight Arrow Connector 66">
+            <a:extLst>
+              <a:ext uri="{FF2B5EF4-FFF2-40B4-BE49-F238E27FC236}">
+                <a16:creationId xmlns:a16="http://schemas.microsoft.com/office/drawing/2014/main" id="{7FE6AA9E-CBD1-5C80-80FE-D084584C06ED}"/>
+              </a:ext>
+            </a:extLst>
+          </p:cNvPr>
+          <p:cNvCxnSpPr>
+            <a:cxnSpLocks/>
+          </p:cNvCxnSpPr>
+          <p:nvPr/>
+        </p:nvCxnSpPr>
+        <p:spPr>
+          <a:xfrm flipH="1">
+            <a:off x="6812938" y="3727584"/>
+            <a:ext cx="779663" cy="609254"/>
+          </a:xfrm>
+          <a:prstGeom prst="straightConnector1">
+            <a:avLst/>
+          </a:prstGeom>
+          <a:ln>
+            <a:solidFill>
+              <a:schemeClr val="tx1"/>
+            </a:solidFill>
+            <a:tailEnd type="triangle"/>
+          </a:ln>
+        </p:spPr>
+        <p:style>
+          <a:lnRef idx="2">
+            <a:schemeClr val="accent1"/>
+          </a:lnRef>
+          <a:fillRef idx="0">
+            <a:schemeClr val="accent1"/>
+          </a:fillRef>
+          <a:effectRef idx="1">
+            <a:schemeClr val="accent1"/>
+          </a:effectRef>
+          <a:fontRef idx="minor">
+            <a:schemeClr val="tx1"/>
+          </a:fontRef>
+        </p:style>
+      </p:cxnSp>
+      <p:sp>
+        <p:nvSpPr>
+          <p:cNvPr id="70" name="Freeform 69">
+            <a:extLst>
+              <a:ext uri="{FF2B5EF4-FFF2-40B4-BE49-F238E27FC236}">
+                <a16:creationId xmlns:a16="http://schemas.microsoft.com/office/drawing/2014/main" id="{B781CDD4-96CF-45C7-73D3-86DC3C0A20FC}"/>
+              </a:ext>
+            </a:extLst>
+          </p:cNvPr>
+          <p:cNvSpPr/>
+          <p:nvPr/>
+        </p:nvSpPr>
+        <p:spPr>
+          <a:xfrm>
+            <a:off x="7592599" y="2504442"/>
+            <a:ext cx="1229058" cy="1194515"/>
+          </a:xfrm>
+          <a:custGeom>
+            <a:avLst/>
+            <a:gdLst>
+              <a:gd name="connsiteX0" fmla="*/ 0 w 821933"/>
+              <a:gd name="connsiteY0" fmla="*/ 0 h 1140432"/>
+              <a:gd name="connsiteX1" fmla="*/ 441789 w 821933"/>
+              <a:gd name="connsiteY1" fmla="*/ 226032 h 1140432"/>
+              <a:gd name="connsiteX2" fmla="*/ 452063 w 821933"/>
+              <a:gd name="connsiteY2" fmla="*/ 801385 h 1140432"/>
+              <a:gd name="connsiteX3" fmla="*/ 821933 w 821933"/>
+              <a:gd name="connsiteY3" fmla="*/ 1140432 h 1140432"/>
+            </a:gdLst>
+            <a:ahLst/>
+            <a:cxnLst>
+              <a:cxn ang="0">
+                <a:pos x="connsiteX0" y="connsiteY0"/>
+              </a:cxn>
+              <a:cxn ang="0">
+                <a:pos x="connsiteX1" y="connsiteY1"/>
+              </a:cxn>
+              <a:cxn ang="0">
+                <a:pos x="connsiteX2" y="connsiteY2"/>
+              </a:cxn>
+              <a:cxn ang="0">
+                <a:pos x="connsiteX3" y="connsiteY3"/>
+              </a:cxn>
+            </a:cxnLst>
+            <a:rect l="l" t="t" r="r" b="b"/>
+            <a:pathLst>
+              <a:path w="821933" h="1140432">
+                <a:moveTo>
+                  <a:pt x="0" y="0"/>
+                </a:moveTo>
+                <a:cubicBezTo>
+                  <a:pt x="183222" y="46234"/>
+                  <a:pt x="366445" y="92468"/>
+                  <a:pt x="441789" y="226032"/>
+                </a:cubicBezTo>
+                <a:cubicBezTo>
+                  <a:pt x="517133" y="359596"/>
+                  <a:pt x="388706" y="648985"/>
+                  <a:pt x="452063" y="801385"/>
+                </a:cubicBezTo>
+                <a:cubicBezTo>
+                  <a:pt x="515420" y="953785"/>
+                  <a:pt x="668676" y="1047108"/>
+                  <a:pt x="821933" y="1140432"/>
+                </a:cubicBezTo>
+              </a:path>
+            </a:pathLst>
+          </a:custGeom>
+          <a:noFill/>
+          <a:ln>
+            <a:solidFill>
+              <a:schemeClr val="accent2">
+                <a:lumMod val="40000"/>
+                <a:lumOff val="60000"/>
+              </a:schemeClr>
+            </a:solidFill>
+          </a:ln>
+        </p:spPr>
+        <p:style>
+          <a:lnRef idx="2">
+            <a:schemeClr val="accent1">
+              <a:shade val="15000"/>
+            </a:schemeClr>
+          </a:lnRef>
+          <a:fillRef idx="1">
+            <a:schemeClr val="accent1"/>
+          </a:fillRef>
+          <a:effectRef idx="0">
+            <a:schemeClr val="accent1"/>
+          </a:effectRef>
+          <a:fontRef idx="minor">
+            <a:schemeClr val="lt1"/>
+          </a:fontRef>
+        </p:style>
+        <p:txBody>
+          <a:bodyPr rtlCol="0" anchor="ctr"/>
+          <a:lstStyle/>
+          <a:p>
+            <a:pPr algn="ctr"/>
+            <a:endParaRPr lang="en-US">
+              <a:solidFill>
+                <a:schemeClr val="accent2">
+                  <a:lumMod val="20000"/>
+                  <a:lumOff val="80000"/>
+                </a:schemeClr>
+              </a:solidFill>
+            </a:endParaRPr>
+          </a:p>
+        </p:txBody>
+      </p:sp>
+      <p:cxnSp>
+        <p:nvCxnSpPr>
+          <p:cNvPr id="78" name="Straight Connector 77">
+            <a:extLst>
+              <a:ext uri="{FF2B5EF4-FFF2-40B4-BE49-F238E27FC236}">
+                <a16:creationId xmlns:a16="http://schemas.microsoft.com/office/drawing/2014/main" id="{6C333307-57A5-2045-2B19-6DD45D4F313A}"/>
+              </a:ext>
+            </a:extLst>
+          </p:cNvPr>
+          <p:cNvCxnSpPr>
+            <a:cxnSpLocks/>
+          </p:cNvCxnSpPr>
+          <p:nvPr/>
+        </p:nvCxnSpPr>
+        <p:spPr>
+          <a:xfrm flipH="1" flipV="1">
+            <a:off x="7596295" y="3729176"/>
+            <a:ext cx="727434" cy="550280"/>
+          </a:xfrm>
+          <a:prstGeom prst="line">
+            <a:avLst/>
+          </a:prstGeom>
+          <a:ln w="12700">
+            <a:solidFill>
+              <a:schemeClr val="tx1"/>
+            </a:solidFill>
+            <a:prstDash val="solid"/>
+          </a:ln>
+        </p:spPr>
+        <p:style>
+          <a:lnRef idx="2">
+            <a:schemeClr val="accent1"/>
+          </a:lnRef>
+          <a:fillRef idx="0">
+            <a:schemeClr val="accent1"/>
+          </a:fillRef>
+          <a:effectRef idx="1">
+            <a:schemeClr val="accent1"/>
+          </a:effectRef>
+          <a:fontRef idx="minor">
+            <a:schemeClr val="tx1"/>
+          </a:fontRef>
+        </p:style>
+      </p:cxnSp>
+      <p:sp>
+        <p:nvSpPr>
+          <p:cNvPr id="85" name="Oval 84">
+            <a:extLst>
+              <a:ext uri="{FF2B5EF4-FFF2-40B4-BE49-F238E27FC236}">
+                <a16:creationId xmlns:a16="http://schemas.microsoft.com/office/drawing/2014/main" id="{D2E88170-E9E5-8848-141F-A541F3E35B59}"/>
+              </a:ext>
+            </a:extLst>
+          </p:cNvPr>
+          <p:cNvSpPr/>
+          <p:nvPr/>
+        </p:nvSpPr>
+        <p:spPr>
+          <a:xfrm>
+            <a:off x="6916906" y="3093265"/>
+            <a:ext cx="1331893" cy="499698"/>
+          </a:xfrm>
+          <a:prstGeom prst="ellipse">
+            <a:avLst/>
+          </a:prstGeom>
+          <a:noFill/>
+          <a:ln w="12700">
+            <a:solidFill>
+              <a:schemeClr val="tx1"/>
+            </a:solidFill>
+            <a:prstDash val="solid"/>
+          </a:ln>
+        </p:spPr>
+        <p:style>
+          <a:lnRef idx="2">
+            <a:schemeClr val="accent1">
+              <a:shade val="15000"/>
+            </a:schemeClr>
+          </a:lnRef>
+          <a:fillRef idx="1">
+            <a:schemeClr val="accent1"/>
+          </a:fillRef>
+          <a:effectRef idx="0">
+            <a:schemeClr val="accent1"/>
+          </a:effectRef>
+          <a:fontRef idx="minor">
+            <a:schemeClr val="lt1"/>
+          </a:fontRef>
+        </p:style>
+        <p:txBody>
+          <a:bodyPr rtlCol="0" anchor="ctr"/>
+          <a:lstStyle/>
+          <a:p>
+            <a:pPr algn="ctr"/>
+            <a:endParaRPr lang="en-US"/>
+          </a:p>
+        </p:txBody>
+      </p:sp>
+      <mc:AlternateContent xmlns:mc="http://schemas.openxmlformats.org/markup-compatibility/2006">
+        <mc:Choice xmlns:a14="http://schemas.microsoft.com/office/drawing/2010/main" Requires="a14">
+          <p:sp>
+            <p:nvSpPr>
+              <p:cNvPr id="91" name="TextBox 90">
+                <a:extLst>
+                  <a:ext uri="{FF2B5EF4-FFF2-40B4-BE49-F238E27FC236}">
+                    <a16:creationId xmlns:a16="http://schemas.microsoft.com/office/drawing/2014/main" id="{F5FB184E-495F-7771-0A03-B4A3F79B8A87}"/>
+                  </a:ext>
+                </a:extLst>
+              </p:cNvPr>
+              <p:cNvSpPr txBox="1"/>
+              <p:nvPr/>
+            </p:nvSpPr>
+            <p:spPr>
+              <a:xfrm>
+                <a:off x="8219989" y="3743035"/>
+                <a:ext cx="318425" cy="184666"/>
+              </a:xfrm>
+              <a:prstGeom prst="rect">
+                <a:avLst/>
+              </a:prstGeom>
+              <a:noFill/>
+            </p:spPr>
+            <p:txBody>
+              <a:bodyPr wrap="square" lIns="0" tIns="0" rIns="0" bIns="0" rtlCol="0">
+                <a:spAutoFit/>
+              </a:bodyPr>
+              <a:lstStyle/>
+              <a:p>
+                <a14:m>
+                  <m:oMathPara xmlns:m="http://schemas.openxmlformats.org/officeDocument/2006/math">
+                    <m:oMathParaPr>
+                      <m:jc m:val="centerGroup"/>
+                    </m:oMathParaPr>
+                    <m:oMath xmlns:m="http://schemas.openxmlformats.org/officeDocument/2006/math">
+                      <m:r>
+                        <a:rPr lang="en-US" sz="1200" b="0" i="1" smtClean="0">
+                          <a:latin typeface="Cambria Math" panose="02040503050406030204" pitchFamily="18" charset="0"/>
+                        </a:rPr>
+                        <m:t>𝑓</m:t>
+                      </m:r>
+                      <m:r>
+                        <a:rPr lang="en-US" sz="1200" b="0" i="1" smtClean="0">
+                          <a:latin typeface="Cambria Math" panose="02040503050406030204" pitchFamily="18" charset="0"/>
+                        </a:rPr>
+                        <m:t>(</m:t>
+                      </m:r>
+                      <m:r>
+                        <a:rPr lang="en-US" sz="1200" b="0" i="1" smtClean="0">
+                          <a:latin typeface="Cambria Math" panose="02040503050406030204" pitchFamily="18" charset="0"/>
+                        </a:rPr>
+                        <m:t>𝑢</m:t>
+                      </m:r>
+                      <m:r>
+                        <a:rPr lang="en-US" sz="1200" b="0" i="1" smtClean="0">
+                          <a:latin typeface="Cambria Math" panose="02040503050406030204" pitchFamily="18" charset="0"/>
+                        </a:rPr>
+                        <m:t>)</m:t>
+                      </m:r>
+                    </m:oMath>
+                  </m:oMathPara>
+                </a14:m>
+                <a:endParaRPr lang="en-US" sz="1600" dirty="0"/>
+              </a:p>
+            </p:txBody>
+          </p:sp>
+        </mc:Choice>
+        <mc:Fallback>
+          <p:sp>
+            <p:nvSpPr>
+              <p:cNvPr id="91" name="TextBox 90">
+                <a:extLst>
+                  <a:ext uri="{FF2B5EF4-FFF2-40B4-BE49-F238E27FC236}">
+                    <a16:creationId xmlns:a16="http://schemas.microsoft.com/office/drawing/2014/main" id="{F5FB184E-495F-7771-0A03-B4A3F79B8A87}"/>
+                  </a:ext>
+                </a:extLst>
+              </p:cNvPr>
+              <p:cNvSpPr txBox="1">
+                <a:spLocks noRot="1" noChangeAspect="1" noMove="1" noResize="1" noEditPoints="1" noAdjustHandles="1" noChangeArrowheads="1" noChangeShapeType="1" noTextEdit="1"/>
+              </p:cNvSpPr>
+              <p:nvPr/>
+            </p:nvSpPr>
+            <p:spPr>
+              <a:xfrm>
+                <a:off x="8219989" y="3743035"/>
+                <a:ext cx="318425" cy="184666"/>
+              </a:xfrm>
+              <a:prstGeom prst="rect">
+                <a:avLst/>
+              </a:prstGeom>
+              <a:blipFill>
+                <a:blip r:embed="rId16"/>
+                <a:stretch>
+                  <a:fillRect l="-23077" r="-19231" b="-31250"/>
+                </a:stretch>
+              </a:blipFill>
+            </p:spPr>
+            <p:txBody>
+              <a:bodyPr/>
+              <a:lstStyle/>
+              <a:p>
+                <a:r>
+                  <a:rPr lang="en-US">
+                    <a:noFill/>
+                  </a:rPr>
+                  <a:t> </a:t>
+                </a:r>
+              </a:p>
+            </p:txBody>
+          </p:sp>
+        </mc:Fallback>
+      </mc:AlternateContent>
+      <mc:AlternateContent xmlns:mc="http://schemas.openxmlformats.org/markup-compatibility/2006">
+        <mc:Choice xmlns:a14="http://schemas.microsoft.com/office/drawing/2010/main" Requires="a14">
+          <p:sp>
+            <p:nvSpPr>
+              <p:cNvPr id="92" name="TextBox 91">
+                <a:extLst>
+                  <a:ext uri="{FF2B5EF4-FFF2-40B4-BE49-F238E27FC236}">
+                    <a16:creationId xmlns:a16="http://schemas.microsoft.com/office/drawing/2014/main" id="{AF251EF3-2830-E760-F0D7-474B92598900}"/>
+                  </a:ext>
+                </a:extLst>
+              </p:cNvPr>
+              <p:cNvSpPr txBox="1"/>
+              <p:nvPr/>
+            </p:nvSpPr>
+            <p:spPr>
+              <a:xfrm>
+                <a:off x="7219315" y="3229768"/>
+                <a:ext cx="318425" cy="184666"/>
+              </a:xfrm>
+              <a:prstGeom prst="rect">
+                <a:avLst/>
+              </a:prstGeom>
+              <a:noFill/>
+            </p:spPr>
+            <p:txBody>
+              <a:bodyPr wrap="square" lIns="0" tIns="0" rIns="0" bIns="0" rtlCol="0">
+                <a:spAutoFit/>
+              </a:bodyPr>
+              <a:lstStyle/>
+              <a:p>
+                <a14:m>
+                  <m:oMathPara xmlns:m="http://schemas.openxmlformats.org/officeDocument/2006/math">
+                    <m:oMathParaPr>
+                      <m:jc m:val="centerGroup"/>
+                    </m:oMathParaPr>
+                    <m:oMath xmlns:m="http://schemas.openxmlformats.org/officeDocument/2006/math">
+                      <m:r>
+                        <a:rPr lang="en-US" sz="1200" b="0" i="1" smtClean="0">
+                          <a:latin typeface="Cambria Math" panose="02040503050406030204" pitchFamily="18" charset="0"/>
+                        </a:rPr>
+                        <m:t>𝑔</m:t>
+                      </m:r>
+                      <m:r>
+                        <a:rPr lang="en-US" sz="1200" b="0" i="1" smtClean="0">
+                          <a:latin typeface="Cambria Math" panose="02040503050406030204" pitchFamily="18" charset="0"/>
+                        </a:rPr>
+                        <m:t>(</m:t>
+                      </m:r>
+                      <m:r>
+                        <a:rPr lang="en-US" sz="1200" b="0" i="1" smtClean="0">
+                          <a:latin typeface="Cambria Math" panose="02040503050406030204" pitchFamily="18" charset="0"/>
+                        </a:rPr>
+                        <m:t>𝑢</m:t>
+                      </m:r>
+                      <m:r>
+                        <a:rPr lang="en-US" sz="1200" b="0" i="1" smtClean="0">
+                          <a:latin typeface="Cambria Math" panose="02040503050406030204" pitchFamily="18" charset="0"/>
+                        </a:rPr>
+                        <m:t>)</m:t>
+                      </m:r>
+                    </m:oMath>
+                  </m:oMathPara>
+                </a14:m>
+                <a:endParaRPr lang="en-US" sz="1600" dirty="0"/>
+              </a:p>
+            </p:txBody>
+          </p:sp>
+        </mc:Choice>
+        <mc:Fallback>
+          <p:sp>
+            <p:nvSpPr>
+              <p:cNvPr id="92" name="TextBox 91">
+                <a:extLst>
+                  <a:ext uri="{FF2B5EF4-FFF2-40B4-BE49-F238E27FC236}">
+                    <a16:creationId xmlns:a16="http://schemas.microsoft.com/office/drawing/2014/main" id="{AF251EF3-2830-E760-F0D7-474B92598900}"/>
+                  </a:ext>
+                </a:extLst>
+              </p:cNvPr>
+              <p:cNvSpPr txBox="1">
+                <a:spLocks noRot="1" noChangeAspect="1" noMove="1" noResize="1" noEditPoints="1" noAdjustHandles="1" noChangeArrowheads="1" noChangeShapeType="1" noTextEdit="1"/>
+              </p:cNvSpPr>
+              <p:nvPr/>
+            </p:nvSpPr>
+            <p:spPr>
+              <a:xfrm>
+                <a:off x="7219315" y="3229768"/>
+                <a:ext cx="318425" cy="184666"/>
+              </a:xfrm>
+              <a:prstGeom prst="rect">
+                <a:avLst/>
+              </a:prstGeom>
+              <a:blipFill>
+                <a:blip r:embed="rId17"/>
+                <a:stretch>
+                  <a:fillRect l="-15385" r="-23077" b="-40000"/>
+                </a:stretch>
+              </a:blipFill>
+            </p:spPr>
+            <p:txBody>
+              <a:bodyPr/>
+              <a:lstStyle/>
+              <a:p>
+                <a:r>
+                  <a:rPr lang="en-US">
+                    <a:noFill/>
+                  </a:rPr>
+                  <a:t> </a:t>
+                </a:r>
+              </a:p>
+            </p:txBody>
+          </p:sp>
+        </mc:Fallback>
+      </mc:AlternateContent>
+      <p:cxnSp>
+        <p:nvCxnSpPr>
+          <p:cNvPr id="93" name="Straight Connector 92">
+            <a:extLst>
+              <a:ext uri="{FF2B5EF4-FFF2-40B4-BE49-F238E27FC236}">
+                <a16:creationId xmlns:a16="http://schemas.microsoft.com/office/drawing/2014/main" id="{66DF056E-A993-72FC-86EE-8ED611B3424F}"/>
+              </a:ext>
+            </a:extLst>
+          </p:cNvPr>
+          <p:cNvCxnSpPr>
+            <a:cxnSpLocks/>
+          </p:cNvCxnSpPr>
+          <p:nvPr/>
+        </p:nvCxnSpPr>
+        <p:spPr>
+          <a:xfrm flipH="1">
+            <a:off x="7592599" y="3327301"/>
+            <a:ext cx="656200" cy="0"/>
+          </a:xfrm>
+          <a:prstGeom prst="line">
+            <a:avLst/>
+          </a:prstGeom>
+          <a:ln w="12700">
+            <a:solidFill>
+              <a:schemeClr val="tx1"/>
+            </a:solidFill>
+            <a:prstDash val="dash"/>
+          </a:ln>
+        </p:spPr>
+        <p:style>
+          <a:lnRef idx="2">
+            <a:schemeClr val="accent1"/>
+          </a:lnRef>
+          <a:fillRef idx="0">
+            <a:schemeClr val="accent1"/>
+          </a:fillRef>
+          <a:effectRef idx="1">
+            <a:schemeClr val="accent1"/>
+          </a:effectRef>
+          <a:fontRef idx="minor">
+            <a:schemeClr val="tx1"/>
+          </a:fontRef>
+        </p:style>
+      </p:cxnSp>
+      <p:cxnSp>
+        <p:nvCxnSpPr>
+          <p:cNvPr id="96" name="Straight Connector 95">
+            <a:extLst>
+              <a:ext uri="{FF2B5EF4-FFF2-40B4-BE49-F238E27FC236}">
+                <a16:creationId xmlns:a16="http://schemas.microsoft.com/office/drawing/2014/main" id="{B12F3D1E-7393-C433-C8F1-D1BBBF941972}"/>
+              </a:ext>
+            </a:extLst>
+          </p:cNvPr>
+          <p:cNvCxnSpPr>
+            <a:cxnSpLocks/>
+          </p:cNvCxnSpPr>
+          <p:nvPr/>
+        </p:nvCxnSpPr>
+        <p:spPr>
+          <a:xfrm flipH="1" flipV="1">
+            <a:off x="8249335" y="3322101"/>
+            <a:ext cx="6579" cy="414440"/>
+          </a:xfrm>
+          <a:prstGeom prst="line">
+            <a:avLst/>
+          </a:prstGeom>
+          <a:ln w="12700">
+            <a:solidFill>
+              <a:schemeClr val="tx1"/>
+            </a:solidFill>
+            <a:prstDash val="dash"/>
+          </a:ln>
+        </p:spPr>
+        <p:style>
+          <a:lnRef idx="2">
+            <a:schemeClr val="accent1"/>
+          </a:lnRef>
+          <a:fillRef idx="0">
+            <a:schemeClr val="accent1"/>
+          </a:fillRef>
+          <a:effectRef idx="1">
+            <a:schemeClr val="accent1"/>
+          </a:effectRef>
+          <a:fontRef idx="minor">
+            <a:schemeClr val="tx1"/>
+          </a:fontRef>
+        </p:style>
+      </p:cxnSp>
+      <mc:AlternateContent xmlns:mc="http://schemas.openxmlformats.org/markup-compatibility/2006">
+        <mc:Choice xmlns:a14="http://schemas.microsoft.com/office/drawing/2010/main" Requires="a14">
+          <p:sp>
+            <p:nvSpPr>
+              <p:cNvPr id="100" name="TextBox 99">
+                <a:extLst>
+                  <a:ext uri="{FF2B5EF4-FFF2-40B4-BE49-F238E27FC236}">
+                    <a16:creationId xmlns:a16="http://schemas.microsoft.com/office/drawing/2014/main" id="{B986649D-BE05-4536-5CE7-82E1A8A25CCB}"/>
+                  </a:ext>
+                </a:extLst>
+              </p:cNvPr>
+              <p:cNvSpPr txBox="1"/>
+              <p:nvPr/>
+            </p:nvSpPr>
+            <p:spPr>
+              <a:xfrm>
+                <a:off x="7301607" y="1998380"/>
+                <a:ext cx="318425" cy="184666"/>
+              </a:xfrm>
+              <a:prstGeom prst="rect">
+                <a:avLst/>
+              </a:prstGeom>
+              <a:noFill/>
+            </p:spPr>
+            <p:txBody>
+              <a:bodyPr wrap="square" lIns="0" tIns="0" rIns="0" bIns="0" rtlCol="0">
+                <a:spAutoFit/>
+              </a:bodyPr>
+              <a:lstStyle/>
+              <a:p>
+                <a14:m>
+                  <m:oMathPara xmlns:m="http://schemas.openxmlformats.org/officeDocument/2006/math">
+                    <m:oMathParaPr>
+                      <m:jc m:val="centerGroup"/>
+                    </m:oMathParaPr>
+                    <m:oMath xmlns:m="http://schemas.openxmlformats.org/officeDocument/2006/math">
+                      <m:r>
+                        <a:rPr lang="en-US" sz="1200" b="0" i="1" smtClean="0">
+                          <a:latin typeface="Cambria Math" panose="02040503050406030204" pitchFamily="18" charset="0"/>
+                        </a:rPr>
+                        <m:t>𝑧</m:t>
+                      </m:r>
+                    </m:oMath>
+                  </m:oMathPara>
+                </a14:m>
+                <a:endParaRPr lang="en-US" sz="1600" dirty="0"/>
+              </a:p>
+            </p:txBody>
+          </p:sp>
+        </mc:Choice>
+        <mc:Fallback>
+          <p:sp>
+            <p:nvSpPr>
+              <p:cNvPr id="100" name="TextBox 99">
+                <a:extLst>
+                  <a:ext uri="{FF2B5EF4-FFF2-40B4-BE49-F238E27FC236}">
+                    <a16:creationId xmlns:a16="http://schemas.microsoft.com/office/drawing/2014/main" id="{B986649D-BE05-4536-5CE7-82E1A8A25CCB}"/>
+                  </a:ext>
+                </a:extLst>
+              </p:cNvPr>
+              <p:cNvSpPr txBox="1">
+                <a:spLocks noRot="1" noChangeAspect="1" noMove="1" noResize="1" noEditPoints="1" noAdjustHandles="1" noChangeArrowheads="1" noChangeShapeType="1" noTextEdit="1"/>
+              </p:cNvSpPr>
+              <p:nvPr/>
+            </p:nvSpPr>
+            <p:spPr>
+              <a:xfrm>
+                <a:off x="7301607" y="1998380"/>
+                <a:ext cx="318425" cy="184666"/>
+              </a:xfrm>
+              <a:prstGeom prst="rect">
+                <a:avLst/>
+              </a:prstGeom>
+              <a:blipFill>
+                <a:blip r:embed="rId18"/>
+                <a:stretch>
+                  <a:fillRect/>
+                </a:stretch>
+              </a:blipFill>
+            </p:spPr>
+            <p:txBody>
+              <a:bodyPr/>
+              <a:lstStyle/>
+              <a:p>
+                <a:r>
+                  <a:rPr lang="en-US">
+                    <a:noFill/>
+                  </a:rPr>
+                  <a:t> </a:t>
+                </a:r>
+              </a:p>
+            </p:txBody>
+          </p:sp>
+        </mc:Fallback>
+      </mc:AlternateContent>
+      <mc:AlternateContent xmlns:mc="http://schemas.openxmlformats.org/markup-compatibility/2006">
+        <mc:Choice xmlns:a14="http://schemas.microsoft.com/office/drawing/2010/main" Requires="a14">
+          <p:sp>
+            <p:nvSpPr>
+              <p:cNvPr id="101" name="TextBox 100">
+                <a:extLst>
+                  <a:ext uri="{FF2B5EF4-FFF2-40B4-BE49-F238E27FC236}">
+                    <a16:creationId xmlns:a16="http://schemas.microsoft.com/office/drawing/2014/main" id="{1DF090BD-D367-9370-568F-A50D28E6AC40}"/>
+                  </a:ext>
+                </a:extLst>
+              </p:cNvPr>
+              <p:cNvSpPr txBox="1"/>
+              <p:nvPr/>
+            </p:nvSpPr>
+            <p:spPr>
+              <a:xfrm>
+                <a:off x="6556587" y="4219706"/>
+                <a:ext cx="318425" cy="184666"/>
+              </a:xfrm>
+              <a:prstGeom prst="rect">
+                <a:avLst/>
+              </a:prstGeom>
+              <a:noFill/>
+            </p:spPr>
+            <p:txBody>
+              <a:bodyPr wrap="square" lIns="0" tIns="0" rIns="0" bIns="0" rtlCol="0">
+                <a:spAutoFit/>
+              </a:bodyPr>
+              <a:lstStyle/>
+              <a:p>
+                <a14:m>
+                  <m:oMathPara xmlns:m="http://schemas.openxmlformats.org/officeDocument/2006/math">
+                    <m:oMathParaPr>
+                      <m:jc m:val="centerGroup"/>
+                    </m:oMathParaPr>
+                    <m:oMath xmlns:m="http://schemas.openxmlformats.org/officeDocument/2006/math">
+                      <m:r>
+                        <a:rPr lang="en-US" sz="1200" b="0" i="1" smtClean="0">
+                          <a:latin typeface="Cambria Math" panose="02040503050406030204" pitchFamily="18" charset="0"/>
+                        </a:rPr>
+                        <m:t>𝑥</m:t>
+                      </m:r>
+                    </m:oMath>
+                  </m:oMathPara>
+                </a14:m>
+                <a:endParaRPr lang="en-US" sz="1600" dirty="0"/>
+              </a:p>
+            </p:txBody>
+          </p:sp>
+        </mc:Choice>
+        <mc:Fallback>
+          <p:sp>
+            <p:nvSpPr>
+              <p:cNvPr id="101" name="TextBox 100">
+                <a:extLst>
+                  <a:ext uri="{FF2B5EF4-FFF2-40B4-BE49-F238E27FC236}">
+                    <a16:creationId xmlns:a16="http://schemas.microsoft.com/office/drawing/2014/main" id="{1DF090BD-D367-9370-568F-A50D28E6AC40}"/>
+                  </a:ext>
+                </a:extLst>
+              </p:cNvPr>
+              <p:cNvSpPr txBox="1">
+                <a:spLocks noRot="1" noChangeAspect="1" noMove="1" noResize="1" noEditPoints="1" noAdjustHandles="1" noChangeArrowheads="1" noChangeShapeType="1" noTextEdit="1"/>
+              </p:cNvSpPr>
+              <p:nvPr/>
+            </p:nvSpPr>
+            <p:spPr>
+              <a:xfrm>
+                <a:off x="6556587" y="4219706"/>
+                <a:ext cx="318425" cy="184666"/>
+              </a:xfrm>
+              <a:prstGeom prst="rect">
+                <a:avLst/>
+              </a:prstGeom>
+              <a:blipFill>
+                <a:blip r:embed="rId19"/>
+                <a:stretch>
+                  <a:fillRect/>
+                </a:stretch>
+              </a:blipFill>
+            </p:spPr>
+            <p:txBody>
+              <a:bodyPr/>
+              <a:lstStyle/>
+              <a:p>
+                <a:r>
+                  <a:rPr lang="en-US">
+                    <a:noFill/>
+                  </a:rPr>
+                  <a:t> </a:t>
+                </a:r>
+              </a:p>
+            </p:txBody>
+          </p:sp>
+        </mc:Fallback>
+      </mc:AlternateContent>
+      <p:cxnSp>
+        <p:nvCxnSpPr>
+          <p:cNvPr id="102" name="Straight Connector 101">
+            <a:extLst>
+              <a:ext uri="{FF2B5EF4-FFF2-40B4-BE49-F238E27FC236}">
+                <a16:creationId xmlns:a16="http://schemas.microsoft.com/office/drawing/2014/main" id="{40806BDF-42DD-AE6A-4EBA-F430DD34304A}"/>
+              </a:ext>
+            </a:extLst>
+          </p:cNvPr>
+          <p:cNvCxnSpPr>
+            <a:cxnSpLocks/>
+          </p:cNvCxnSpPr>
+          <p:nvPr/>
+        </p:nvCxnSpPr>
+        <p:spPr>
+          <a:xfrm flipH="1" flipV="1">
+            <a:off x="7604061" y="3328893"/>
+            <a:ext cx="330990" cy="230764"/>
+          </a:xfrm>
+          <a:prstGeom prst="line">
+            <a:avLst/>
+          </a:prstGeom>
+          <a:ln w="12700">
+            <a:solidFill>
+              <a:schemeClr val="tx1"/>
+            </a:solidFill>
+            <a:prstDash val="dash"/>
+          </a:ln>
+        </p:spPr>
+        <p:style>
+          <a:lnRef idx="2">
+            <a:schemeClr val="accent1"/>
+          </a:lnRef>
+          <a:fillRef idx="0">
+            <a:schemeClr val="accent1"/>
+          </a:fillRef>
+          <a:effectRef idx="1">
+            <a:schemeClr val="accent1"/>
+          </a:effectRef>
+          <a:fontRef idx="minor">
+            <a:schemeClr val="tx1"/>
+          </a:fontRef>
+        </p:style>
+      </p:cxnSp>
+      <p:cxnSp>
+        <p:nvCxnSpPr>
+          <p:cNvPr id="106" name="Straight Connector 105">
+            <a:extLst>
+              <a:ext uri="{FF2B5EF4-FFF2-40B4-BE49-F238E27FC236}">
+                <a16:creationId xmlns:a16="http://schemas.microsoft.com/office/drawing/2014/main" id="{2160304E-7B41-7F31-B332-F98D8CB83544}"/>
+              </a:ext>
+            </a:extLst>
+          </p:cNvPr>
+          <p:cNvCxnSpPr>
+            <a:cxnSpLocks/>
+          </p:cNvCxnSpPr>
+          <p:nvPr/>
+        </p:nvCxnSpPr>
+        <p:spPr>
+          <a:xfrm flipV="1">
+            <a:off x="7935051" y="3600635"/>
+            <a:ext cx="0" cy="385886"/>
+          </a:xfrm>
+          <a:prstGeom prst="line">
+            <a:avLst/>
+          </a:prstGeom>
+          <a:ln w="12700">
+            <a:solidFill>
+              <a:schemeClr val="tx1"/>
+            </a:solidFill>
+            <a:prstDash val="dash"/>
+          </a:ln>
+        </p:spPr>
+        <p:style>
+          <a:lnRef idx="2">
+            <a:schemeClr val="accent1"/>
+          </a:lnRef>
+          <a:fillRef idx="0">
+            <a:schemeClr val="accent1"/>
+          </a:fillRef>
+          <a:effectRef idx="1">
+            <a:schemeClr val="accent1"/>
+          </a:effectRef>
+          <a:fontRef idx="minor">
+            <a:schemeClr val="tx1"/>
+          </a:fontRef>
+        </p:style>
+      </p:cxnSp>
+      <mc:AlternateContent xmlns:mc="http://schemas.openxmlformats.org/markup-compatibility/2006">
+        <mc:Choice xmlns:a14="http://schemas.microsoft.com/office/drawing/2010/main" Requires="a14">
+          <p:sp>
+            <p:nvSpPr>
+              <p:cNvPr id="112" name="TextBox 111">
+                <a:extLst>
+                  <a:ext uri="{FF2B5EF4-FFF2-40B4-BE49-F238E27FC236}">
+                    <a16:creationId xmlns:a16="http://schemas.microsoft.com/office/drawing/2014/main" id="{3386EB7A-5327-EECF-A57D-71AECA8CEE53}"/>
+                  </a:ext>
+                </a:extLst>
+              </p:cNvPr>
+              <p:cNvSpPr txBox="1"/>
+              <p:nvPr/>
+            </p:nvSpPr>
+            <p:spPr>
+              <a:xfrm>
+                <a:off x="9112652" y="3710846"/>
+                <a:ext cx="318425" cy="184666"/>
+              </a:xfrm>
+              <a:prstGeom prst="rect">
+                <a:avLst/>
+              </a:prstGeom>
+              <a:noFill/>
+            </p:spPr>
+            <p:txBody>
+              <a:bodyPr wrap="square" lIns="0" tIns="0" rIns="0" bIns="0" rtlCol="0">
+                <a:spAutoFit/>
+              </a:bodyPr>
+              <a:lstStyle/>
+              <a:p>
+                <a14:m>
+                  <m:oMathPara xmlns:m="http://schemas.openxmlformats.org/officeDocument/2006/math">
+                    <m:oMathParaPr>
+                      <m:jc m:val="centerGroup"/>
+                    </m:oMathParaPr>
+                    <m:oMath xmlns:m="http://schemas.openxmlformats.org/officeDocument/2006/math">
+                      <m:r>
+                        <a:rPr lang="en-US" sz="1200" b="0" i="1" smtClean="0">
+                          <a:latin typeface="Cambria Math" panose="02040503050406030204" pitchFamily="18" charset="0"/>
+                        </a:rPr>
+                        <m:t>𝑦</m:t>
+                      </m:r>
+                    </m:oMath>
+                  </m:oMathPara>
+                </a14:m>
+                <a:endParaRPr lang="en-US" sz="1600" dirty="0"/>
+              </a:p>
+            </p:txBody>
+          </p:sp>
+        </mc:Choice>
+        <mc:Fallback>
+          <p:sp>
+            <p:nvSpPr>
+              <p:cNvPr id="112" name="TextBox 111">
+                <a:extLst>
+                  <a:ext uri="{FF2B5EF4-FFF2-40B4-BE49-F238E27FC236}">
+                    <a16:creationId xmlns:a16="http://schemas.microsoft.com/office/drawing/2014/main" id="{3386EB7A-5327-EECF-A57D-71AECA8CEE53}"/>
+                  </a:ext>
+                </a:extLst>
+              </p:cNvPr>
+              <p:cNvSpPr txBox="1">
+                <a:spLocks noRot="1" noChangeAspect="1" noMove="1" noResize="1" noEditPoints="1" noAdjustHandles="1" noChangeArrowheads="1" noChangeShapeType="1" noTextEdit="1"/>
+              </p:cNvSpPr>
+              <p:nvPr/>
+            </p:nvSpPr>
+            <p:spPr>
+              <a:xfrm>
+                <a:off x="9112652" y="3710846"/>
+                <a:ext cx="318425" cy="184666"/>
+              </a:xfrm>
+              <a:prstGeom prst="rect">
+                <a:avLst/>
+              </a:prstGeom>
+              <a:blipFill>
+                <a:blip r:embed="rId20"/>
+                <a:stretch>
+                  <a:fillRect b="-33333"/>
+                </a:stretch>
+              </a:blipFill>
+            </p:spPr>
+            <p:txBody>
+              <a:bodyPr/>
+              <a:lstStyle/>
+              <a:p>
+                <a:r>
+                  <a:rPr lang="en-US">
+                    <a:noFill/>
+                  </a:rPr>
+                  <a:t> </a:t>
+                </a:r>
+              </a:p>
+            </p:txBody>
+          </p:sp>
+        </mc:Fallback>
+      </mc:AlternateContent>
+      <p:sp>
+        <p:nvSpPr>
+          <p:cNvPr id="129" name="Freeform 128">
+            <a:extLst>
+              <a:ext uri="{FF2B5EF4-FFF2-40B4-BE49-F238E27FC236}">
+                <a16:creationId xmlns:a16="http://schemas.microsoft.com/office/drawing/2014/main" id="{E6A02810-D25F-7BC0-28D4-A2AB62ABE34C}"/>
+              </a:ext>
+            </a:extLst>
+          </p:cNvPr>
+          <p:cNvSpPr/>
+          <p:nvPr/>
+        </p:nvSpPr>
+        <p:spPr>
+          <a:xfrm>
+            <a:off x="7604650" y="2493220"/>
+            <a:ext cx="782765" cy="1769498"/>
+          </a:xfrm>
+          <a:custGeom>
+            <a:avLst/>
+            <a:gdLst>
+              <a:gd name="connsiteX0" fmla="*/ 0 w 848616"/>
+              <a:gd name="connsiteY0" fmla="*/ 0 h 1861692"/>
+              <a:gd name="connsiteX1" fmla="*/ 348656 w 848616"/>
+              <a:gd name="connsiteY1" fmla="*/ 453911 h 1861692"/>
+              <a:gd name="connsiteX2" fmla="*/ 322343 w 848616"/>
+              <a:gd name="connsiteY2" fmla="*/ 1065704 h 1861692"/>
+              <a:gd name="connsiteX3" fmla="*/ 848616 w 848616"/>
+              <a:gd name="connsiteY3" fmla="*/ 1861692 h 1861692"/>
+            </a:gdLst>
+            <a:ahLst/>
+            <a:cxnLst>
+              <a:cxn ang="0">
+                <a:pos x="connsiteX0" y="connsiteY0"/>
+              </a:cxn>
+              <a:cxn ang="0">
+                <a:pos x="connsiteX1" y="connsiteY1"/>
+              </a:cxn>
+              <a:cxn ang="0">
+                <a:pos x="connsiteX2" y="connsiteY2"/>
+              </a:cxn>
+              <a:cxn ang="0">
+                <a:pos x="connsiteX3" y="connsiteY3"/>
+              </a:cxn>
+            </a:cxnLst>
+            <a:rect l="l" t="t" r="r" b="b"/>
+            <a:pathLst>
+              <a:path w="848616" h="1861692">
+                <a:moveTo>
+                  <a:pt x="0" y="0"/>
+                </a:moveTo>
+                <a:cubicBezTo>
+                  <a:pt x="147466" y="138147"/>
+                  <a:pt x="294932" y="276294"/>
+                  <a:pt x="348656" y="453911"/>
+                </a:cubicBezTo>
+                <a:cubicBezTo>
+                  <a:pt x="402380" y="631528"/>
+                  <a:pt x="239016" y="831074"/>
+                  <a:pt x="322343" y="1065704"/>
+                </a:cubicBezTo>
+                <a:cubicBezTo>
+                  <a:pt x="405670" y="1300334"/>
+                  <a:pt x="627143" y="1581013"/>
+                  <a:pt x="848616" y="1861692"/>
+                </a:cubicBezTo>
+              </a:path>
+            </a:pathLst>
+          </a:custGeom>
+          <a:noFill/>
+          <a:ln>
+            <a:solidFill>
+              <a:srgbClr val="C00000"/>
+            </a:solidFill>
+          </a:ln>
+        </p:spPr>
+        <p:style>
+          <a:lnRef idx="2">
+            <a:schemeClr val="accent1">
+              <a:shade val="15000"/>
+            </a:schemeClr>
+          </a:lnRef>
+          <a:fillRef idx="1">
+            <a:schemeClr val="accent1"/>
+          </a:fillRef>
+          <a:effectRef idx="0">
+            <a:schemeClr val="accent1"/>
+          </a:effectRef>
+          <a:fontRef idx="minor">
+            <a:schemeClr val="lt1"/>
+          </a:fontRef>
+        </p:style>
+        <p:txBody>
+          <a:bodyPr rtlCol="0" anchor="ctr"/>
+          <a:lstStyle/>
+          <a:p>
+            <a:pPr algn="ctr"/>
+            <a:endParaRPr lang="en-US"/>
+          </a:p>
+        </p:txBody>
+      </p:sp>
+      <mc:AlternateContent xmlns:mc="http://schemas.openxmlformats.org/markup-compatibility/2006">
+        <mc:Choice xmlns:a14="http://schemas.microsoft.com/office/drawing/2010/main" Requires="a14">
+          <p:sp>
+            <p:nvSpPr>
+              <p:cNvPr id="131" name="TextBox 130">
+                <a:extLst>
+                  <a:ext uri="{FF2B5EF4-FFF2-40B4-BE49-F238E27FC236}">
+                    <a16:creationId xmlns:a16="http://schemas.microsoft.com/office/drawing/2014/main" id="{FA79DD72-16F7-90C6-31D0-B265A9F66F3A}"/>
+                  </a:ext>
+                </a:extLst>
+              </p:cNvPr>
+              <p:cNvSpPr txBox="1"/>
+              <p:nvPr/>
+            </p:nvSpPr>
+            <p:spPr>
+              <a:xfrm>
+                <a:off x="7682488" y="3701245"/>
+                <a:ext cx="318425" cy="184666"/>
+              </a:xfrm>
+              <a:prstGeom prst="rect">
+                <a:avLst/>
+              </a:prstGeom>
+              <a:noFill/>
+            </p:spPr>
+            <p:txBody>
+              <a:bodyPr wrap="square" lIns="0" tIns="0" rIns="0" bIns="0" rtlCol="0">
+                <a:spAutoFit/>
+              </a:bodyPr>
+              <a:lstStyle/>
+              <a:p>
+                <a14:m>
+                  <m:oMathPara xmlns:m="http://schemas.openxmlformats.org/officeDocument/2006/math">
+                    <m:oMathParaPr>
+                      <m:jc m:val="centerGroup"/>
+                    </m:oMathParaPr>
+                    <m:oMath xmlns:m="http://schemas.openxmlformats.org/officeDocument/2006/math">
+                      <m:r>
+                        <a:rPr lang="en-US" sz="1200" b="0" i="1" smtClean="0">
+                          <a:latin typeface="Cambria Math" panose="02040503050406030204" pitchFamily="18" charset="0"/>
+                        </a:rPr>
+                        <m:t>𝑣</m:t>
+                      </m:r>
+                    </m:oMath>
+                  </m:oMathPara>
+                </a14:m>
+                <a:endParaRPr lang="en-US" sz="1600" dirty="0"/>
+              </a:p>
+            </p:txBody>
+          </p:sp>
+        </mc:Choice>
+        <mc:Fallback>
+          <p:sp>
+            <p:nvSpPr>
+              <p:cNvPr id="131" name="TextBox 130">
+                <a:extLst>
+                  <a:ext uri="{FF2B5EF4-FFF2-40B4-BE49-F238E27FC236}">
+                    <a16:creationId xmlns:a16="http://schemas.microsoft.com/office/drawing/2014/main" id="{FA79DD72-16F7-90C6-31D0-B265A9F66F3A}"/>
+                  </a:ext>
+                </a:extLst>
+              </p:cNvPr>
+              <p:cNvSpPr txBox="1">
+                <a:spLocks noRot="1" noChangeAspect="1" noMove="1" noResize="1" noEditPoints="1" noAdjustHandles="1" noChangeArrowheads="1" noChangeShapeType="1" noTextEdit="1"/>
+              </p:cNvSpPr>
+              <p:nvPr/>
+            </p:nvSpPr>
+            <p:spPr>
+              <a:xfrm>
+                <a:off x="7682488" y="3701245"/>
+                <a:ext cx="318425" cy="184666"/>
+              </a:xfrm>
+              <a:prstGeom prst="rect">
+                <a:avLst/>
+              </a:prstGeom>
+              <a:blipFill>
+                <a:blip r:embed="rId21"/>
+                <a:stretch>
+                  <a:fillRect/>
+                </a:stretch>
+              </a:blipFill>
+            </p:spPr>
+            <p:txBody>
+              <a:bodyPr/>
+              <a:lstStyle/>
+              <a:p>
+                <a:r>
+                  <a:rPr lang="en-US">
+                    <a:noFill/>
+                  </a:rPr>
+                  <a:t> </a:t>
+                </a:r>
+              </a:p>
+            </p:txBody>
+          </p:sp>
+        </mc:Fallback>
+      </mc:AlternateContent>
+      <p:sp>
+        <p:nvSpPr>
+          <p:cNvPr id="132" name="Freeform 131">
+            <a:extLst>
+              <a:ext uri="{FF2B5EF4-FFF2-40B4-BE49-F238E27FC236}">
+                <a16:creationId xmlns:a16="http://schemas.microsoft.com/office/drawing/2014/main" id="{D12260F8-1ACA-B91A-2DEC-59EA3CA58BBE}"/>
+              </a:ext>
+            </a:extLst>
+          </p:cNvPr>
+          <p:cNvSpPr/>
+          <p:nvPr/>
+        </p:nvSpPr>
+        <p:spPr>
+          <a:xfrm rot="21325441">
+            <a:off x="7712826" y="3736542"/>
+            <a:ext cx="46049" cy="78941"/>
+          </a:xfrm>
+          <a:custGeom>
+            <a:avLst/>
+            <a:gdLst>
+              <a:gd name="connsiteX0" fmla="*/ 46049 w 46049"/>
+              <a:gd name="connsiteY0" fmla="*/ 0 h 78941"/>
+              <a:gd name="connsiteX1" fmla="*/ 32892 w 46049"/>
+              <a:gd name="connsiteY1" fmla="*/ 52627 h 78941"/>
+              <a:gd name="connsiteX2" fmla="*/ 0 w 46049"/>
+              <a:gd name="connsiteY2" fmla="*/ 78941 h 78941"/>
+            </a:gdLst>
+            <a:ahLst/>
+            <a:cxnLst>
+              <a:cxn ang="0">
+                <a:pos x="connsiteX0" y="connsiteY0"/>
+              </a:cxn>
+              <a:cxn ang="0">
+                <a:pos x="connsiteX1" y="connsiteY1"/>
+              </a:cxn>
+              <a:cxn ang="0">
+                <a:pos x="connsiteX2" y="connsiteY2"/>
+              </a:cxn>
+            </a:cxnLst>
+            <a:rect l="l" t="t" r="r" b="b"/>
+            <a:pathLst>
+              <a:path w="46049" h="78941">
+                <a:moveTo>
+                  <a:pt x="46049" y="0"/>
+                </a:moveTo>
+                <a:cubicBezTo>
+                  <a:pt x="43308" y="19735"/>
+                  <a:pt x="40567" y="39470"/>
+                  <a:pt x="32892" y="52627"/>
+                </a:cubicBezTo>
+                <a:cubicBezTo>
+                  <a:pt x="25217" y="65784"/>
+                  <a:pt x="12608" y="72362"/>
+                  <a:pt x="0" y="78941"/>
+                </a:cubicBezTo>
+              </a:path>
+            </a:pathLst>
+          </a:custGeom>
+          <a:noFill/>
+          <a:ln w="12700"/>
+        </p:spPr>
+        <p:style>
+          <a:lnRef idx="2">
+            <a:schemeClr val="accent1">
+              <a:shade val="15000"/>
+            </a:schemeClr>
+          </a:lnRef>
+          <a:fillRef idx="1">
+            <a:schemeClr val="accent1"/>
+          </a:fillRef>
+          <a:effectRef idx="0">
+            <a:schemeClr val="accent1"/>
+          </a:effectRef>
+          <a:fontRef idx="minor">
+            <a:schemeClr val="lt1"/>
+          </a:fontRef>
+        </p:style>
+        <p:txBody>
+          <a:bodyPr rtlCol="0" anchor="ctr"/>
+          <a:lstStyle/>
+          <a:p>
+            <a:pPr algn="ctr"/>
+            <a:endParaRPr lang="en-US"/>
+          </a:p>
+        </p:txBody>
+      </p:sp>
+      <p:sp>
+        <p:nvSpPr>
+          <p:cNvPr id="135" name="Oval 134">
+            <a:extLst>
+              <a:ext uri="{FF2B5EF4-FFF2-40B4-BE49-F238E27FC236}">
+                <a16:creationId xmlns:a16="http://schemas.microsoft.com/office/drawing/2014/main" id="{C6C24C28-A2E7-AF51-9274-2C8160AFA311}"/>
+              </a:ext>
+            </a:extLst>
+          </p:cNvPr>
+          <p:cNvSpPr/>
+          <p:nvPr/>
+        </p:nvSpPr>
+        <p:spPr>
+          <a:xfrm>
+            <a:off x="7547265" y="3332173"/>
+            <a:ext cx="82287" cy="254439"/>
+          </a:xfrm>
+          <a:prstGeom prst="ellipse">
+            <a:avLst/>
+          </a:prstGeom>
+          <a:solidFill>
+            <a:schemeClr val="bg1"/>
+          </a:solidFill>
+          <a:ln>
+            <a:noFill/>
+          </a:ln>
+        </p:spPr>
+        <p:style>
+          <a:lnRef idx="2">
+            <a:schemeClr val="accent1">
+              <a:shade val="15000"/>
+            </a:schemeClr>
+          </a:lnRef>
+          <a:fillRef idx="1">
+            <a:schemeClr val="accent1"/>
+          </a:fillRef>
+          <a:effectRef idx="0">
+            <a:schemeClr val="accent1"/>
+          </a:effectRef>
+          <a:fontRef idx="minor">
+            <a:schemeClr val="lt1"/>
+          </a:fontRef>
+        </p:style>
+        <p:txBody>
+          <a:bodyPr rtlCol="0" anchor="ctr"/>
+          <a:lstStyle/>
+          <a:p>
+            <a:pPr algn="ctr"/>
+            <a:endParaRPr lang="en-US"/>
+          </a:p>
+        </p:txBody>
+      </p:sp>
+      <p:cxnSp>
+        <p:nvCxnSpPr>
+          <p:cNvPr id="137" name="Straight Connector 136">
+            <a:extLst>
+              <a:ext uri="{FF2B5EF4-FFF2-40B4-BE49-F238E27FC236}">
+                <a16:creationId xmlns:a16="http://schemas.microsoft.com/office/drawing/2014/main" id="{EF56844A-1BE0-9CBC-D88D-19015D303CC8}"/>
+              </a:ext>
+            </a:extLst>
+          </p:cNvPr>
+          <p:cNvCxnSpPr>
+            <a:cxnSpLocks/>
+          </p:cNvCxnSpPr>
+          <p:nvPr/>
+        </p:nvCxnSpPr>
+        <p:spPr>
+          <a:xfrm>
+            <a:off x="7591584" y="3332173"/>
+            <a:ext cx="0" cy="254439"/>
+          </a:xfrm>
+          <a:prstGeom prst="line">
+            <a:avLst/>
+          </a:prstGeom>
+          <a:ln>
+            <a:solidFill>
+              <a:schemeClr val="tx1"/>
+            </a:solidFill>
+            <a:prstDash val="sysDot"/>
+          </a:ln>
+        </p:spPr>
+        <p:style>
+          <a:lnRef idx="2">
+            <a:schemeClr val="accent1"/>
+          </a:lnRef>
+          <a:fillRef idx="0">
+            <a:schemeClr val="accent1"/>
+          </a:fillRef>
+          <a:effectRef idx="1">
+            <a:schemeClr val="accent1"/>
+          </a:effectRef>
+          <a:fontRef idx="minor">
+            <a:schemeClr val="tx1"/>
+          </a:fontRef>
+        </p:style>
+      </p:cxnSp>
+      <p:pic>
+        <p:nvPicPr>
+          <p:cNvPr id="138" name="Picture 137" descr="A blue light in the dark&#10;&#10;AI-generated content may be incorrect.">
+            <a:extLst>
+              <a:ext uri="{FF2B5EF4-FFF2-40B4-BE49-F238E27FC236}">
+                <a16:creationId xmlns:a16="http://schemas.microsoft.com/office/drawing/2014/main" id="{20BBC30F-62DE-CF23-BCF4-021D068CA265}"/>
+              </a:ext>
+            </a:extLst>
+          </p:cNvPr>
+          <p:cNvPicPr>
+            <a:picLocks noChangeAspect="1"/>
+          </p:cNvPicPr>
+          <p:nvPr/>
+        </p:nvPicPr>
+        <p:blipFill>
+          <a:blip r:embed="rId15"/>
+          <a:stretch>
+            <a:fillRect/>
+          </a:stretch>
+        </p:blipFill>
+        <p:spPr>
+          <a:xfrm>
+            <a:off x="7780551" y="3413377"/>
+            <a:ext cx="290185" cy="290185"/>
+          </a:xfrm>
+          <a:prstGeom prst="rect">
+            <a:avLst/>
+          </a:prstGeom>
+        </p:spPr>
+      </p:pic>
+      <p:cxnSp>
+        <p:nvCxnSpPr>
+          <p:cNvPr id="139" name="Straight Connector 138">
+            <a:extLst>
+              <a:ext uri="{FF2B5EF4-FFF2-40B4-BE49-F238E27FC236}">
+                <a16:creationId xmlns:a16="http://schemas.microsoft.com/office/drawing/2014/main" id="{2B305954-47DC-9F81-58FA-01F980749B22}"/>
+              </a:ext>
+            </a:extLst>
+          </p:cNvPr>
+          <p:cNvCxnSpPr>
+            <a:cxnSpLocks/>
+          </p:cNvCxnSpPr>
+          <p:nvPr/>
+        </p:nvCxnSpPr>
+        <p:spPr>
+          <a:xfrm flipH="1">
+            <a:off x="7278851" y="3986521"/>
+            <a:ext cx="656200" cy="0"/>
+          </a:xfrm>
+          <a:prstGeom prst="line">
+            <a:avLst/>
+          </a:prstGeom>
+          <a:ln w="12700">
+            <a:solidFill>
+              <a:schemeClr val="tx1"/>
+            </a:solidFill>
+            <a:prstDash val="dash"/>
+          </a:ln>
+        </p:spPr>
+        <p:style>
+          <a:lnRef idx="2">
+            <a:schemeClr val="accent1"/>
+          </a:lnRef>
+          <a:fillRef idx="0">
+            <a:schemeClr val="accent1"/>
+          </a:fillRef>
+          <a:effectRef idx="1">
+            <a:schemeClr val="accent1"/>
+          </a:effectRef>
+          <a:fontRef idx="minor">
+            <a:schemeClr val="tx1"/>
+          </a:fontRef>
+        </p:style>
+      </p:cxnSp>
+      <mc:AlternateContent xmlns:mc="http://schemas.openxmlformats.org/markup-compatibility/2006">
+        <mc:Choice xmlns:a14="http://schemas.microsoft.com/office/drawing/2010/main" Requires="a14">
+          <p:sp>
+            <p:nvSpPr>
+              <p:cNvPr id="140" name="TextBox 139">
+                <a:extLst>
+                  <a:ext uri="{FF2B5EF4-FFF2-40B4-BE49-F238E27FC236}">
+                    <a16:creationId xmlns:a16="http://schemas.microsoft.com/office/drawing/2014/main" id="{D87D8110-47B5-6110-D2E6-9331D2DEBDFF}"/>
+                  </a:ext>
+                </a:extLst>
+              </p:cNvPr>
+              <p:cNvSpPr txBox="1"/>
+              <p:nvPr/>
+            </p:nvSpPr>
+            <p:spPr>
+              <a:xfrm>
+                <a:off x="6481948" y="3835368"/>
+                <a:ext cx="748272" cy="184666"/>
+              </a:xfrm>
+              <a:prstGeom prst="rect">
+                <a:avLst/>
+              </a:prstGeom>
+              <a:noFill/>
+            </p:spPr>
+            <p:txBody>
+              <a:bodyPr wrap="square" lIns="0" tIns="0" rIns="0" bIns="0" rtlCol="0">
+                <a:spAutoFit/>
+              </a:bodyPr>
+              <a:lstStyle/>
+              <a:p>
+                <a14:m>
+                  <m:oMathPara xmlns:m="http://schemas.openxmlformats.org/officeDocument/2006/math">
+                    <m:oMathParaPr>
+                      <m:jc m:val="centerGroup"/>
+                    </m:oMathParaPr>
+                    <m:oMath xmlns:m="http://schemas.openxmlformats.org/officeDocument/2006/math">
+                      <m:r>
+                        <a:rPr lang="en-US" sz="1200" b="0" i="1" smtClean="0">
+                          <a:latin typeface="Cambria Math" panose="02040503050406030204" pitchFamily="18" charset="0"/>
+                        </a:rPr>
+                        <m:t>𝑓</m:t>
+                      </m:r>
+                      <m:d>
+                        <m:dPr>
+                          <m:ctrlPr>
+                            <a:rPr lang="en-US" sz="1200" b="0" i="1" smtClean="0">
+                              <a:latin typeface="Cambria Math" panose="02040503050406030204" pitchFamily="18" charset="0"/>
+                            </a:rPr>
+                          </m:ctrlPr>
+                        </m:dPr>
+                        <m:e>
+                          <m:r>
+                            <a:rPr lang="en-US" sz="1200" b="0" i="1" smtClean="0">
+                              <a:latin typeface="Cambria Math" panose="02040503050406030204" pitchFamily="18" charset="0"/>
+                            </a:rPr>
+                            <m:t>𝑢</m:t>
+                          </m:r>
+                        </m:e>
+                      </m:d>
+                      <m:r>
+                        <m:rPr>
+                          <m:sty m:val="p"/>
+                        </m:rPr>
+                        <a:rPr lang="en-US" sz="1200" b="0" i="1" smtClean="0">
+                          <a:latin typeface="Cambria Math" panose="02040503050406030204" pitchFamily="18" charset="0"/>
+                        </a:rPr>
+                        <m:t>cos</m:t>
+                      </m:r>
+                      <m:r>
+                        <a:rPr lang="en-US" sz="1200" b="0" i="1" smtClean="0">
+                          <a:latin typeface="Cambria Math" panose="02040503050406030204" pitchFamily="18" charset="0"/>
+                        </a:rPr>
+                        <m:t>(</m:t>
+                      </m:r>
+                      <m:r>
+                        <a:rPr lang="en-US" sz="1200" b="0" i="1" smtClean="0">
+                          <a:latin typeface="Cambria Math" panose="02040503050406030204" pitchFamily="18" charset="0"/>
+                        </a:rPr>
+                        <m:t>𝑣</m:t>
+                      </m:r>
+                      <m:r>
+                        <a:rPr lang="en-US" sz="1200" b="0" i="1" smtClean="0">
+                          <a:latin typeface="Cambria Math" panose="02040503050406030204" pitchFamily="18" charset="0"/>
+                        </a:rPr>
+                        <m:t>)</m:t>
+                      </m:r>
+                    </m:oMath>
+                  </m:oMathPara>
+                </a14:m>
+                <a:endParaRPr lang="en-US" sz="1600" dirty="0"/>
+              </a:p>
+            </p:txBody>
+          </p:sp>
+        </mc:Choice>
+        <mc:Fallback>
+          <p:sp>
+            <p:nvSpPr>
+              <p:cNvPr id="140" name="TextBox 139">
+                <a:extLst>
+                  <a:ext uri="{FF2B5EF4-FFF2-40B4-BE49-F238E27FC236}">
+                    <a16:creationId xmlns:a16="http://schemas.microsoft.com/office/drawing/2014/main" id="{D87D8110-47B5-6110-D2E6-9331D2DEBDFF}"/>
+                  </a:ext>
+                </a:extLst>
+              </p:cNvPr>
+              <p:cNvSpPr txBox="1">
+                <a:spLocks noRot="1" noChangeAspect="1" noMove="1" noResize="1" noEditPoints="1" noAdjustHandles="1" noChangeArrowheads="1" noChangeShapeType="1" noTextEdit="1"/>
+              </p:cNvSpPr>
+              <p:nvPr/>
+            </p:nvSpPr>
+            <p:spPr>
+              <a:xfrm>
+                <a:off x="6481948" y="3835368"/>
+                <a:ext cx="748272" cy="184666"/>
+              </a:xfrm>
+              <a:prstGeom prst="rect">
+                <a:avLst/>
+              </a:prstGeom>
+              <a:blipFill>
+                <a:blip r:embed="rId22"/>
+                <a:stretch>
+                  <a:fillRect l="-8333" r="-8333" b="-31250"/>
+                </a:stretch>
+              </a:blipFill>
+            </p:spPr>
+            <p:txBody>
+              <a:bodyPr/>
+              <a:lstStyle/>
+              <a:p>
+                <a:r>
+                  <a:rPr lang="en-US">
+                    <a:noFill/>
+                  </a:rPr>
+                  <a:t> </a:t>
+                </a:r>
+              </a:p>
+            </p:txBody>
+          </p:sp>
+        </mc:Fallback>
+      </mc:AlternateContent>
+      <mc:AlternateContent xmlns:mc="http://schemas.openxmlformats.org/markup-compatibility/2006">
+        <mc:Choice xmlns:a14="http://schemas.microsoft.com/office/drawing/2010/main" Requires="a14">
+          <p:sp>
+            <p:nvSpPr>
+              <p:cNvPr id="142" name="TextBox 141">
+                <a:extLst>
+                  <a:ext uri="{FF2B5EF4-FFF2-40B4-BE49-F238E27FC236}">
+                    <a16:creationId xmlns:a16="http://schemas.microsoft.com/office/drawing/2014/main" id="{1B76561F-EBD5-6E58-FA4E-2EE5C6790694}"/>
+                  </a:ext>
+                </a:extLst>
+              </p:cNvPr>
+              <p:cNvSpPr txBox="1"/>
+              <p:nvPr/>
+            </p:nvSpPr>
+            <p:spPr>
+              <a:xfrm>
+                <a:off x="7920699" y="2778608"/>
+                <a:ext cx="232865" cy="184666"/>
+              </a:xfrm>
+              <a:prstGeom prst="rect">
+                <a:avLst/>
+              </a:prstGeom>
+              <a:noFill/>
+            </p:spPr>
+            <p:txBody>
+              <a:bodyPr wrap="square" lIns="0" tIns="0" rIns="0" bIns="0" rtlCol="0">
+                <a:spAutoFit/>
+              </a:bodyPr>
+              <a:lstStyle/>
+              <a:p>
+                <a14:m>
+                  <m:oMathPara xmlns:m="http://schemas.openxmlformats.org/officeDocument/2006/math">
+                    <m:oMathParaPr>
+                      <m:jc m:val="centerGroup"/>
+                    </m:oMathParaPr>
+                    <m:oMath xmlns:m="http://schemas.openxmlformats.org/officeDocument/2006/math">
+                      <m:r>
+                        <a:rPr lang="en-US" sz="1200" b="0" i="1" smtClean="0">
+                          <a:solidFill>
+                            <a:srgbClr val="C00000"/>
+                          </a:solidFill>
+                          <a:latin typeface="Cambria Math" panose="02040503050406030204" pitchFamily="18" charset="0"/>
+                        </a:rPr>
+                        <m:t>𝛼</m:t>
+                      </m:r>
+                    </m:oMath>
+                  </m:oMathPara>
+                </a14:m>
+                <a:endParaRPr lang="en-US" sz="1600" dirty="0">
+                  <a:solidFill>
+                    <a:srgbClr val="C00000"/>
+                  </a:solidFill>
+                </a:endParaRPr>
+              </a:p>
+            </p:txBody>
+          </p:sp>
+        </mc:Choice>
+        <mc:Fallback>
+          <p:sp>
+            <p:nvSpPr>
+              <p:cNvPr id="142" name="TextBox 141">
+                <a:extLst>
+                  <a:ext uri="{FF2B5EF4-FFF2-40B4-BE49-F238E27FC236}">
+                    <a16:creationId xmlns:a16="http://schemas.microsoft.com/office/drawing/2014/main" id="{1B76561F-EBD5-6E58-FA4E-2EE5C6790694}"/>
+                  </a:ext>
+                </a:extLst>
+              </p:cNvPr>
+              <p:cNvSpPr txBox="1">
+                <a:spLocks noRot="1" noChangeAspect="1" noMove="1" noResize="1" noEditPoints="1" noAdjustHandles="1" noChangeArrowheads="1" noChangeShapeType="1" noTextEdit="1"/>
+              </p:cNvSpPr>
+              <p:nvPr/>
+            </p:nvSpPr>
+            <p:spPr>
+              <a:xfrm>
+                <a:off x="7920699" y="2778608"/>
+                <a:ext cx="232865" cy="184666"/>
+              </a:xfrm>
+              <a:prstGeom prst="rect">
+                <a:avLst/>
+              </a:prstGeom>
+              <a:blipFill>
+                <a:blip r:embed="rId23"/>
+                <a:stretch>
+                  <a:fillRect/>
+                </a:stretch>
+              </a:blipFill>
+            </p:spPr>
+            <p:txBody>
+              <a:bodyPr/>
+              <a:lstStyle/>
+              <a:p>
+                <a:r>
+                  <a:rPr lang="en-US">
+                    <a:noFill/>
+                  </a:rPr>
+                  <a:t> </a:t>
+                </a:r>
+              </a:p>
+            </p:txBody>
+          </p:sp>
+        </mc:Fallback>
+      </mc:AlternateContent>
+      <mc:AlternateContent xmlns:mc="http://schemas.openxmlformats.org/markup-compatibility/2006">
+        <mc:Choice xmlns:a14="http://schemas.microsoft.com/office/drawing/2010/main" Requires="a14">
+          <p:sp>
+            <p:nvSpPr>
+              <p:cNvPr id="143" name="TextBox 142">
+                <a:extLst>
+                  <a:ext uri="{FF2B5EF4-FFF2-40B4-BE49-F238E27FC236}">
+                    <a16:creationId xmlns:a16="http://schemas.microsoft.com/office/drawing/2014/main" id="{05B7AB14-F0D4-5874-F256-0D38B9BA2594}"/>
+                  </a:ext>
+                </a:extLst>
+              </p:cNvPr>
+              <p:cNvSpPr txBox="1"/>
+              <p:nvPr/>
+            </p:nvSpPr>
+            <p:spPr>
+              <a:xfrm>
+                <a:off x="8270982" y="2603663"/>
+                <a:ext cx="232865" cy="184666"/>
+              </a:xfrm>
+              <a:prstGeom prst="rect">
+                <a:avLst/>
+              </a:prstGeom>
+              <a:noFill/>
+            </p:spPr>
+            <p:txBody>
+              <a:bodyPr wrap="square" lIns="0" tIns="0" rIns="0" bIns="0" rtlCol="0">
+                <a:spAutoFit/>
+              </a:bodyPr>
+              <a:lstStyle/>
+              <a:p>
+                <a14:m>
+                  <m:oMathPara xmlns:m="http://schemas.openxmlformats.org/officeDocument/2006/math">
+                    <m:oMathParaPr>
+                      <m:jc m:val="centerGroup"/>
+                    </m:oMathParaPr>
+                    <m:oMath xmlns:m="http://schemas.openxmlformats.org/officeDocument/2006/math">
+                      <m:r>
+                        <a:rPr lang="en-US" sz="1200" b="0" i="1" smtClean="0">
+                          <a:solidFill>
+                            <a:schemeClr val="accent2">
+                              <a:lumMod val="40000"/>
+                              <a:lumOff val="60000"/>
+                            </a:schemeClr>
+                          </a:solidFill>
+                          <a:latin typeface="Cambria Math" panose="02040503050406030204" pitchFamily="18" charset="0"/>
+                        </a:rPr>
+                        <m:t>𝛽</m:t>
+                      </m:r>
+                    </m:oMath>
+                  </m:oMathPara>
+                </a14:m>
+                <a:endParaRPr lang="en-US" sz="1600" dirty="0">
+                  <a:solidFill>
+                    <a:schemeClr val="accent2">
+                      <a:lumMod val="40000"/>
+                      <a:lumOff val="60000"/>
+                    </a:schemeClr>
+                  </a:solidFill>
+                </a:endParaRPr>
+              </a:p>
+            </p:txBody>
+          </p:sp>
+        </mc:Choice>
+        <mc:Fallback>
+          <p:sp>
+            <p:nvSpPr>
+              <p:cNvPr id="143" name="TextBox 142">
+                <a:extLst>
+                  <a:ext uri="{FF2B5EF4-FFF2-40B4-BE49-F238E27FC236}">
+                    <a16:creationId xmlns:a16="http://schemas.microsoft.com/office/drawing/2014/main" id="{05B7AB14-F0D4-5874-F256-0D38B9BA2594}"/>
+                  </a:ext>
+                </a:extLst>
+              </p:cNvPr>
+              <p:cNvSpPr txBox="1">
+                <a:spLocks noRot="1" noChangeAspect="1" noMove="1" noResize="1" noEditPoints="1" noAdjustHandles="1" noChangeArrowheads="1" noChangeShapeType="1" noTextEdit="1"/>
+              </p:cNvSpPr>
+              <p:nvPr/>
+            </p:nvSpPr>
+            <p:spPr>
+              <a:xfrm>
+                <a:off x="8270982" y="2603663"/>
+                <a:ext cx="232865" cy="184666"/>
+              </a:xfrm>
+              <a:prstGeom prst="rect">
+                <a:avLst/>
+              </a:prstGeom>
+              <a:blipFill>
+                <a:blip r:embed="rId24"/>
+                <a:stretch>
+                  <a:fillRect l="-5263" b="-31250"/>
+                </a:stretch>
+              </a:blipFill>
+            </p:spPr>
+            <p:txBody>
+              <a:bodyPr/>
+              <a:lstStyle/>
+              <a:p>
+                <a:r>
+                  <a:rPr lang="en-US">
+                    <a:noFill/>
+                  </a:rPr>
+                  <a:t> </a:t>
+                </a:r>
+              </a:p>
+            </p:txBody>
+          </p:sp>
+        </mc:Fallback>
+      </mc:AlternateContent>
     </p:spTree>
     <p:extLst>
       <p:ext uri="{BB962C8B-B14F-4D97-AF65-F5344CB8AC3E}">
@@ -5576,4 +7894,319 @@
     </a:ext>
   </a:extLst>
 </a:theme>
+</file>
+
+<file path=ppt/theme/theme2.xml><?xml version="1.0" encoding="utf-8"?>
+<a:theme xmlns:a="http://schemas.openxmlformats.org/drawingml/2006/main" name="Office Theme">
+  <a:themeElements>
+    <a:clrScheme name="Office">
+      <a:dk1>
+        <a:sysClr val="windowText" lastClr="000000"/>
+      </a:dk1>
+      <a:lt1>
+        <a:sysClr val="window" lastClr="FFFFFF"/>
+      </a:lt1>
+      <a:dk2>
+        <a:srgbClr val="0E2841"/>
+      </a:dk2>
+      <a:lt2>
+        <a:srgbClr val="E8E8E8"/>
+      </a:lt2>
+      <a:accent1>
+        <a:srgbClr val="156082"/>
+      </a:accent1>
+      <a:accent2>
+        <a:srgbClr val="E97132"/>
+      </a:accent2>
+      <a:accent3>
+        <a:srgbClr val="196B24"/>
+      </a:accent3>
+      <a:accent4>
+        <a:srgbClr val="0F9ED5"/>
+      </a:accent4>
+      <a:accent5>
+        <a:srgbClr val="A02B93"/>
+      </a:accent5>
+      <a:accent6>
+        <a:srgbClr val="4EA72E"/>
+      </a:accent6>
+      <a:hlink>
+        <a:srgbClr val="467886"/>
+      </a:hlink>
+      <a:folHlink>
+        <a:srgbClr val="96607D"/>
+      </a:folHlink>
+    </a:clrScheme>
+    <a:fontScheme name="Office">
+      <a:majorFont>
+        <a:latin typeface="Aptos Display" panose="02110004020202020204"/>
+        <a:ea typeface=""/>
+        <a:cs typeface=""/>
+        <a:font script="Jpan" typeface="游ゴシック Light"/>
+        <a:font script="Hang" typeface="맑은 고딕"/>
+        <a:font script="Hans" typeface="等线 Light"/>
+        <a:font script="Hant" typeface="新細明體"/>
+        <a:font script="Arab" typeface="Times New Roman"/>
+        <a:font script="Hebr" typeface="Times New Roman"/>
+        <a:font script="Thai" typeface="Angsana New"/>
+        <a:font script="Ethi" typeface="Nyala"/>
+        <a:font script="Beng" typeface="Vrinda"/>
+        <a:font script="Gujr" typeface="Shruti"/>
+        <a:font script="Khmr" typeface="MoolBoran"/>
+        <a:font script="Knda" typeface="Tunga"/>
+        <a:font script="Guru" typeface="Raavi"/>
+        <a:font script="Cans" typeface="Euphemia"/>
+        <a:font script="Cher" typeface="Plantagenet Cherokee"/>
+        <a:font script="Yiii" typeface="Microsoft Yi Baiti"/>
+        <a:font script="Tibt" typeface="Microsoft Himalaya"/>
+        <a:font script="Thaa" typeface="MV Boli"/>
+        <a:font script="Deva" typeface="Mangal"/>
+        <a:font script="Telu" typeface="Gautami"/>
+        <a:font script="Taml" typeface="Latha"/>
+        <a:font script="Syrc" typeface="Estrangelo Edessa"/>
+        <a:font script="Orya" typeface="Kalinga"/>
+        <a:font script="Mlym" typeface="Kartika"/>
+        <a:font script="Laoo" typeface="DokChampa"/>
+        <a:font script="Sinh" typeface="Iskoola Pota"/>
+        <a:font script="Mong" typeface="Mongolian Baiti"/>
+        <a:font script="Viet" typeface="Times New Roman"/>
+        <a:font script="Uigh" typeface="Microsoft Uighur"/>
+        <a:font script="Geor" typeface="Sylfaen"/>
+        <a:font script="Armn" typeface="Arial"/>
+        <a:font script="Bugi" typeface="Leelawadee UI"/>
+        <a:font script="Bopo" typeface="Microsoft JhengHei"/>
+        <a:font script="Java" typeface="Javanese Text"/>
+        <a:font script="Lisu" typeface="Segoe UI"/>
+        <a:font script="Mymr" typeface="Myanmar Text"/>
+        <a:font script="Nkoo" typeface="Ebrima"/>
+        <a:font script="Olck" typeface="Nirmala UI"/>
+        <a:font script="Osma" typeface="Ebrima"/>
+        <a:font script="Phag" typeface="Phagspa"/>
+        <a:font script="Syrn" typeface="Estrangelo Edessa"/>
+        <a:font script="Syrj" typeface="Estrangelo Edessa"/>
+        <a:font script="Syre" typeface="Estrangelo Edessa"/>
+        <a:font script="Sora" typeface="Nirmala UI"/>
+        <a:font script="Tale" typeface="Microsoft Tai Le"/>
+        <a:font script="Talu" typeface="Microsoft New Tai Lue"/>
+        <a:font script="Tfng" typeface="Ebrima"/>
+      </a:majorFont>
+      <a:minorFont>
+        <a:latin typeface="Aptos" panose="02110004020202020204"/>
+        <a:ea typeface=""/>
+        <a:cs typeface=""/>
+        <a:font script="Jpan" typeface="游ゴシック"/>
+        <a:font script="Hang" typeface="맑은 고딕"/>
+        <a:font script="Hans" typeface="等线"/>
+        <a:font script="Hant" typeface="新細明體"/>
+        <a:font script="Arab" typeface="Arial"/>
+        <a:font script="Hebr" typeface="Arial"/>
+        <a:font script="Thai" typeface="Cordia New"/>
+        <a:font script="Ethi" typeface="Nyala"/>
+        <a:font script="Beng" typeface="Vrinda"/>
+        <a:font script="Gujr" typeface="Shruti"/>
+        <a:font script="Khmr" typeface="DaunPenh"/>
+        <a:font script="Knda" typeface="Tunga"/>
+        <a:font script="Guru" typeface="Raavi"/>
+        <a:font script="Cans" typeface="Euphemia"/>
+        <a:font script="Cher" typeface="Plantagenet Cherokee"/>
+        <a:font script="Yiii" typeface="Microsoft Yi Baiti"/>
+        <a:font script="Tibt" typeface="Microsoft Himalaya"/>
+        <a:font script="Thaa" typeface="MV Boli"/>
+        <a:font script="Deva" typeface="Mangal"/>
+        <a:font script="Telu" typeface="Gautami"/>
+        <a:font script="Taml" typeface="Latha"/>
+        <a:font script="Syrc" typeface="Estrangelo Edessa"/>
+        <a:font script="Orya" typeface="Kalinga"/>
+        <a:font script="Mlym" typeface="Kartika"/>
+        <a:font script="Laoo" typeface="DokChampa"/>
+        <a:font script="Sinh" typeface="Iskoola Pota"/>
+        <a:font script="Mong" typeface="Mongolian Baiti"/>
+        <a:font script="Viet" typeface="Arial"/>
+        <a:font script="Uigh" typeface="Microsoft Uighur"/>
+        <a:font script="Geor" typeface="Sylfaen"/>
+        <a:font script="Armn" typeface="Arial"/>
+        <a:font script="Bugi" typeface="Leelawadee UI"/>
+        <a:font script="Bopo" typeface="Microsoft JhengHei"/>
+        <a:font script="Java" typeface="Javanese Text"/>
+        <a:font script="Lisu" typeface="Segoe UI"/>
+        <a:font script="Mymr" typeface="Myanmar Text"/>
+        <a:font script="Nkoo" typeface="Ebrima"/>
+        <a:font script="Olck" typeface="Nirmala UI"/>
+        <a:font script="Osma" typeface="Ebrima"/>
+        <a:font script="Phag" typeface="Phagspa"/>
+        <a:font script="Syrn" typeface="Estrangelo Edessa"/>
+        <a:font script="Syrj" typeface="Estrangelo Edessa"/>
+        <a:font script="Syre" typeface="Estrangelo Edessa"/>
+        <a:font script="Sora" typeface="Nirmala UI"/>
+        <a:font script="Tale" typeface="Microsoft Tai Le"/>
+        <a:font script="Talu" typeface="Microsoft New Tai Lue"/>
+        <a:font script="Tfng" typeface="Ebrima"/>
+      </a:minorFont>
+    </a:fontScheme>
+    <a:fmtScheme name="Office">
+      <a:fillStyleLst>
+        <a:solidFill>
+          <a:schemeClr val="phClr"/>
+        </a:solidFill>
+        <a:gradFill rotWithShape="1">
+          <a:gsLst>
+            <a:gs pos="0">
+              <a:schemeClr val="phClr">
+                <a:lumMod val="110000"/>
+                <a:satMod val="105000"/>
+                <a:tint val="67000"/>
+              </a:schemeClr>
+            </a:gs>
+            <a:gs pos="50000">
+              <a:schemeClr val="phClr">
+                <a:lumMod val="105000"/>
+                <a:satMod val="103000"/>
+                <a:tint val="73000"/>
+              </a:schemeClr>
+            </a:gs>
+            <a:gs pos="100000">
+              <a:schemeClr val="phClr">
+                <a:lumMod val="105000"/>
+                <a:satMod val="109000"/>
+                <a:tint val="81000"/>
+              </a:schemeClr>
+            </a:gs>
+          </a:gsLst>
+          <a:lin ang="5400000" scaled="0"/>
+        </a:gradFill>
+        <a:gradFill rotWithShape="1">
+          <a:gsLst>
+            <a:gs pos="0">
+              <a:schemeClr val="phClr">
+                <a:satMod val="103000"/>
+                <a:lumMod val="102000"/>
+                <a:tint val="94000"/>
+              </a:schemeClr>
+            </a:gs>
+            <a:gs pos="50000">
+              <a:schemeClr val="phClr">
+                <a:satMod val="110000"/>
+                <a:lumMod val="100000"/>
+                <a:shade val="100000"/>
+              </a:schemeClr>
+            </a:gs>
+            <a:gs pos="100000">
+              <a:schemeClr val="phClr">
+                <a:lumMod val="99000"/>
+                <a:satMod val="120000"/>
+                <a:shade val="78000"/>
+              </a:schemeClr>
+            </a:gs>
+          </a:gsLst>
+          <a:lin ang="5400000" scaled="0"/>
+        </a:gradFill>
+      </a:fillStyleLst>
+      <a:lnStyleLst>
+        <a:ln w="12700" cap="flat" cmpd="sng" algn="ctr">
+          <a:solidFill>
+            <a:schemeClr val="phClr"/>
+          </a:solidFill>
+          <a:prstDash val="solid"/>
+          <a:miter lim="800000"/>
+        </a:ln>
+        <a:ln w="19050" cap="flat" cmpd="sng" algn="ctr">
+          <a:solidFill>
+            <a:schemeClr val="phClr"/>
+          </a:solidFill>
+          <a:prstDash val="solid"/>
+          <a:miter lim="800000"/>
+        </a:ln>
+        <a:ln w="25400" cap="flat" cmpd="sng" algn="ctr">
+          <a:solidFill>
+            <a:schemeClr val="phClr"/>
+          </a:solidFill>
+          <a:prstDash val="solid"/>
+          <a:miter lim="800000"/>
+        </a:ln>
+      </a:lnStyleLst>
+      <a:effectStyleLst>
+        <a:effectStyle>
+          <a:effectLst/>
+        </a:effectStyle>
+        <a:effectStyle>
+          <a:effectLst/>
+        </a:effectStyle>
+        <a:effectStyle>
+          <a:effectLst>
+            <a:outerShdw blurRad="57150" dist="19050" dir="5400000" algn="ctr" rotWithShape="0">
+              <a:srgbClr val="000000">
+                <a:alpha val="63000"/>
+              </a:srgbClr>
+            </a:outerShdw>
+          </a:effectLst>
+        </a:effectStyle>
+      </a:effectStyleLst>
+      <a:bgFillStyleLst>
+        <a:solidFill>
+          <a:schemeClr val="phClr"/>
+        </a:solidFill>
+        <a:solidFill>
+          <a:schemeClr val="phClr">
+            <a:tint val="95000"/>
+            <a:satMod val="170000"/>
+          </a:schemeClr>
+        </a:solidFill>
+        <a:gradFill rotWithShape="1">
+          <a:gsLst>
+            <a:gs pos="0">
+              <a:schemeClr val="phClr">
+                <a:tint val="93000"/>
+                <a:satMod val="150000"/>
+                <a:shade val="98000"/>
+                <a:lumMod val="102000"/>
+              </a:schemeClr>
+            </a:gs>
+            <a:gs pos="50000">
+              <a:schemeClr val="phClr">
+                <a:tint val="98000"/>
+                <a:satMod val="130000"/>
+                <a:shade val="90000"/>
+                <a:lumMod val="103000"/>
+              </a:schemeClr>
+            </a:gs>
+            <a:gs pos="100000">
+              <a:schemeClr val="phClr">
+                <a:shade val="63000"/>
+                <a:satMod val="120000"/>
+              </a:schemeClr>
+            </a:gs>
+          </a:gsLst>
+          <a:lin ang="5400000" scaled="0"/>
+        </a:gradFill>
+      </a:bgFillStyleLst>
+    </a:fmtScheme>
+  </a:themeElements>
+  <a:objectDefaults>
+    <a:lnDef>
+      <a:spPr/>
+      <a:bodyPr/>
+      <a:lstStyle/>
+      <a:style>
+        <a:lnRef idx="2">
+          <a:schemeClr val="accent1"/>
+        </a:lnRef>
+        <a:fillRef idx="0">
+          <a:schemeClr val="accent1"/>
+        </a:fillRef>
+        <a:effectRef idx="1">
+          <a:schemeClr val="accent1"/>
+        </a:effectRef>
+        <a:fontRef idx="minor">
+          <a:schemeClr val="tx1"/>
+        </a:fontRef>
+      </a:style>
+    </a:lnDef>
+  </a:objectDefaults>
+  <a:extraClrSchemeLst/>
+  <a:extLst>
+    <a:ext uri="{05A4C25C-085E-4340-85A3-A5531E510DB2}">
+      <thm15:themeFamily xmlns:thm15="http://schemas.microsoft.com/office/thememl/2012/main" name="Office Theme" id="{2E142A2C-CD16-42D6-873A-C26D2A0506FA}" vid="{1BDDFF52-6CD6-40A5-AB3C-68EB2F1E4D0A}"/>
+    </a:ext>
+  </a:extLst>
+</a:theme>
 </file>
--- a/posts/prove-meridians-are-geodesics/sketch.pptx
+++ b/posts/prove-meridians-are-geodesics/sketch.pptx
@@ -3757,62 +3757,6 @@
           <a:chExt cx="0" cy="0"/>
         </a:xfrm>
       </p:grpSpPr>
-      <p:sp>
-        <p:nvSpPr>
-          <p:cNvPr id="83" name="Parallelogram 82">
-            <a:extLst>
-              <a:ext uri="{FF2B5EF4-FFF2-40B4-BE49-F238E27FC236}">
-                <a16:creationId xmlns:a16="http://schemas.microsoft.com/office/drawing/2014/main" id="{3B1BA451-B09D-05EA-F220-8FDCAFBE4E4D}"/>
-              </a:ext>
-            </a:extLst>
-          </p:cNvPr>
-          <p:cNvSpPr/>
-          <p:nvPr/>
-        </p:nvSpPr>
-        <p:spPr>
-          <a:xfrm>
-            <a:off x="6859795" y="3730700"/>
-            <a:ext cx="2195737" cy="581339"/>
-          </a:xfrm>
-          <a:prstGeom prst="parallelogram">
-            <a:avLst>
-              <a:gd name="adj" fmla="val 129432"/>
-            </a:avLst>
-          </a:prstGeom>
-          <a:solidFill>
-            <a:schemeClr val="bg1">
-              <a:lumMod val="85000"/>
-            </a:schemeClr>
-          </a:solidFill>
-          <a:ln>
-            <a:noFill/>
-          </a:ln>
-        </p:spPr>
-        <p:style>
-          <a:lnRef idx="2">
-            <a:schemeClr val="accent1">
-              <a:shade val="15000"/>
-            </a:schemeClr>
-          </a:lnRef>
-          <a:fillRef idx="1">
-            <a:schemeClr val="accent1"/>
-          </a:fillRef>
-          <a:effectRef idx="0">
-            <a:schemeClr val="accent1"/>
-          </a:effectRef>
-          <a:fontRef idx="minor">
-            <a:schemeClr val="lt1"/>
-          </a:fontRef>
-        </p:style>
-        <p:txBody>
-          <a:bodyPr rtlCol="0" anchor="ctr"/>
-          <a:lstStyle/>
-          <a:p>
-            <a:pPr algn="ctr"/>
-            <a:endParaRPr lang="en-US"/>
-          </a:p>
-        </p:txBody>
-      </p:sp>
       <p:grpSp>
         <p:nvGrpSpPr>
           <p:cNvPr id="61" name="Group 60">
@@ -5742,1832 +5686,1909 @@
           </p:spPr>
         </p:pic>
       </p:grpSp>
-      <p:cxnSp>
-        <p:nvCxnSpPr>
-          <p:cNvPr id="63" name="Straight Arrow Connector 62">
+      <p:grpSp>
+        <p:nvGrpSpPr>
+          <p:cNvPr id="144" name="Group 143">
             <a:extLst>
               <a:ext uri="{FF2B5EF4-FFF2-40B4-BE49-F238E27FC236}">
-                <a16:creationId xmlns:a16="http://schemas.microsoft.com/office/drawing/2014/main" id="{FCF0AB94-6469-D389-E274-792036EDCC24}"/>
+                <a16:creationId xmlns:a16="http://schemas.microsoft.com/office/drawing/2014/main" id="{3598E3A8-2885-489A-A39B-90BCC19F6E91}"/>
               </a:ext>
             </a:extLst>
           </p:cNvPr>
-          <p:cNvCxnSpPr>
-            <a:cxnSpLocks/>
-          </p:cNvCxnSpPr>
+          <p:cNvGrpSpPr/>
           <p:nvPr/>
-        </p:nvCxnSpPr>
-        <p:spPr>
+        </p:nvGrpSpPr>
+        <p:grpSpPr>
           <a:xfrm>
-            <a:off x="7592602" y="3727584"/>
-            <a:ext cx="1561672" cy="0"/>
+            <a:off x="6481948" y="1998380"/>
+            <a:ext cx="2949129" cy="2405992"/>
+            <a:chOff x="6481948" y="1998380"/>
+            <a:chExt cx="2949129" cy="2405992"/>
           </a:xfrm>
-          <a:prstGeom prst="straightConnector1">
-            <a:avLst/>
-          </a:prstGeom>
-          <a:ln>
+        </p:grpSpPr>
+        <p:sp>
+          <p:nvSpPr>
+            <p:cNvPr id="83" name="Parallelogram 82">
+              <a:extLst>
+                <a:ext uri="{FF2B5EF4-FFF2-40B4-BE49-F238E27FC236}">
+                  <a16:creationId xmlns:a16="http://schemas.microsoft.com/office/drawing/2014/main" id="{3B1BA451-B09D-05EA-F220-8FDCAFBE4E4D}"/>
+                </a:ext>
+              </a:extLst>
+            </p:cNvPr>
+            <p:cNvSpPr/>
+            <p:nvPr/>
+          </p:nvSpPr>
+          <p:spPr>
+            <a:xfrm>
+              <a:off x="6859795" y="3730700"/>
+              <a:ext cx="2195737" cy="581339"/>
+            </a:xfrm>
+            <a:prstGeom prst="parallelogram">
+              <a:avLst>
+                <a:gd name="adj" fmla="val 129432"/>
+              </a:avLst>
+            </a:prstGeom>
             <a:solidFill>
-              <a:schemeClr val="tx1"/>
-            </a:solidFill>
-            <a:tailEnd type="triangle"/>
-          </a:ln>
-        </p:spPr>
-        <p:style>
-          <a:lnRef idx="2">
-            <a:schemeClr val="accent1"/>
-          </a:lnRef>
-          <a:fillRef idx="0">
-            <a:schemeClr val="accent1"/>
-          </a:fillRef>
-          <a:effectRef idx="1">
-            <a:schemeClr val="accent1"/>
-          </a:effectRef>
-          <a:fontRef idx="minor">
-            <a:schemeClr val="tx1"/>
-          </a:fontRef>
-        </p:style>
-      </p:cxnSp>
-      <p:cxnSp>
-        <p:nvCxnSpPr>
-          <p:cNvPr id="65" name="Straight Arrow Connector 64">
-            <a:extLst>
-              <a:ext uri="{FF2B5EF4-FFF2-40B4-BE49-F238E27FC236}">
-                <a16:creationId xmlns:a16="http://schemas.microsoft.com/office/drawing/2014/main" id="{75215B55-6CA5-EEF6-F969-A080CCE7F6B4}"/>
-              </a:ext>
-            </a:extLst>
-          </p:cNvPr>
-          <p:cNvCxnSpPr>
-            <a:cxnSpLocks/>
-          </p:cNvCxnSpPr>
-          <p:nvPr/>
-        </p:nvCxnSpPr>
-        <p:spPr>
-          <a:xfrm flipV="1">
-            <a:off x="7592602" y="2146917"/>
-            <a:ext cx="0" cy="1580667"/>
-          </a:xfrm>
-          <a:prstGeom prst="straightConnector1">
-            <a:avLst/>
-          </a:prstGeom>
-          <a:ln>
-            <a:solidFill>
-              <a:schemeClr val="tx1"/>
-            </a:solidFill>
-            <a:tailEnd type="triangle"/>
-          </a:ln>
-        </p:spPr>
-        <p:style>
-          <a:lnRef idx="2">
-            <a:schemeClr val="accent1"/>
-          </a:lnRef>
-          <a:fillRef idx="0">
-            <a:schemeClr val="accent1"/>
-          </a:fillRef>
-          <a:effectRef idx="1">
-            <a:schemeClr val="accent1"/>
-          </a:effectRef>
-          <a:fontRef idx="minor">
-            <a:schemeClr val="tx1"/>
-          </a:fontRef>
-        </p:style>
-      </p:cxnSp>
-      <p:cxnSp>
-        <p:nvCxnSpPr>
-          <p:cNvPr id="67" name="Straight Arrow Connector 66">
-            <a:extLst>
-              <a:ext uri="{FF2B5EF4-FFF2-40B4-BE49-F238E27FC236}">
-                <a16:creationId xmlns:a16="http://schemas.microsoft.com/office/drawing/2014/main" id="{7FE6AA9E-CBD1-5C80-80FE-D084584C06ED}"/>
-              </a:ext>
-            </a:extLst>
-          </p:cNvPr>
-          <p:cNvCxnSpPr>
-            <a:cxnSpLocks/>
-          </p:cNvCxnSpPr>
-          <p:nvPr/>
-        </p:nvCxnSpPr>
-        <p:spPr>
-          <a:xfrm flipH="1">
-            <a:off x="6812938" y="3727584"/>
-            <a:ext cx="779663" cy="609254"/>
-          </a:xfrm>
-          <a:prstGeom prst="straightConnector1">
-            <a:avLst/>
-          </a:prstGeom>
-          <a:ln>
-            <a:solidFill>
-              <a:schemeClr val="tx1"/>
-            </a:solidFill>
-            <a:tailEnd type="triangle"/>
-          </a:ln>
-        </p:spPr>
-        <p:style>
-          <a:lnRef idx="2">
-            <a:schemeClr val="accent1"/>
-          </a:lnRef>
-          <a:fillRef idx="0">
-            <a:schemeClr val="accent1"/>
-          </a:fillRef>
-          <a:effectRef idx="1">
-            <a:schemeClr val="accent1"/>
-          </a:effectRef>
-          <a:fontRef idx="minor">
-            <a:schemeClr val="tx1"/>
-          </a:fontRef>
-        </p:style>
-      </p:cxnSp>
-      <p:sp>
-        <p:nvSpPr>
-          <p:cNvPr id="70" name="Freeform 69">
-            <a:extLst>
-              <a:ext uri="{FF2B5EF4-FFF2-40B4-BE49-F238E27FC236}">
-                <a16:creationId xmlns:a16="http://schemas.microsoft.com/office/drawing/2014/main" id="{B781CDD4-96CF-45C7-73D3-86DC3C0A20FC}"/>
-              </a:ext>
-            </a:extLst>
-          </p:cNvPr>
-          <p:cNvSpPr/>
-          <p:nvPr/>
-        </p:nvSpPr>
-        <p:spPr>
-          <a:xfrm>
-            <a:off x="7592599" y="2504442"/>
-            <a:ext cx="1229058" cy="1194515"/>
-          </a:xfrm>
-          <a:custGeom>
-            <a:avLst/>
-            <a:gdLst>
-              <a:gd name="connsiteX0" fmla="*/ 0 w 821933"/>
-              <a:gd name="connsiteY0" fmla="*/ 0 h 1140432"/>
-              <a:gd name="connsiteX1" fmla="*/ 441789 w 821933"/>
-              <a:gd name="connsiteY1" fmla="*/ 226032 h 1140432"/>
-              <a:gd name="connsiteX2" fmla="*/ 452063 w 821933"/>
-              <a:gd name="connsiteY2" fmla="*/ 801385 h 1140432"/>
-              <a:gd name="connsiteX3" fmla="*/ 821933 w 821933"/>
-              <a:gd name="connsiteY3" fmla="*/ 1140432 h 1140432"/>
-            </a:gdLst>
-            <a:ahLst/>
-            <a:cxnLst>
-              <a:cxn ang="0">
-                <a:pos x="connsiteX0" y="connsiteY0"/>
-              </a:cxn>
-              <a:cxn ang="0">
-                <a:pos x="connsiteX1" y="connsiteY1"/>
-              </a:cxn>
-              <a:cxn ang="0">
-                <a:pos x="connsiteX2" y="connsiteY2"/>
-              </a:cxn>
-              <a:cxn ang="0">
-                <a:pos x="connsiteX3" y="connsiteY3"/>
-              </a:cxn>
-            </a:cxnLst>
-            <a:rect l="l" t="t" r="r" b="b"/>
-            <a:pathLst>
-              <a:path w="821933" h="1140432">
-                <a:moveTo>
-                  <a:pt x="0" y="0"/>
-                </a:moveTo>
-                <a:cubicBezTo>
-                  <a:pt x="183222" y="46234"/>
-                  <a:pt x="366445" y="92468"/>
-                  <a:pt x="441789" y="226032"/>
-                </a:cubicBezTo>
-                <a:cubicBezTo>
-                  <a:pt x="517133" y="359596"/>
-                  <a:pt x="388706" y="648985"/>
-                  <a:pt x="452063" y="801385"/>
-                </a:cubicBezTo>
-                <a:cubicBezTo>
-                  <a:pt x="515420" y="953785"/>
-                  <a:pt x="668676" y="1047108"/>
-                  <a:pt x="821933" y="1140432"/>
-                </a:cubicBezTo>
-              </a:path>
-            </a:pathLst>
-          </a:custGeom>
-          <a:noFill/>
-          <a:ln>
-            <a:solidFill>
-              <a:schemeClr val="accent2">
-                <a:lumMod val="40000"/>
-                <a:lumOff val="60000"/>
+              <a:schemeClr val="bg1">
+                <a:lumMod val="85000"/>
               </a:schemeClr>
             </a:solidFill>
-          </a:ln>
-        </p:spPr>
-        <p:style>
-          <a:lnRef idx="2">
-            <a:schemeClr val="accent1">
-              <a:shade val="15000"/>
-            </a:schemeClr>
-          </a:lnRef>
-          <a:fillRef idx="1">
-            <a:schemeClr val="accent1"/>
-          </a:fillRef>
-          <a:effectRef idx="0">
-            <a:schemeClr val="accent1"/>
-          </a:effectRef>
-          <a:fontRef idx="minor">
-            <a:schemeClr val="lt1"/>
-          </a:fontRef>
-        </p:style>
-        <p:txBody>
-          <a:bodyPr rtlCol="0" anchor="ctr"/>
-          <a:lstStyle/>
-          <a:p>
-            <a:pPr algn="ctr"/>
-            <a:endParaRPr lang="en-US">
+            <a:ln>
+              <a:noFill/>
+            </a:ln>
+          </p:spPr>
+          <p:style>
+            <a:lnRef idx="2">
+              <a:schemeClr val="accent1">
+                <a:shade val="15000"/>
+              </a:schemeClr>
+            </a:lnRef>
+            <a:fillRef idx="1">
+              <a:schemeClr val="accent1"/>
+            </a:fillRef>
+            <a:effectRef idx="0">
+              <a:schemeClr val="accent1"/>
+            </a:effectRef>
+            <a:fontRef idx="minor">
+              <a:schemeClr val="lt1"/>
+            </a:fontRef>
+          </p:style>
+          <p:txBody>
+            <a:bodyPr rtlCol="0" anchor="ctr"/>
+            <a:lstStyle/>
+            <a:p>
+              <a:pPr algn="ctr"/>
+              <a:endParaRPr lang="en-US"/>
+            </a:p>
+          </p:txBody>
+        </p:sp>
+        <p:cxnSp>
+          <p:nvCxnSpPr>
+            <p:cNvPr id="63" name="Straight Arrow Connector 62">
+              <a:extLst>
+                <a:ext uri="{FF2B5EF4-FFF2-40B4-BE49-F238E27FC236}">
+                  <a16:creationId xmlns:a16="http://schemas.microsoft.com/office/drawing/2014/main" id="{FCF0AB94-6469-D389-E274-792036EDCC24}"/>
+                </a:ext>
+              </a:extLst>
+            </p:cNvPr>
+            <p:cNvCxnSpPr>
+              <a:cxnSpLocks/>
+            </p:cNvCxnSpPr>
+            <p:nvPr/>
+          </p:nvCxnSpPr>
+          <p:spPr>
+            <a:xfrm>
+              <a:off x="7592602" y="3727584"/>
+              <a:ext cx="1561672" cy="0"/>
+            </a:xfrm>
+            <a:prstGeom prst="straightConnector1">
+              <a:avLst/>
+            </a:prstGeom>
+            <a:ln>
+              <a:solidFill>
+                <a:schemeClr val="tx1"/>
+              </a:solidFill>
+              <a:tailEnd type="triangle"/>
+            </a:ln>
+          </p:spPr>
+          <p:style>
+            <a:lnRef idx="2">
+              <a:schemeClr val="accent1"/>
+            </a:lnRef>
+            <a:fillRef idx="0">
+              <a:schemeClr val="accent1"/>
+            </a:fillRef>
+            <a:effectRef idx="1">
+              <a:schemeClr val="accent1"/>
+            </a:effectRef>
+            <a:fontRef idx="minor">
+              <a:schemeClr val="tx1"/>
+            </a:fontRef>
+          </p:style>
+        </p:cxnSp>
+        <p:cxnSp>
+          <p:nvCxnSpPr>
+            <p:cNvPr id="65" name="Straight Arrow Connector 64">
+              <a:extLst>
+                <a:ext uri="{FF2B5EF4-FFF2-40B4-BE49-F238E27FC236}">
+                  <a16:creationId xmlns:a16="http://schemas.microsoft.com/office/drawing/2014/main" id="{75215B55-6CA5-EEF6-F969-A080CCE7F6B4}"/>
+                </a:ext>
+              </a:extLst>
+            </p:cNvPr>
+            <p:cNvCxnSpPr>
+              <a:cxnSpLocks/>
+            </p:cNvCxnSpPr>
+            <p:nvPr/>
+          </p:nvCxnSpPr>
+          <p:spPr>
+            <a:xfrm flipV="1">
+              <a:off x="7592602" y="2146917"/>
+              <a:ext cx="0" cy="1580667"/>
+            </a:xfrm>
+            <a:prstGeom prst="straightConnector1">
+              <a:avLst/>
+            </a:prstGeom>
+            <a:ln>
+              <a:solidFill>
+                <a:schemeClr val="tx1"/>
+              </a:solidFill>
+              <a:tailEnd type="triangle"/>
+            </a:ln>
+          </p:spPr>
+          <p:style>
+            <a:lnRef idx="2">
+              <a:schemeClr val="accent1"/>
+            </a:lnRef>
+            <a:fillRef idx="0">
+              <a:schemeClr val="accent1"/>
+            </a:fillRef>
+            <a:effectRef idx="1">
+              <a:schemeClr val="accent1"/>
+            </a:effectRef>
+            <a:fontRef idx="minor">
+              <a:schemeClr val="tx1"/>
+            </a:fontRef>
+          </p:style>
+        </p:cxnSp>
+        <p:cxnSp>
+          <p:nvCxnSpPr>
+            <p:cNvPr id="67" name="Straight Arrow Connector 66">
+              <a:extLst>
+                <a:ext uri="{FF2B5EF4-FFF2-40B4-BE49-F238E27FC236}">
+                  <a16:creationId xmlns:a16="http://schemas.microsoft.com/office/drawing/2014/main" id="{7FE6AA9E-CBD1-5C80-80FE-D084584C06ED}"/>
+                </a:ext>
+              </a:extLst>
+            </p:cNvPr>
+            <p:cNvCxnSpPr>
+              <a:cxnSpLocks/>
+            </p:cNvCxnSpPr>
+            <p:nvPr/>
+          </p:nvCxnSpPr>
+          <p:spPr>
+            <a:xfrm flipH="1">
+              <a:off x="6812938" y="3727584"/>
+              <a:ext cx="779663" cy="609254"/>
+            </a:xfrm>
+            <a:prstGeom prst="straightConnector1">
+              <a:avLst/>
+            </a:prstGeom>
+            <a:ln>
+              <a:solidFill>
+                <a:schemeClr val="tx1"/>
+              </a:solidFill>
+              <a:tailEnd type="triangle"/>
+            </a:ln>
+          </p:spPr>
+          <p:style>
+            <a:lnRef idx="2">
+              <a:schemeClr val="accent1"/>
+            </a:lnRef>
+            <a:fillRef idx="0">
+              <a:schemeClr val="accent1"/>
+            </a:fillRef>
+            <a:effectRef idx="1">
+              <a:schemeClr val="accent1"/>
+            </a:effectRef>
+            <a:fontRef idx="minor">
+              <a:schemeClr val="tx1"/>
+            </a:fontRef>
+          </p:style>
+        </p:cxnSp>
+        <p:sp>
+          <p:nvSpPr>
+            <p:cNvPr id="70" name="Freeform 69">
+              <a:extLst>
+                <a:ext uri="{FF2B5EF4-FFF2-40B4-BE49-F238E27FC236}">
+                  <a16:creationId xmlns:a16="http://schemas.microsoft.com/office/drawing/2014/main" id="{B781CDD4-96CF-45C7-73D3-86DC3C0A20FC}"/>
+                </a:ext>
+              </a:extLst>
+            </p:cNvPr>
+            <p:cNvSpPr/>
+            <p:nvPr/>
+          </p:nvSpPr>
+          <p:spPr>
+            <a:xfrm>
+              <a:off x="7592599" y="2504442"/>
+              <a:ext cx="1229058" cy="1194515"/>
+            </a:xfrm>
+            <a:custGeom>
+              <a:avLst/>
+              <a:gdLst>
+                <a:gd name="connsiteX0" fmla="*/ 0 w 821933"/>
+                <a:gd name="connsiteY0" fmla="*/ 0 h 1140432"/>
+                <a:gd name="connsiteX1" fmla="*/ 441789 w 821933"/>
+                <a:gd name="connsiteY1" fmla="*/ 226032 h 1140432"/>
+                <a:gd name="connsiteX2" fmla="*/ 452063 w 821933"/>
+                <a:gd name="connsiteY2" fmla="*/ 801385 h 1140432"/>
+                <a:gd name="connsiteX3" fmla="*/ 821933 w 821933"/>
+                <a:gd name="connsiteY3" fmla="*/ 1140432 h 1140432"/>
+              </a:gdLst>
+              <a:ahLst/>
+              <a:cxnLst>
+                <a:cxn ang="0">
+                  <a:pos x="connsiteX0" y="connsiteY0"/>
+                </a:cxn>
+                <a:cxn ang="0">
+                  <a:pos x="connsiteX1" y="connsiteY1"/>
+                </a:cxn>
+                <a:cxn ang="0">
+                  <a:pos x="connsiteX2" y="connsiteY2"/>
+                </a:cxn>
+                <a:cxn ang="0">
+                  <a:pos x="connsiteX3" y="connsiteY3"/>
+                </a:cxn>
+              </a:cxnLst>
+              <a:rect l="l" t="t" r="r" b="b"/>
+              <a:pathLst>
+                <a:path w="821933" h="1140432">
+                  <a:moveTo>
+                    <a:pt x="0" y="0"/>
+                  </a:moveTo>
+                  <a:cubicBezTo>
+                    <a:pt x="183222" y="46234"/>
+                    <a:pt x="366445" y="92468"/>
+                    <a:pt x="441789" y="226032"/>
+                  </a:cubicBezTo>
+                  <a:cubicBezTo>
+                    <a:pt x="517133" y="359596"/>
+                    <a:pt x="388706" y="648985"/>
+                    <a:pt x="452063" y="801385"/>
+                  </a:cubicBezTo>
+                  <a:cubicBezTo>
+                    <a:pt x="515420" y="953785"/>
+                    <a:pt x="668676" y="1047108"/>
+                    <a:pt x="821933" y="1140432"/>
+                  </a:cubicBezTo>
+                </a:path>
+              </a:pathLst>
+            </a:custGeom>
+            <a:noFill/>
+            <a:ln>
               <a:solidFill>
                 <a:schemeClr val="accent2">
-                  <a:lumMod val="20000"/>
-                  <a:lumOff val="80000"/>
+                  <a:lumMod val="40000"/>
+                  <a:lumOff val="60000"/>
                 </a:schemeClr>
               </a:solidFill>
-            </a:endParaRPr>
-          </a:p>
-        </p:txBody>
-      </p:sp>
-      <p:cxnSp>
-        <p:nvCxnSpPr>
-          <p:cNvPr id="78" name="Straight Connector 77">
-            <a:extLst>
-              <a:ext uri="{FF2B5EF4-FFF2-40B4-BE49-F238E27FC236}">
-                <a16:creationId xmlns:a16="http://schemas.microsoft.com/office/drawing/2014/main" id="{6C333307-57A5-2045-2B19-6DD45D4F313A}"/>
-              </a:ext>
-            </a:extLst>
-          </p:cNvPr>
-          <p:cNvCxnSpPr>
-            <a:cxnSpLocks/>
-          </p:cNvCxnSpPr>
-          <p:nvPr/>
-        </p:nvCxnSpPr>
-        <p:spPr>
-          <a:xfrm flipH="1" flipV="1">
-            <a:off x="7596295" y="3729176"/>
-            <a:ext cx="727434" cy="550280"/>
-          </a:xfrm>
-          <a:prstGeom prst="line">
-            <a:avLst/>
-          </a:prstGeom>
-          <a:ln w="12700">
+            </a:ln>
+          </p:spPr>
+          <p:style>
+            <a:lnRef idx="2">
+              <a:schemeClr val="accent1">
+                <a:shade val="15000"/>
+              </a:schemeClr>
+            </a:lnRef>
+            <a:fillRef idx="1">
+              <a:schemeClr val="accent1"/>
+            </a:fillRef>
+            <a:effectRef idx="0">
+              <a:schemeClr val="accent1"/>
+            </a:effectRef>
+            <a:fontRef idx="minor">
+              <a:schemeClr val="lt1"/>
+            </a:fontRef>
+          </p:style>
+          <p:txBody>
+            <a:bodyPr rtlCol="0" anchor="ctr"/>
+            <a:lstStyle/>
+            <a:p>
+              <a:pPr algn="ctr"/>
+              <a:endParaRPr lang="en-US">
+                <a:solidFill>
+                  <a:schemeClr val="accent2">
+                    <a:lumMod val="20000"/>
+                    <a:lumOff val="80000"/>
+                  </a:schemeClr>
+                </a:solidFill>
+              </a:endParaRPr>
+            </a:p>
+          </p:txBody>
+        </p:sp>
+        <p:cxnSp>
+          <p:nvCxnSpPr>
+            <p:cNvPr id="78" name="Straight Connector 77">
+              <a:extLst>
+                <a:ext uri="{FF2B5EF4-FFF2-40B4-BE49-F238E27FC236}">
+                  <a16:creationId xmlns:a16="http://schemas.microsoft.com/office/drawing/2014/main" id="{6C333307-57A5-2045-2B19-6DD45D4F313A}"/>
+                </a:ext>
+              </a:extLst>
+            </p:cNvPr>
+            <p:cNvCxnSpPr>
+              <a:cxnSpLocks/>
+            </p:cNvCxnSpPr>
+            <p:nvPr/>
+          </p:nvCxnSpPr>
+          <p:spPr>
+            <a:xfrm flipH="1" flipV="1">
+              <a:off x="7596295" y="3729176"/>
+              <a:ext cx="727434" cy="550280"/>
+            </a:xfrm>
+            <a:prstGeom prst="line">
+              <a:avLst/>
+            </a:prstGeom>
+            <a:ln w="12700">
+              <a:solidFill>
+                <a:schemeClr val="tx1"/>
+              </a:solidFill>
+              <a:prstDash val="solid"/>
+            </a:ln>
+          </p:spPr>
+          <p:style>
+            <a:lnRef idx="2">
+              <a:schemeClr val="accent1"/>
+            </a:lnRef>
+            <a:fillRef idx="0">
+              <a:schemeClr val="accent1"/>
+            </a:fillRef>
+            <a:effectRef idx="1">
+              <a:schemeClr val="accent1"/>
+            </a:effectRef>
+            <a:fontRef idx="minor">
+              <a:schemeClr val="tx1"/>
+            </a:fontRef>
+          </p:style>
+        </p:cxnSp>
+        <p:sp>
+          <p:nvSpPr>
+            <p:cNvPr id="85" name="Oval 84">
+              <a:extLst>
+                <a:ext uri="{FF2B5EF4-FFF2-40B4-BE49-F238E27FC236}">
+                  <a16:creationId xmlns:a16="http://schemas.microsoft.com/office/drawing/2014/main" id="{D2E88170-E9E5-8848-141F-A541F3E35B59}"/>
+                </a:ext>
+              </a:extLst>
+            </p:cNvPr>
+            <p:cNvSpPr/>
+            <p:nvPr/>
+          </p:nvSpPr>
+          <p:spPr>
+            <a:xfrm>
+              <a:off x="6916906" y="3093265"/>
+              <a:ext cx="1331893" cy="499698"/>
+            </a:xfrm>
+            <a:prstGeom prst="ellipse">
+              <a:avLst/>
+            </a:prstGeom>
+            <a:noFill/>
+            <a:ln w="12700">
+              <a:solidFill>
+                <a:schemeClr val="tx1"/>
+              </a:solidFill>
+              <a:prstDash val="solid"/>
+            </a:ln>
+          </p:spPr>
+          <p:style>
+            <a:lnRef idx="2">
+              <a:schemeClr val="accent1">
+                <a:shade val="15000"/>
+              </a:schemeClr>
+            </a:lnRef>
+            <a:fillRef idx="1">
+              <a:schemeClr val="accent1"/>
+            </a:fillRef>
+            <a:effectRef idx="0">
+              <a:schemeClr val="accent1"/>
+            </a:effectRef>
+            <a:fontRef idx="minor">
+              <a:schemeClr val="lt1"/>
+            </a:fontRef>
+          </p:style>
+          <p:txBody>
+            <a:bodyPr rtlCol="0" anchor="ctr"/>
+            <a:lstStyle/>
+            <a:p>
+              <a:pPr algn="ctr"/>
+              <a:endParaRPr lang="en-US"/>
+            </a:p>
+          </p:txBody>
+        </p:sp>
+        <mc:AlternateContent xmlns:mc="http://schemas.openxmlformats.org/markup-compatibility/2006">
+          <mc:Choice xmlns:a14="http://schemas.microsoft.com/office/drawing/2010/main" Requires="a14">
+            <p:sp>
+              <p:nvSpPr>
+                <p:cNvPr id="91" name="TextBox 90">
+                  <a:extLst>
+                    <a:ext uri="{FF2B5EF4-FFF2-40B4-BE49-F238E27FC236}">
+                      <a16:creationId xmlns:a16="http://schemas.microsoft.com/office/drawing/2014/main" id="{F5FB184E-495F-7771-0A03-B4A3F79B8A87}"/>
+                    </a:ext>
+                  </a:extLst>
+                </p:cNvPr>
+                <p:cNvSpPr txBox="1"/>
+                <p:nvPr/>
+              </p:nvSpPr>
+              <p:spPr>
+                <a:xfrm>
+                  <a:off x="8219989" y="3743035"/>
+                  <a:ext cx="318425" cy="184666"/>
+                </a:xfrm>
+                <a:prstGeom prst="rect">
+                  <a:avLst/>
+                </a:prstGeom>
+                <a:noFill/>
+              </p:spPr>
+              <p:txBody>
+                <a:bodyPr wrap="square" lIns="0" tIns="0" rIns="0" bIns="0" rtlCol="0">
+                  <a:spAutoFit/>
+                </a:bodyPr>
+                <a:lstStyle/>
+                <a:p>
+                  <a14:m>
+                    <m:oMathPara xmlns:m="http://schemas.openxmlformats.org/officeDocument/2006/math">
+                      <m:oMathParaPr>
+                        <m:jc m:val="centerGroup"/>
+                      </m:oMathParaPr>
+                      <m:oMath xmlns:m="http://schemas.openxmlformats.org/officeDocument/2006/math">
+                        <m:r>
+                          <a:rPr lang="en-US" sz="1200" b="0" i="1" smtClean="0">
+                            <a:latin typeface="Cambria Math" panose="02040503050406030204" pitchFamily="18" charset="0"/>
+                          </a:rPr>
+                          <m:t>𝑓</m:t>
+                        </m:r>
+                        <m:r>
+                          <a:rPr lang="en-US" sz="1200" b="0" i="1" smtClean="0">
+                            <a:latin typeface="Cambria Math" panose="02040503050406030204" pitchFamily="18" charset="0"/>
+                          </a:rPr>
+                          <m:t>(</m:t>
+                        </m:r>
+                        <m:r>
+                          <a:rPr lang="en-US" sz="1200" b="0" i="1" smtClean="0">
+                            <a:latin typeface="Cambria Math" panose="02040503050406030204" pitchFamily="18" charset="0"/>
+                          </a:rPr>
+                          <m:t>𝑢</m:t>
+                        </m:r>
+                        <m:r>
+                          <a:rPr lang="en-US" sz="1200" b="0" i="1" smtClean="0">
+                            <a:latin typeface="Cambria Math" panose="02040503050406030204" pitchFamily="18" charset="0"/>
+                          </a:rPr>
+                          <m:t>)</m:t>
+                        </m:r>
+                      </m:oMath>
+                    </m:oMathPara>
+                  </a14:m>
+                  <a:endParaRPr lang="en-US" sz="1600" dirty="0"/>
+                </a:p>
+              </p:txBody>
+            </p:sp>
+          </mc:Choice>
+          <mc:Fallback>
+            <p:sp>
+              <p:nvSpPr>
+                <p:cNvPr id="91" name="TextBox 90">
+                  <a:extLst>
+                    <a:ext uri="{FF2B5EF4-FFF2-40B4-BE49-F238E27FC236}">
+                      <a16:creationId xmlns:a16="http://schemas.microsoft.com/office/drawing/2014/main" id="{F5FB184E-495F-7771-0A03-B4A3F79B8A87}"/>
+                    </a:ext>
+                  </a:extLst>
+                </p:cNvPr>
+                <p:cNvSpPr txBox="1">
+                  <a:spLocks noRot="1" noChangeAspect="1" noMove="1" noResize="1" noEditPoints="1" noAdjustHandles="1" noChangeArrowheads="1" noChangeShapeType="1" noTextEdit="1"/>
+                </p:cNvSpPr>
+                <p:nvPr/>
+              </p:nvSpPr>
+              <p:spPr>
+                <a:xfrm>
+                  <a:off x="8219989" y="3743035"/>
+                  <a:ext cx="318425" cy="184666"/>
+                </a:xfrm>
+                <a:prstGeom prst="rect">
+                  <a:avLst/>
+                </a:prstGeom>
+                <a:blipFill>
+                  <a:blip r:embed="rId16"/>
+                  <a:stretch>
+                    <a:fillRect l="-23077" r="-19231" b="-31250"/>
+                  </a:stretch>
+                </a:blipFill>
+              </p:spPr>
+              <p:txBody>
+                <a:bodyPr/>
+                <a:lstStyle/>
+                <a:p>
+                  <a:r>
+                    <a:rPr lang="en-US">
+                      <a:noFill/>
+                    </a:rPr>
+                    <a:t> </a:t>
+                  </a:r>
+                </a:p>
+              </p:txBody>
+            </p:sp>
+          </mc:Fallback>
+        </mc:AlternateContent>
+        <mc:AlternateContent xmlns:mc="http://schemas.openxmlformats.org/markup-compatibility/2006">
+          <mc:Choice xmlns:a14="http://schemas.microsoft.com/office/drawing/2010/main" Requires="a14">
+            <p:sp>
+              <p:nvSpPr>
+                <p:cNvPr id="92" name="TextBox 91">
+                  <a:extLst>
+                    <a:ext uri="{FF2B5EF4-FFF2-40B4-BE49-F238E27FC236}">
+                      <a16:creationId xmlns:a16="http://schemas.microsoft.com/office/drawing/2014/main" id="{AF251EF3-2830-E760-F0D7-474B92598900}"/>
+                    </a:ext>
+                  </a:extLst>
+                </p:cNvPr>
+                <p:cNvSpPr txBox="1"/>
+                <p:nvPr/>
+              </p:nvSpPr>
+              <p:spPr>
+                <a:xfrm>
+                  <a:off x="7219315" y="3229768"/>
+                  <a:ext cx="318425" cy="184666"/>
+                </a:xfrm>
+                <a:prstGeom prst="rect">
+                  <a:avLst/>
+                </a:prstGeom>
+                <a:noFill/>
+              </p:spPr>
+              <p:txBody>
+                <a:bodyPr wrap="square" lIns="0" tIns="0" rIns="0" bIns="0" rtlCol="0">
+                  <a:spAutoFit/>
+                </a:bodyPr>
+                <a:lstStyle/>
+                <a:p>
+                  <a14:m>
+                    <m:oMathPara xmlns:m="http://schemas.openxmlformats.org/officeDocument/2006/math">
+                      <m:oMathParaPr>
+                        <m:jc m:val="centerGroup"/>
+                      </m:oMathParaPr>
+                      <m:oMath xmlns:m="http://schemas.openxmlformats.org/officeDocument/2006/math">
+                        <m:r>
+                          <a:rPr lang="en-US" sz="1200" b="0" i="1" smtClean="0">
+                            <a:latin typeface="Cambria Math" panose="02040503050406030204" pitchFamily="18" charset="0"/>
+                          </a:rPr>
+                          <m:t>𝑔</m:t>
+                        </m:r>
+                        <m:r>
+                          <a:rPr lang="en-US" sz="1200" b="0" i="1" smtClean="0">
+                            <a:latin typeface="Cambria Math" panose="02040503050406030204" pitchFamily="18" charset="0"/>
+                          </a:rPr>
+                          <m:t>(</m:t>
+                        </m:r>
+                        <m:r>
+                          <a:rPr lang="en-US" sz="1200" b="0" i="1" smtClean="0">
+                            <a:latin typeface="Cambria Math" panose="02040503050406030204" pitchFamily="18" charset="0"/>
+                          </a:rPr>
+                          <m:t>𝑢</m:t>
+                        </m:r>
+                        <m:r>
+                          <a:rPr lang="en-US" sz="1200" b="0" i="1" smtClean="0">
+                            <a:latin typeface="Cambria Math" panose="02040503050406030204" pitchFamily="18" charset="0"/>
+                          </a:rPr>
+                          <m:t>)</m:t>
+                        </m:r>
+                      </m:oMath>
+                    </m:oMathPara>
+                  </a14:m>
+                  <a:endParaRPr lang="en-US" sz="1600" dirty="0"/>
+                </a:p>
+              </p:txBody>
+            </p:sp>
+          </mc:Choice>
+          <mc:Fallback>
+            <p:sp>
+              <p:nvSpPr>
+                <p:cNvPr id="92" name="TextBox 91">
+                  <a:extLst>
+                    <a:ext uri="{FF2B5EF4-FFF2-40B4-BE49-F238E27FC236}">
+                      <a16:creationId xmlns:a16="http://schemas.microsoft.com/office/drawing/2014/main" id="{AF251EF3-2830-E760-F0D7-474B92598900}"/>
+                    </a:ext>
+                  </a:extLst>
+                </p:cNvPr>
+                <p:cNvSpPr txBox="1">
+                  <a:spLocks noRot="1" noChangeAspect="1" noMove="1" noResize="1" noEditPoints="1" noAdjustHandles="1" noChangeArrowheads="1" noChangeShapeType="1" noTextEdit="1"/>
+                </p:cNvSpPr>
+                <p:nvPr/>
+              </p:nvSpPr>
+              <p:spPr>
+                <a:xfrm>
+                  <a:off x="7219315" y="3229768"/>
+                  <a:ext cx="318425" cy="184666"/>
+                </a:xfrm>
+                <a:prstGeom prst="rect">
+                  <a:avLst/>
+                </a:prstGeom>
+                <a:blipFill>
+                  <a:blip r:embed="rId17"/>
+                  <a:stretch>
+                    <a:fillRect l="-15385" r="-23077" b="-40000"/>
+                  </a:stretch>
+                </a:blipFill>
+              </p:spPr>
+              <p:txBody>
+                <a:bodyPr/>
+                <a:lstStyle/>
+                <a:p>
+                  <a:r>
+                    <a:rPr lang="en-US">
+                      <a:noFill/>
+                    </a:rPr>
+                    <a:t> </a:t>
+                  </a:r>
+                </a:p>
+              </p:txBody>
+            </p:sp>
+          </mc:Fallback>
+        </mc:AlternateContent>
+        <p:cxnSp>
+          <p:nvCxnSpPr>
+            <p:cNvPr id="93" name="Straight Connector 92">
+              <a:extLst>
+                <a:ext uri="{FF2B5EF4-FFF2-40B4-BE49-F238E27FC236}">
+                  <a16:creationId xmlns:a16="http://schemas.microsoft.com/office/drawing/2014/main" id="{66DF056E-A993-72FC-86EE-8ED611B3424F}"/>
+                </a:ext>
+              </a:extLst>
+            </p:cNvPr>
+            <p:cNvCxnSpPr>
+              <a:cxnSpLocks/>
+            </p:cNvCxnSpPr>
+            <p:nvPr/>
+          </p:nvCxnSpPr>
+          <p:spPr>
+            <a:xfrm flipH="1">
+              <a:off x="7592599" y="3327301"/>
+              <a:ext cx="656200" cy="0"/>
+            </a:xfrm>
+            <a:prstGeom prst="line">
+              <a:avLst/>
+            </a:prstGeom>
+            <a:ln w="12700">
+              <a:solidFill>
+                <a:schemeClr val="tx1"/>
+              </a:solidFill>
+              <a:prstDash val="dash"/>
+            </a:ln>
+          </p:spPr>
+          <p:style>
+            <a:lnRef idx="2">
+              <a:schemeClr val="accent1"/>
+            </a:lnRef>
+            <a:fillRef idx="0">
+              <a:schemeClr val="accent1"/>
+            </a:fillRef>
+            <a:effectRef idx="1">
+              <a:schemeClr val="accent1"/>
+            </a:effectRef>
+            <a:fontRef idx="minor">
+              <a:schemeClr val="tx1"/>
+            </a:fontRef>
+          </p:style>
+        </p:cxnSp>
+        <p:cxnSp>
+          <p:nvCxnSpPr>
+            <p:cNvPr id="96" name="Straight Connector 95">
+              <a:extLst>
+                <a:ext uri="{FF2B5EF4-FFF2-40B4-BE49-F238E27FC236}">
+                  <a16:creationId xmlns:a16="http://schemas.microsoft.com/office/drawing/2014/main" id="{B12F3D1E-7393-C433-C8F1-D1BBBF941972}"/>
+                </a:ext>
+              </a:extLst>
+            </p:cNvPr>
+            <p:cNvCxnSpPr>
+              <a:cxnSpLocks/>
+            </p:cNvCxnSpPr>
+            <p:nvPr/>
+          </p:nvCxnSpPr>
+          <p:spPr>
+            <a:xfrm flipH="1" flipV="1">
+              <a:off x="8249335" y="3322101"/>
+              <a:ext cx="6579" cy="414440"/>
+            </a:xfrm>
+            <a:prstGeom prst="line">
+              <a:avLst/>
+            </a:prstGeom>
+            <a:ln w="12700">
+              <a:solidFill>
+                <a:schemeClr val="tx1"/>
+              </a:solidFill>
+              <a:prstDash val="dash"/>
+            </a:ln>
+          </p:spPr>
+          <p:style>
+            <a:lnRef idx="2">
+              <a:schemeClr val="accent1"/>
+            </a:lnRef>
+            <a:fillRef idx="0">
+              <a:schemeClr val="accent1"/>
+            </a:fillRef>
+            <a:effectRef idx="1">
+              <a:schemeClr val="accent1"/>
+            </a:effectRef>
+            <a:fontRef idx="minor">
+              <a:schemeClr val="tx1"/>
+            </a:fontRef>
+          </p:style>
+        </p:cxnSp>
+        <mc:AlternateContent xmlns:mc="http://schemas.openxmlformats.org/markup-compatibility/2006">
+          <mc:Choice xmlns:a14="http://schemas.microsoft.com/office/drawing/2010/main" Requires="a14">
+            <p:sp>
+              <p:nvSpPr>
+                <p:cNvPr id="100" name="TextBox 99">
+                  <a:extLst>
+                    <a:ext uri="{FF2B5EF4-FFF2-40B4-BE49-F238E27FC236}">
+                      <a16:creationId xmlns:a16="http://schemas.microsoft.com/office/drawing/2014/main" id="{B986649D-BE05-4536-5CE7-82E1A8A25CCB}"/>
+                    </a:ext>
+                  </a:extLst>
+                </p:cNvPr>
+                <p:cNvSpPr txBox="1"/>
+                <p:nvPr/>
+              </p:nvSpPr>
+              <p:spPr>
+                <a:xfrm>
+                  <a:off x="7301607" y="1998380"/>
+                  <a:ext cx="318425" cy="184666"/>
+                </a:xfrm>
+                <a:prstGeom prst="rect">
+                  <a:avLst/>
+                </a:prstGeom>
+                <a:noFill/>
+              </p:spPr>
+              <p:txBody>
+                <a:bodyPr wrap="square" lIns="0" tIns="0" rIns="0" bIns="0" rtlCol="0">
+                  <a:spAutoFit/>
+                </a:bodyPr>
+                <a:lstStyle/>
+                <a:p>
+                  <a14:m>
+                    <m:oMathPara xmlns:m="http://schemas.openxmlformats.org/officeDocument/2006/math">
+                      <m:oMathParaPr>
+                        <m:jc m:val="centerGroup"/>
+                      </m:oMathParaPr>
+                      <m:oMath xmlns:m="http://schemas.openxmlformats.org/officeDocument/2006/math">
+                        <m:r>
+                          <a:rPr lang="en-US" sz="1200" b="0" i="1" smtClean="0">
+                            <a:latin typeface="Cambria Math" panose="02040503050406030204" pitchFamily="18" charset="0"/>
+                          </a:rPr>
+                          <m:t>𝑧</m:t>
+                        </m:r>
+                      </m:oMath>
+                    </m:oMathPara>
+                  </a14:m>
+                  <a:endParaRPr lang="en-US" sz="1600" dirty="0"/>
+                </a:p>
+              </p:txBody>
+            </p:sp>
+          </mc:Choice>
+          <mc:Fallback>
+            <p:sp>
+              <p:nvSpPr>
+                <p:cNvPr id="100" name="TextBox 99">
+                  <a:extLst>
+                    <a:ext uri="{FF2B5EF4-FFF2-40B4-BE49-F238E27FC236}">
+                      <a16:creationId xmlns:a16="http://schemas.microsoft.com/office/drawing/2014/main" id="{B986649D-BE05-4536-5CE7-82E1A8A25CCB}"/>
+                    </a:ext>
+                  </a:extLst>
+                </p:cNvPr>
+                <p:cNvSpPr txBox="1">
+                  <a:spLocks noRot="1" noChangeAspect="1" noMove="1" noResize="1" noEditPoints="1" noAdjustHandles="1" noChangeArrowheads="1" noChangeShapeType="1" noTextEdit="1"/>
+                </p:cNvSpPr>
+                <p:nvPr/>
+              </p:nvSpPr>
+              <p:spPr>
+                <a:xfrm>
+                  <a:off x="7301607" y="1998380"/>
+                  <a:ext cx="318425" cy="184666"/>
+                </a:xfrm>
+                <a:prstGeom prst="rect">
+                  <a:avLst/>
+                </a:prstGeom>
+                <a:blipFill>
+                  <a:blip r:embed="rId18"/>
+                  <a:stretch>
+                    <a:fillRect/>
+                  </a:stretch>
+                </a:blipFill>
+              </p:spPr>
+              <p:txBody>
+                <a:bodyPr/>
+                <a:lstStyle/>
+                <a:p>
+                  <a:r>
+                    <a:rPr lang="en-US">
+                      <a:noFill/>
+                    </a:rPr>
+                    <a:t> </a:t>
+                  </a:r>
+                </a:p>
+              </p:txBody>
+            </p:sp>
+          </mc:Fallback>
+        </mc:AlternateContent>
+        <mc:AlternateContent xmlns:mc="http://schemas.openxmlformats.org/markup-compatibility/2006">
+          <mc:Choice xmlns:a14="http://schemas.microsoft.com/office/drawing/2010/main" Requires="a14">
+            <p:sp>
+              <p:nvSpPr>
+                <p:cNvPr id="101" name="TextBox 100">
+                  <a:extLst>
+                    <a:ext uri="{FF2B5EF4-FFF2-40B4-BE49-F238E27FC236}">
+                      <a16:creationId xmlns:a16="http://schemas.microsoft.com/office/drawing/2014/main" id="{1DF090BD-D367-9370-568F-A50D28E6AC40}"/>
+                    </a:ext>
+                  </a:extLst>
+                </p:cNvPr>
+                <p:cNvSpPr txBox="1"/>
+                <p:nvPr/>
+              </p:nvSpPr>
+              <p:spPr>
+                <a:xfrm>
+                  <a:off x="6556587" y="4219706"/>
+                  <a:ext cx="318425" cy="184666"/>
+                </a:xfrm>
+                <a:prstGeom prst="rect">
+                  <a:avLst/>
+                </a:prstGeom>
+                <a:noFill/>
+              </p:spPr>
+              <p:txBody>
+                <a:bodyPr wrap="square" lIns="0" tIns="0" rIns="0" bIns="0" rtlCol="0">
+                  <a:spAutoFit/>
+                </a:bodyPr>
+                <a:lstStyle/>
+                <a:p>
+                  <a14:m>
+                    <m:oMathPara xmlns:m="http://schemas.openxmlformats.org/officeDocument/2006/math">
+                      <m:oMathParaPr>
+                        <m:jc m:val="centerGroup"/>
+                      </m:oMathParaPr>
+                      <m:oMath xmlns:m="http://schemas.openxmlformats.org/officeDocument/2006/math">
+                        <m:r>
+                          <a:rPr lang="en-US" sz="1200" b="0" i="1" smtClean="0">
+                            <a:latin typeface="Cambria Math" panose="02040503050406030204" pitchFamily="18" charset="0"/>
+                          </a:rPr>
+                          <m:t>𝑥</m:t>
+                        </m:r>
+                      </m:oMath>
+                    </m:oMathPara>
+                  </a14:m>
+                  <a:endParaRPr lang="en-US" sz="1600" dirty="0"/>
+                </a:p>
+              </p:txBody>
+            </p:sp>
+          </mc:Choice>
+          <mc:Fallback>
+            <p:sp>
+              <p:nvSpPr>
+                <p:cNvPr id="101" name="TextBox 100">
+                  <a:extLst>
+                    <a:ext uri="{FF2B5EF4-FFF2-40B4-BE49-F238E27FC236}">
+                      <a16:creationId xmlns:a16="http://schemas.microsoft.com/office/drawing/2014/main" id="{1DF090BD-D367-9370-568F-A50D28E6AC40}"/>
+                    </a:ext>
+                  </a:extLst>
+                </p:cNvPr>
+                <p:cNvSpPr txBox="1">
+                  <a:spLocks noRot="1" noChangeAspect="1" noMove="1" noResize="1" noEditPoints="1" noAdjustHandles="1" noChangeArrowheads="1" noChangeShapeType="1" noTextEdit="1"/>
+                </p:cNvSpPr>
+                <p:nvPr/>
+              </p:nvSpPr>
+              <p:spPr>
+                <a:xfrm>
+                  <a:off x="6556587" y="4219706"/>
+                  <a:ext cx="318425" cy="184666"/>
+                </a:xfrm>
+                <a:prstGeom prst="rect">
+                  <a:avLst/>
+                </a:prstGeom>
+                <a:blipFill>
+                  <a:blip r:embed="rId19"/>
+                  <a:stretch>
+                    <a:fillRect/>
+                  </a:stretch>
+                </a:blipFill>
+              </p:spPr>
+              <p:txBody>
+                <a:bodyPr/>
+                <a:lstStyle/>
+                <a:p>
+                  <a:r>
+                    <a:rPr lang="en-US">
+                      <a:noFill/>
+                    </a:rPr>
+                    <a:t> </a:t>
+                  </a:r>
+                </a:p>
+              </p:txBody>
+            </p:sp>
+          </mc:Fallback>
+        </mc:AlternateContent>
+        <p:cxnSp>
+          <p:nvCxnSpPr>
+            <p:cNvPr id="102" name="Straight Connector 101">
+              <a:extLst>
+                <a:ext uri="{FF2B5EF4-FFF2-40B4-BE49-F238E27FC236}">
+                  <a16:creationId xmlns:a16="http://schemas.microsoft.com/office/drawing/2014/main" id="{40806BDF-42DD-AE6A-4EBA-F430DD34304A}"/>
+                </a:ext>
+              </a:extLst>
+            </p:cNvPr>
+            <p:cNvCxnSpPr>
+              <a:cxnSpLocks/>
+            </p:cNvCxnSpPr>
+            <p:nvPr/>
+          </p:nvCxnSpPr>
+          <p:spPr>
+            <a:xfrm flipH="1" flipV="1">
+              <a:off x="7604061" y="3328893"/>
+              <a:ext cx="330990" cy="230764"/>
+            </a:xfrm>
+            <a:prstGeom prst="line">
+              <a:avLst/>
+            </a:prstGeom>
+            <a:ln w="12700">
+              <a:solidFill>
+                <a:schemeClr val="tx1"/>
+              </a:solidFill>
+              <a:prstDash val="dash"/>
+            </a:ln>
+          </p:spPr>
+          <p:style>
+            <a:lnRef idx="2">
+              <a:schemeClr val="accent1"/>
+            </a:lnRef>
+            <a:fillRef idx="0">
+              <a:schemeClr val="accent1"/>
+            </a:fillRef>
+            <a:effectRef idx="1">
+              <a:schemeClr val="accent1"/>
+            </a:effectRef>
+            <a:fontRef idx="minor">
+              <a:schemeClr val="tx1"/>
+            </a:fontRef>
+          </p:style>
+        </p:cxnSp>
+        <p:cxnSp>
+          <p:nvCxnSpPr>
+            <p:cNvPr id="106" name="Straight Connector 105">
+              <a:extLst>
+                <a:ext uri="{FF2B5EF4-FFF2-40B4-BE49-F238E27FC236}">
+                  <a16:creationId xmlns:a16="http://schemas.microsoft.com/office/drawing/2014/main" id="{2160304E-7B41-7F31-B332-F98D8CB83544}"/>
+                </a:ext>
+              </a:extLst>
+            </p:cNvPr>
+            <p:cNvCxnSpPr>
+              <a:cxnSpLocks/>
+            </p:cNvCxnSpPr>
+            <p:nvPr/>
+          </p:nvCxnSpPr>
+          <p:spPr>
+            <a:xfrm flipV="1">
+              <a:off x="7935051" y="3600635"/>
+              <a:ext cx="0" cy="385886"/>
+            </a:xfrm>
+            <a:prstGeom prst="line">
+              <a:avLst/>
+            </a:prstGeom>
+            <a:ln w="12700">
+              <a:solidFill>
+                <a:schemeClr val="tx1"/>
+              </a:solidFill>
+              <a:prstDash val="dash"/>
+            </a:ln>
+          </p:spPr>
+          <p:style>
+            <a:lnRef idx="2">
+              <a:schemeClr val="accent1"/>
+            </a:lnRef>
+            <a:fillRef idx="0">
+              <a:schemeClr val="accent1"/>
+            </a:fillRef>
+            <a:effectRef idx="1">
+              <a:schemeClr val="accent1"/>
+            </a:effectRef>
+            <a:fontRef idx="minor">
+              <a:schemeClr val="tx1"/>
+            </a:fontRef>
+          </p:style>
+        </p:cxnSp>
+        <mc:AlternateContent xmlns:mc="http://schemas.openxmlformats.org/markup-compatibility/2006">
+          <mc:Choice xmlns:a14="http://schemas.microsoft.com/office/drawing/2010/main" Requires="a14">
+            <p:sp>
+              <p:nvSpPr>
+                <p:cNvPr id="112" name="TextBox 111">
+                  <a:extLst>
+                    <a:ext uri="{FF2B5EF4-FFF2-40B4-BE49-F238E27FC236}">
+                      <a16:creationId xmlns:a16="http://schemas.microsoft.com/office/drawing/2014/main" id="{3386EB7A-5327-EECF-A57D-71AECA8CEE53}"/>
+                    </a:ext>
+                  </a:extLst>
+                </p:cNvPr>
+                <p:cNvSpPr txBox="1"/>
+                <p:nvPr/>
+              </p:nvSpPr>
+              <p:spPr>
+                <a:xfrm>
+                  <a:off x="9112652" y="3710846"/>
+                  <a:ext cx="318425" cy="184666"/>
+                </a:xfrm>
+                <a:prstGeom prst="rect">
+                  <a:avLst/>
+                </a:prstGeom>
+                <a:noFill/>
+              </p:spPr>
+              <p:txBody>
+                <a:bodyPr wrap="square" lIns="0" tIns="0" rIns="0" bIns="0" rtlCol="0">
+                  <a:spAutoFit/>
+                </a:bodyPr>
+                <a:lstStyle/>
+                <a:p>
+                  <a14:m>
+                    <m:oMathPara xmlns:m="http://schemas.openxmlformats.org/officeDocument/2006/math">
+                      <m:oMathParaPr>
+                        <m:jc m:val="centerGroup"/>
+                      </m:oMathParaPr>
+                      <m:oMath xmlns:m="http://schemas.openxmlformats.org/officeDocument/2006/math">
+                        <m:r>
+                          <a:rPr lang="en-US" sz="1200" b="0" i="1" smtClean="0">
+                            <a:latin typeface="Cambria Math" panose="02040503050406030204" pitchFamily="18" charset="0"/>
+                          </a:rPr>
+                          <m:t>𝑦</m:t>
+                        </m:r>
+                      </m:oMath>
+                    </m:oMathPara>
+                  </a14:m>
+                  <a:endParaRPr lang="en-US" sz="1600" dirty="0"/>
+                </a:p>
+              </p:txBody>
+            </p:sp>
+          </mc:Choice>
+          <mc:Fallback>
+            <p:sp>
+              <p:nvSpPr>
+                <p:cNvPr id="112" name="TextBox 111">
+                  <a:extLst>
+                    <a:ext uri="{FF2B5EF4-FFF2-40B4-BE49-F238E27FC236}">
+                      <a16:creationId xmlns:a16="http://schemas.microsoft.com/office/drawing/2014/main" id="{3386EB7A-5327-EECF-A57D-71AECA8CEE53}"/>
+                    </a:ext>
+                  </a:extLst>
+                </p:cNvPr>
+                <p:cNvSpPr txBox="1">
+                  <a:spLocks noRot="1" noChangeAspect="1" noMove="1" noResize="1" noEditPoints="1" noAdjustHandles="1" noChangeArrowheads="1" noChangeShapeType="1" noTextEdit="1"/>
+                </p:cNvSpPr>
+                <p:nvPr/>
+              </p:nvSpPr>
+              <p:spPr>
+                <a:xfrm>
+                  <a:off x="9112652" y="3710846"/>
+                  <a:ext cx="318425" cy="184666"/>
+                </a:xfrm>
+                <a:prstGeom prst="rect">
+                  <a:avLst/>
+                </a:prstGeom>
+                <a:blipFill>
+                  <a:blip r:embed="rId20"/>
+                  <a:stretch>
+                    <a:fillRect b="-33333"/>
+                  </a:stretch>
+                </a:blipFill>
+              </p:spPr>
+              <p:txBody>
+                <a:bodyPr/>
+                <a:lstStyle/>
+                <a:p>
+                  <a:r>
+                    <a:rPr lang="en-US">
+                      <a:noFill/>
+                    </a:rPr>
+                    <a:t> </a:t>
+                  </a:r>
+                </a:p>
+              </p:txBody>
+            </p:sp>
+          </mc:Fallback>
+        </mc:AlternateContent>
+        <p:sp>
+          <p:nvSpPr>
+            <p:cNvPr id="129" name="Freeform 128">
+              <a:extLst>
+                <a:ext uri="{FF2B5EF4-FFF2-40B4-BE49-F238E27FC236}">
+                  <a16:creationId xmlns:a16="http://schemas.microsoft.com/office/drawing/2014/main" id="{E6A02810-D25F-7BC0-28D4-A2AB62ABE34C}"/>
+                </a:ext>
+              </a:extLst>
+            </p:cNvPr>
+            <p:cNvSpPr/>
+            <p:nvPr/>
+          </p:nvSpPr>
+          <p:spPr>
+            <a:xfrm>
+              <a:off x="7604650" y="2493220"/>
+              <a:ext cx="782765" cy="1769498"/>
+            </a:xfrm>
+            <a:custGeom>
+              <a:avLst/>
+              <a:gdLst>
+                <a:gd name="connsiteX0" fmla="*/ 0 w 848616"/>
+                <a:gd name="connsiteY0" fmla="*/ 0 h 1861692"/>
+                <a:gd name="connsiteX1" fmla="*/ 348656 w 848616"/>
+                <a:gd name="connsiteY1" fmla="*/ 453911 h 1861692"/>
+                <a:gd name="connsiteX2" fmla="*/ 322343 w 848616"/>
+                <a:gd name="connsiteY2" fmla="*/ 1065704 h 1861692"/>
+                <a:gd name="connsiteX3" fmla="*/ 848616 w 848616"/>
+                <a:gd name="connsiteY3" fmla="*/ 1861692 h 1861692"/>
+              </a:gdLst>
+              <a:ahLst/>
+              <a:cxnLst>
+                <a:cxn ang="0">
+                  <a:pos x="connsiteX0" y="connsiteY0"/>
+                </a:cxn>
+                <a:cxn ang="0">
+                  <a:pos x="connsiteX1" y="connsiteY1"/>
+                </a:cxn>
+                <a:cxn ang="0">
+                  <a:pos x="connsiteX2" y="connsiteY2"/>
+                </a:cxn>
+                <a:cxn ang="0">
+                  <a:pos x="connsiteX3" y="connsiteY3"/>
+                </a:cxn>
+              </a:cxnLst>
+              <a:rect l="l" t="t" r="r" b="b"/>
+              <a:pathLst>
+                <a:path w="848616" h="1861692">
+                  <a:moveTo>
+                    <a:pt x="0" y="0"/>
+                  </a:moveTo>
+                  <a:cubicBezTo>
+                    <a:pt x="147466" y="138147"/>
+                    <a:pt x="294932" y="276294"/>
+                    <a:pt x="348656" y="453911"/>
+                  </a:cubicBezTo>
+                  <a:cubicBezTo>
+                    <a:pt x="402380" y="631528"/>
+                    <a:pt x="239016" y="831074"/>
+                    <a:pt x="322343" y="1065704"/>
+                  </a:cubicBezTo>
+                  <a:cubicBezTo>
+                    <a:pt x="405670" y="1300334"/>
+                    <a:pt x="627143" y="1581013"/>
+                    <a:pt x="848616" y="1861692"/>
+                  </a:cubicBezTo>
+                </a:path>
+              </a:pathLst>
+            </a:custGeom>
+            <a:noFill/>
+            <a:ln>
+              <a:solidFill>
+                <a:srgbClr val="C00000"/>
+              </a:solidFill>
+            </a:ln>
+          </p:spPr>
+          <p:style>
+            <a:lnRef idx="2">
+              <a:schemeClr val="accent1">
+                <a:shade val="15000"/>
+              </a:schemeClr>
+            </a:lnRef>
+            <a:fillRef idx="1">
+              <a:schemeClr val="accent1"/>
+            </a:fillRef>
+            <a:effectRef idx="0">
+              <a:schemeClr val="accent1"/>
+            </a:effectRef>
+            <a:fontRef idx="minor">
+              <a:schemeClr val="lt1"/>
+            </a:fontRef>
+          </p:style>
+          <p:txBody>
+            <a:bodyPr rtlCol="0" anchor="ctr"/>
+            <a:lstStyle/>
+            <a:p>
+              <a:pPr algn="ctr"/>
+              <a:endParaRPr lang="en-US"/>
+            </a:p>
+          </p:txBody>
+        </p:sp>
+        <mc:AlternateContent xmlns:mc="http://schemas.openxmlformats.org/markup-compatibility/2006">
+          <mc:Choice xmlns:a14="http://schemas.microsoft.com/office/drawing/2010/main" Requires="a14">
+            <p:sp>
+              <p:nvSpPr>
+                <p:cNvPr id="131" name="TextBox 130">
+                  <a:extLst>
+                    <a:ext uri="{FF2B5EF4-FFF2-40B4-BE49-F238E27FC236}">
+                      <a16:creationId xmlns:a16="http://schemas.microsoft.com/office/drawing/2014/main" id="{FA79DD72-16F7-90C6-31D0-B265A9F66F3A}"/>
+                    </a:ext>
+                  </a:extLst>
+                </p:cNvPr>
+                <p:cNvSpPr txBox="1"/>
+                <p:nvPr/>
+              </p:nvSpPr>
+              <p:spPr>
+                <a:xfrm>
+                  <a:off x="7682488" y="3701245"/>
+                  <a:ext cx="318425" cy="184666"/>
+                </a:xfrm>
+                <a:prstGeom prst="rect">
+                  <a:avLst/>
+                </a:prstGeom>
+                <a:noFill/>
+              </p:spPr>
+              <p:txBody>
+                <a:bodyPr wrap="square" lIns="0" tIns="0" rIns="0" bIns="0" rtlCol="0">
+                  <a:spAutoFit/>
+                </a:bodyPr>
+                <a:lstStyle/>
+                <a:p>
+                  <a14:m>
+                    <m:oMathPara xmlns:m="http://schemas.openxmlformats.org/officeDocument/2006/math">
+                      <m:oMathParaPr>
+                        <m:jc m:val="centerGroup"/>
+                      </m:oMathParaPr>
+                      <m:oMath xmlns:m="http://schemas.openxmlformats.org/officeDocument/2006/math">
+                        <m:r>
+                          <a:rPr lang="en-US" sz="1200" b="0" i="1" smtClean="0">
+                            <a:latin typeface="Cambria Math" panose="02040503050406030204" pitchFamily="18" charset="0"/>
+                          </a:rPr>
+                          <m:t>𝑣</m:t>
+                        </m:r>
+                      </m:oMath>
+                    </m:oMathPara>
+                  </a14:m>
+                  <a:endParaRPr lang="en-US" sz="1600" dirty="0"/>
+                </a:p>
+              </p:txBody>
+            </p:sp>
+          </mc:Choice>
+          <mc:Fallback>
+            <p:sp>
+              <p:nvSpPr>
+                <p:cNvPr id="131" name="TextBox 130">
+                  <a:extLst>
+                    <a:ext uri="{FF2B5EF4-FFF2-40B4-BE49-F238E27FC236}">
+                      <a16:creationId xmlns:a16="http://schemas.microsoft.com/office/drawing/2014/main" id="{FA79DD72-16F7-90C6-31D0-B265A9F66F3A}"/>
+                    </a:ext>
+                  </a:extLst>
+                </p:cNvPr>
+                <p:cNvSpPr txBox="1">
+                  <a:spLocks noRot="1" noChangeAspect="1" noMove="1" noResize="1" noEditPoints="1" noAdjustHandles="1" noChangeArrowheads="1" noChangeShapeType="1" noTextEdit="1"/>
+                </p:cNvSpPr>
+                <p:nvPr/>
+              </p:nvSpPr>
+              <p:spPr>
+                <a:xfrm>
+                  <a:off x="7682488" y="3701245"/>
+                  <a:ext cx="318425" cy="184666"/>
+                </a:xfrm>
+                <a:prstGeom prst="rect">
+                  <a:avLst/>
+                </a:prstGeom>
+                <a:blipFill>
+                  <a:blip r:embed="rId21"/>
+                  <a:stretch>
+                    <a:fillRect/>
+                  </a:stretch>
+                </a:blipFill>
+              </p:spPr>
+              <p:txBody>
+                <a:bodyPr/>
+                <a:lstStyle/>
+                <a:p>
+                  <a:r>
+                    <a:rPr lang="en-US">
+                      <a:noFill/>
+                    </a:rPr>
+                    <a:t> </a:t>
+                  </a:r>
+                </a:p>
+              </p:txBody>
+            </p:sp>
+          </mc:Fallback>
+        </mc:AlternateContent>
+        <p:sp>
+          <p:nvSpPr>
+            <p:cNvPr id="132" name="Freeform 131">
+              <a:extLst>
+                <a:ext uri="{FF2B5EF4-FFF2-40B4-BE49-F238E27FC236}">
+                  <a16:creationId xmlns:a16="http://schemas.microsoft.com/office/drawing/2014/main" id="{D12260F8-1ACA-B91A-2DEC-59EA3CA58BBE}"/>
+                </a:ext>
+              </a:extLst>
+            </p:cNvPr>
+            <p:cNvSpPr/>
+            <p:nvPr/>
+          </p:nvSpPr>
+          <p:spPr>
+            <a:xfrm rot="21325441">
+              <a:off x="7712826" y="3736542"/>
+              <a:ext cx="46049" cy="78941"/>
+            </a:xfrm>
+            <a:custGeom>
+              <a:avLst/>
+              <a:gdLst>
+                <a:gd name="connsiteX0" fmla="*/ 46049 w 46049"/>
+                <a:gd name="connsiteY0" fmla="*/ 0 h 78941"/>
+                <a:gd name="connsiteX1" fmla="*/ 32892 w 46049"/>
+                <a:gd name="connsiteY1" fmla="*/ 52627 h 78941"/>
+                <a:gd name="connsiteX2" fmla="*/ 0 w 46049"/>
+                <a:gd name="connsiteY2" fmla="*/ 78941 h 78941"/>
+              </a:gdLst>
+              <a:ahLst/>
+              <a:cxnLst>
+                <a:cxn ang="0">
+                  <a:pos x="connsiteX0" y="connsiteY0"/>
+                </a:cxn>
+                <a:cxn ang="0">
+                  <a:pos x="connsiteX1" y="connsiteY1"/>
+                </a:cxn>
+                <a:cxn ang="0">
+                  <a:pos x="connsiteX2" y="connsiteY2"/>
+                </a:cxn>
+              </a:cxnLst>
+              <a:rect l="l" t="t" r="r" b="b"/>
+              <a:pathLst>
+                <a:path w="46049" h="78941">
+                  <a:moveTo>
+                    <a:pt x="46049" y="0"/>
+                  </a:moveTo>
+                  <a:cubicBezTo>
+                    <a:pt x="43308" y="19735"/>
+                    <a:pt x="40567" y="39470"/>
+                    <a:pt x="32892" y="52627"/>
+                  </a:cubicBezTo>
+                  <a:cubicBezTo>
+                    <a:pt x="25217" y="65784"/>
+                    <a:pt x="12608" y="72362"/>
+                    <a:pt x="0" y="78941"/>
+                  </a:cubicBezTo>
+                </a:path>
+              </a:pathLst>
+            </a:custGeom>
+            <a:noFill/>
+            <a:ln w="12700"/>
+          </p:spPr>
+          <p:style>
+            <a:lnRef idx="2">
+              <a:schemeClr val="accent1">
+                <a:shade val="15000"/>
+              </a:schemeClr>
+            </a:lnRef>
+            <a:fillRef idx="1">
+              <a:schemeClr val="accent1"/>
+            </a:fillRef>
+            <a:effectRef idx="0">
+              <a:schemeClr val="accent1"/>
+            </a:effectRef>
+            <a:fontRef idx="minor">
+              <a:schemeClr val="lt1"/>
+            </a:fontRef>
+          </p:style>
+          <p:txBody>
+            <a:bodyPr rtlCol="0" anchor="ctr"/>
+            <a:lstStyle/>
+            <a:p>
+              <a:pPr algn="ctr"/>
+              <a:endParaRPr lang="en-US"/>
+            </a:p>
+          </p:txBody>
+        </p:sp>
+        <p:sp>
+          <p:nvSpPr>
+            <p:cNvPr id="135" name="Oval 134">
+              <a:extLst>
+                <a:ext uri="{FF2B5EF4-FFF2-40B4-BE49-F238E27FC236}">
+                  <a16:creationId xmlns:a16="http://schemas.microsoft.com/office/drawing/2014/main" id="{C6C24C28-A2E7-AF51-9274-2C8160AFA311}"/>
+                </a:ext>
+              </a:extLst>
+            </p:cNvPr>
+            <p:cNvSpPr/>
+            <p:nvPr/>
+          </p:nvSpPr>
+          <p:spPr>
+            <a:xfrm>
+              <a:off x="7547265" y="3332173"/>
+              <a:ext cx="82287" cy="254439"/>
+            </a:xfrm>
+            <a:prstGeom prst="ellipse">
+              <a:avLst/>
+            </a:prstGeom>
             <a:solidFill>
+              <a:schemeClr val="bg1"/>
+            </a:solidFill>
+            <a:ln>
+              <a:noFill/>
+            </a:ln>
+          </p:spPr>
+          <p:style>
+            <a:lnRef idx="2">
+              <a:schemeClr val="accent1">
+                <a:shade val="15000"/>
+              </a:schemeClr>
+            </a:lnRef>
+            <a:fillRef idx="1">
+              <a:schemeClr val="accent1"/>
+            </a:fillRef>
+            <a:effectRef idx="0">
+              <a:schemeClr val="accent1"/>
+            </a:effectRef>
+            <a:fontRef idx="minor">
+              <a:schemeClr val="lt1"/>
+            </a:fontRef>
+          </p:style>
+          <p:txBody>
+            <a:bodyPr rtlCol="0" anchor="ctr"/>
+            <a:lstStyle/>
+            <a:p>
+              <a:pPr algn="ctr"/>
+              <a:endParaRPr lang="en-US"/>
+            </a:p>
+          </p:txBody>
+        </p:sp>
+        <p:cxnSp>
+          <p:nvCxnSpPr>
+            <p:cNvPr id="137" name="Straight Connector 136">
+              <a:extLst>
+                <a:ext uri="{FF2B5EF4-FFF2-40B4-BE49-F238E27FC236}">
+                  <a16:creationId xmlns:a16="http://schemas.microsoft.com/office/drawing/2014/main" id="{EF56844A-1BE0-9CBC-D88D-19015D303CC8}"/>
+                </a:ext>
+              </a:extLst>
+            </p:cNvPr>
+            <p:cNvCxnSpPr>
+              <a:cxnSpLocks/>
+            </p:cNvCxnSpPr>
+            <p:nvPr/>
+          </p:nvCxnSpPr>
+          <p:spPr>
+            <a:xfrm>
+              <a:off x="7591584" y="3332173"/>
+              <a:ext cx="0" cy="254439"/>
+            </a:xfrm>
+            <a:prstGeom prst="line">
+              <a:avLst/>
+            </a:prstGeom>
+            <a:ln>
+              <a:solidFill>
+                <a:schemeClr val="tx1"/>
+              </a:solidFill>
+              <a:prstDash val="sysDot"/>
+            </a:ln>
+          </p:spPr>
+          <p:style>
+            <a:lnRef idx="2">
+              <a:schemeClr val="accent1"/>
+            </a:lnRef>
+            <a:fillRef idx="0">
+              <a:schemeClr val="accent1"/>
+            </a:fillRef>
+            <a:effectRef idx="1">
+              <a:schemeClr val="accent1"/>
+            </a:effectRef>
+            <a:fontRef idx="minor">
               <a:schemeClr val="tx1"/>
-            </a:solidFill>
-            <a:prstDash val="solid"/>
-          </a:ln>
-        </p:spPr>
-        <p:style>
-          <a:lnRef idx="2">
-            <a:schemeClr val="accent1"/>
-          </a:lnRef>
-          <a:fillRef idx="0">
-            <a:schemeClr val="accent1"/>
-          </a:fillRef>
-          <a:effectRef idx="1">
-            <a:schemeClr val="accent1"/>
-          </a:effectRef>
-          <a:fontRef idx="minor">
-            <a:schemeClr val="tx1"/>
-          </a:fontRef>
-        </p:style>
-      </p:cxnSp>
-      <p:sp>
-        <p:nvSpPr>
-          <p:cNvPr id="85" name="Oval 84">
-            <a:extLst>
-              <a:ext uri="{FF2B5EF4-FFF2-40B4-BE49-F238E27FC236}">
-                <a16:creationId xmlns:a16="http://schemas.microsoft.com/office/drawing/2014/main" id="{D2E88170-E9E5-8848-141F-A541F3E35B59}"/>
-              </a:ext>
-            </a:extLst>
-          </p:cNvPr>
-          <p:cNvSpPr/>
-          <p:nvPr/>
-        </p:nvSpPr>
-        <p:spPr>
-          <a:xfrm>
-            <a:off x="6916906" y="3093265"/>
-            <a:ext cx="1331893" cy="499698"/>
-          </a:xfrm>
-          <a:prstGeom prst="ellipse">
-            <a:avLst/>
-          </a:prstGeom>
-          <a:noFill/>
-          <a:ln w="12700">
-            <a:solidFill>
+            </a:fontRef>
+          </p:style>
+        </p:cxnSp>
+        <p:pic>
+          <p:nvPicPr>
+            <p:cNvPr id="138" name="Picture 137" descr="A blue light in the dark&#10;&#10;AI-generated content may be incorrect.">
+              <a:extLst>
+                <a:ext uri="{FF2B5EF4-FFF2-40B4-BE49-F238E27FC236}">
+                  <a16:creationId xmlns:a16="http://schemas.microsoft.com/office/drawing/2014/main" id="{20BBC30F-62DE-CF23-BCF4-021D068CA265}"/>
+                </a:ext>
+              </a:extLst>
+            </p:cNvPr>
+            <p:cNvPicPr>
+              <a:picLocks noChangeAspect="1"/>
+            </p:cNvPicPr>
+            <p:nvPr/>
+          </p:nvPicPr>
+          <p:blipFill>
+            <a:blip r:embed="rId15"/>
+            <a:stretch>
+              <a:fillRect/>
+            </a:stretch>
+          </p:blipFill>
+          <p:spPr>
+            <a:xfrm>
+              <a:off x="7780551" y="3413377"/>
+              <a:ext cx="290185" cy="290185"/>
+            </a:xfrm>
+            <a:prstGeom prst="rect">
+              <a:avLst/>
+            </a:prstGeom>
+          </p:spPr>
+        </p:pic>
+        <p:cxnSp>
+          <p:nvCxnSpPr>
+            <p:cNvPr id="139" name="Straight Connector 138">
+              <a:extLst>
+                <a:ext uri="{FF2B5EF4-FFF2-40B4-BE49-F238E27FC236}">
+                  <a16:creationId xmlns:a16="http://schemas.microsoft.com/office/drawing/2014/main" id="{2B305954-47DC-9F81-58FA-01F980749B22}"/>
+                </a:ext>
+              </a:extLst>
+            </p:cNvPr>
+            <p:cNvCxnSpPr>
+              <a:cxnSpLocks/>
+            </p:cNvCxnSpPr>
+            <p:nvPr/>
+          </p:nvCxnSpPr>
+          <p:spPr>
+            <a:xfrm flipH="1">
+              <a:off x="7278851" y="3986521"/>
+              <a:ext cx="656200" cy="0"/>
+            </a:xfrm>
+            <a:prstGeom prst="line">
+              <a:avLst/>
+            </a:prstGeom>
+            <a:ln w="12700">
+              <a:solidFill>
+                <a:schemeClr val="tx1"/>
+              </a:solidFill>
+              <a:prstDash val="dash"/>
+            </a:ln>
+          </p:spPr>
+          <p:style>
+            <a:lnRef idx="2">
+              <a:schemeClr val="accent1"/>
+            </a:lnRef>
+            <a:fillRef idx="0">
+              <a:schemeClr val="accent1"/>
+            </a:fillRef>
+            <a:effectRef idx="1">
+              <a:schemeClr val="accent1"/>
+            </a:effectRef>
+            <a:fontRef idx="minor">
               <a:schemeClr val="tx1"/>
-            </a:solidFill>
-            <a:prstDash val="solid"/>
-          </a:ln>
-        </p:spPr>
-        <p:style>
-          <a:lnRef idx="2">
-            <a:schemeClr val="accent1">
-              <a:shade val="15000"/>
-            </a:schemeClr>
-          </a:lnRef>
-          <a:fillRef idx="1">
-            <a:schemeClr val="accent1"/>
-          </a:fillRef>
-          <a:effectRef idx="0">
-            <a:schemeClr val="accent1"/>
-          </a:effectRef>
-          <a:fontRef idx="minor">
-            <a:schemeClr val="lt1"/>
-          </a:fontRef>
-        </p:style>
-        <p:txBody>
-          <a:bodyPr rtlCol="0" anchor="ctr"/>
-          <a:lstStyle/>
-          <a:p>
-            <a:pPr algn="ctr"/>
-            <a:endParaRPr lang="en-US"/>
-          </a:p>
-        </p:txBody>
-      </p:sp>
-      <mc:AlternateContent xmlns:mc="http://schemas.openxmlformats.org/markup-compatibility/2006">
-        <mc:Choice xmlns:a14="http://schemas.microsoft.com/office/drawing/2010/main" Requires="a14">
-          <p:sp>
-            <p:nvSpPr>
-              <p:cNvPr id="91" name="TextBox 90">
-                <a:extLst>
-                  <a:ext uri="{FF2B5EF4-FFF2-40B4-BE49-F238E27FC236}">
-                    <a16:creationId xmlns:a16="http://schemas.microsoft.com/office/drawing/2014/main" id="{F5FB184E-495F-7771-0A03-B4A3F79B8A87}"/>
-                  </a:ext>
-                </a:extLst>
-              </p:cNvPr>
-              <p:cNvSpPr txBox="1"/>
-              <p:nvPr/>
-            </p:nvSpPr>
-            <p:spPr>
-              <a:xfrm>
-                <a:off x="8219989" y="3743035"/>
-                <a:ext cx="318425" cy="184666"/>
-              </a:xfrm>
-              <a:prstGeom prst="rect">
-                <a:avLst/>
-              </a:prstGeom>
-              <a:noFill/>
-            </p:spPr>
-            <p:txBody>
-              <a:bodyPr wrap="square" lIns="0" tIns="0" rIns="0" bIns="0" rtlCol="0">
-                <a:spAutoFit/>
-              </a:bodyPr>
-              <a:lstStyle/>
-              <a:p>
-                <a14:m>
-                  <m:oMathPara xmlns:m="http://schemas.openxmlformats.org/officeDocument/2006/math">
-                    <m:oMathParaPr>
-                      <m:jc m:val="centerGroup"/>
-                    </m:oMathParaPr>
-                    <m:oMath xmlns:m="http://schemas.openxmlformats.org/officeDocument/2006/math">
-                      <m:r>
-                        <a:rPr lang="en-US" sz="1200" b="0" i="1" smtClean="0">
-                          <a:latin typeface="Cambria Math" panose="02040503050406030204" pitchFamily="18" charset="0"/>
-                        </a:rPr>
-                        <m:t>𝑓</m:t>
-                      </m:r>
-                      <m:r>
-                        <a:rPr lang="en-US" sz="1200" b="0" i="1" smtClean="0">
-                          <a:latin typeface="Cambria Math" panose="02040503050406030204" pitchFamily="18" charset="0"/>
-                        </a:rPr>
-                        <m:t>(</m:t>
-                      </m:r>
-                      <m:r>
-                        <a:rPr lang="en-US" sz="1200" b="0" i="1" smtClean="0">
-                          <a:latin typeface="Cambria Math" panose="02040503050406030204" pitchFamily="18" charset="0"/>
-                        </a:rPr>
-                        <m:t>𝑢</m:t>
-                      </m:r>
-                      <m:r>
-                        <a:rPr lang="en-US" sz="1200" b="0" i="1" smtClean="0">
-                          <a:latin typeface="Cambria Math" panose="02040503050406030204" pitchFamily="18" charset="0"/>
-                        </a:rPr>
-                        <m:t>)</m:t>
-                      </m:r>
-                    </m:oMath>
-                  </m:oMathPara>
-                </a14:m>
-                <a:endParaRPr lang="en-US" sz="1600" dirty="0"/>
-              </a:p>
-            </p:txBody>
-          </p:sp>
-        </mc:Choice>
-        <mc:Fallback>
-          <p:sp>
-            <p:nvSpPr>
-              <p:cNvPr id="91" name="TextBox 90">
-                <a:extLst>
-                  <a:ext uri="{FF2B5EF4-FFF2-40B4-BE49-F238E27FC236}">
-                    <a16:creationId xmlns:a16="http://schemas.microsoft.com/office/drawing/2014/main" id="{F5FB184E-495F-7771-0A03-B4A3F79B8A87}"/>
-                  </a:ext>
-                </a:extLst>
-              </p:cNvPr>
-              <p:cNvSpPr txBox="1">
-                <a:spLocks noRot="1" noChangeAspect="1" noMove="1" noResize="1" noEditPoints="1" noAdjustHandles="1" noChangeArrowheads="1" noChangeShapeType="1" noTextEdit="1"/>
-              </p:cNvSpPr>
-              <p:nvPr/>
-            </p:nvSpPr>
-            <p:spPr>
-              <a:xfrm>
-                <a:off x="8219989" y="3743035"/>
-                <a:ext cx="318425" cy="184666"/>
-              </a:xfrm>
-              <a:prstGeom prst="rect">
-                <a:avLst/>
-              </a:prstGeom>
-              <a:blipFill>
-                <a:blip r:embed="rId16"/>
-                <a:stretch>
-                  <a:fillRect l="-23077" r="-19231" b="-31250"/>
-                </a:stretch>
-              </a:blipFill>
-            </p:spPr>
-            <p:txBody>
-              <a:bodyPr/>
-              <a:lstStyle/>
-              <a:p>
-                <a:r>
-                  <a:rPr lang="en-US">
-                    <a:noFill/>
-                  </a:rPr>
-                  <a:t> </a:t>
-                </a:r>
-              </a:p>
-            </p:txBody>
-          </p:sp>
-        </mc:Fallback>
-      </mc:AlternateContent>
-      <mc:AlternateContent xmlns:mc="http://schemas.openxmlformats.org/markup-compatibility/2006">
-        <mc:Choice xmlns:a14="http://schemas.microsoft.com/office/drawing/2010/main" Requires="a14">
-          <p:sp>
-            <p:nvSpPr>
-              <p:cNvPr id="92" name="TextBox 91">
-                <a:extLst>
-                  <a:ext uri="{FF2B5EF4-FFF2-40B4-BE49-F238E27FC236}">
-                    <a16:creationId xmlns:a16="http://schemas.microsoft.com/office/drawing/2014/main" id="{AF251EF3-2830-E760-F0D7-474B92598900}"/>
-                  </a:ext>
-                </a:extLst>
-              </p:cNvPr>
-              <p:cNvSpPr txBox="1"/>
-              <p:nvPr/>
-            </p:nvSpPr>
-            <p:spPr>
-              <a:xfrm>
-                <a:off x="7219315" y="3229768"/>
-                <a:ext cx="318425" cy="184666"/>
-              </a:xfrm>
-              <a:prstGeom prst="rect">
-                <a:avLst/>
-              </a:prstGeom>
-              <a:noFill/>
-            </p:spPr>
-            <p:txBody>
-              <a:bodyPr wrap="square" lIns="0" tIns="0" rIns="0" bIns="0" rtlCol="0">
-                <a:spAutoFit/>
-              </a:bodyPr>
-              <a:lstStyle/>
-              <a:p>
-                <a14:m>
-                  <m:oMathPara xmlns:m="http://schemas.openxmlformats.org/officeDocument/2006/math">
-                    <m:oMathParaPr>
-                      <m:jc m:val="centerGroup"/>
-                    </m:oMathParaPr>
-                    <m:oMath xmlns:m="http://schemas.openxmlformats.org/officeDocument/2006/math">
-                      <m:r>
-                        <a:rPr lang="en-US" sz="1200" b="0" i="1" smtClean="0">
-                          <a:latin typeface="Cambria Math" panose="02040503050406030204" pitchFamily="18" charset="0"/>
-                        </a:rPr>
-                        <m:t>𝑔</m:t>
-                      </m:r>
-                      <m:r>
-                        <a:rPr lang="en-US" sz="1200" b="0" i="1" smtClean="0">
-                          <a:latin typeface="Cambria Math" panose="02040503050406030204" pitchFamily="18" charset="0"/>
-                        </a:rPr>
-                        <m:t>(</m:t>
-                      </m:r>
-                      <m:r>
-                        <a:rPr lang="en-US" sz="1200" b="0" i="1" smtClean="0">
-                          <a:latin typeface="Cambria Math" panose="02040503050406030204" pitchFamily="18" charset="0"/>
-                        </a:rPr>
-                        <m:t>𝑢</m:t>
-                      </m:r>
-                      <m:r>
-                        <a:rPr lang="en-US" sz="1200" b="0" i="1" smtClean="0">
-                          <a:latin typeface="Cambria Math" panose="02040503050406030204" pitchFamily="18" charset="0"/>
-                        </a:rPr>
-                        <m:t>)</m:t>
-                      </m:r>
-                    </m:oMath>
-                  </m:oMathPara>
-                </a14:m>
-                <a:endParaRPr lang="en-US" sz="1600" dirty="0"/>
-              </a:p>
-            </p:txBody>
-          </p:sp>
-        </mc:Choice>
-        <mc:Fallback>
-          <p:sp>
-            <p:nvSpPr>
-              <p:cNvPr id="92" name="TextBox 91">
-                <a:extLst>
-                  <a:ext uri="{FF2B5EF4-FFF2-40B4-BE49-F238E27FC236}">
-                    <a16:creationId xmlns:a16="http://schemas.microsoft.com/office/drawing/2014/main" id="{AF251EF3-2830-E760-F0D7-474B92598900}"/>
-                  </a:ext>
-                </a:extLst>
-              </p:cNvPr>
-              <p:cNvSpPr txBox="1">
-                <a:spLocks noRot="1" noChangeAspect="1" noMove="1" noResize="1" noEditPoints="1" noAdjustHandles="1" noChangeArrowheads="1" noChangeShapeType="1" noTextEdit="1"/>
-              </p:cNvSpPr>
-              <p:nvPr/>
-            </p:nvSpPr>
-            <p:spPr>
-              <a:xfrm>
-                <a:off x="7219315" y="3229768"/>
-                <a:ext cx="318425" cy="184666"/>
-              </a:xfrm>
-              <a:prstGeom prst="rect">
-                <a:avLst/>
-              </a:prstGeom>
-              <a:blipFill>
-                <a:blip r:embed="rId17"/>
-                <a:stretch>
-                  <a:fillRect l="-15385" r="-23077" b="-40000"/>
-                </a:stretch>
-              </a:blipFill>
-            </p:spPr>
-            <p:txBody>
-              <a:bodyPr/>
-              <a:lstStyle/>
-              <a:p>
-                <a:r>
-                  <a:rPr lang="en-US">
-                    <a:noFill/>
-                  </a:rPr>
-                  <a:t> </a:t>
-                </a:r>
-              </a:p>
-            </p:txBody>
-          </p:sp>
-        </mc:Fallback>
-      </mc:AlternateContent>
-      <p:cxnSp>
-        <p:nvCxnSpPr>
-          <p:cNvPr id="93" name="Straight Connector 92">
-            <a:extLst>
-              <a:ext uri="{FF2B5EF4-FFF2-40B4-BE49-F238E27FC236}">
-                <a16:creationId xmlns:a16="http://schemas.microsoft.com/office/drawing/2014/main" id="{66DF056E-A993-72FC-86EE-8ED611B3424F}"/>
-              </a:ext>
-            </a:extLst>
-          </p:cNvPr>
-          <p:cNvCxnSpPr>
-            <a:cxnSpLocks/>
-          </p:cNvCxnSpPr>
-          <p:nvPr/>
-        </p:nvCxnSpPr>
-        <p:spPr>
-          <a:xfrm flipH="1">
-            <a:off x="7592599" y="3327301"/>
-            <a:ext cx="656200" cy="0"/>
-          </a:xfrm>
-          <a:prstGeom prst="line">
-            <a:avLst/>
-          </a:prstGeom>
-          <a:ln w="12700">
-            <a:solidFill>
-              <a:schemeClr val="tx1"/>
-            </a:solidFill>
-            <a:prstDash val="dash"/>
-          </a:ln>
-        </p:spPr>
-        <p:style>
-          <a:lnRef idx="2">
-            <a:schemeClr val="accent1"/>
-          </a:lnRef>
-          <a:fillRef idx="0">
-            <a:schemeClr val="accent1"/>
-          </a:fillRef>
-          <a:effectRef idx="1">
-            <a:schemeClr val="accent1"/>
-          </a:effectRef>
-          <a:fontRef idx="minor">
-            <a:schemeClr val="tx1"/>
-          </a:fontRef>
-        </p:style>
-      </p:cxnSp>
-      <p:cxnSp>
-        <p:nvCxnSpPr>
-          <p:cNvPr id="96" name="Straight Connector 95">
-            <a:extLst>
-              <a:ext uri="{FF2B5EF4-FFF2-40B4-BE49-F238E27FC236}">
-                <a16:creationId xmlns:a16="http://schemas.microsoft.com/office/drawing/2014/main" id="{B12F3D1E-7393-C433-C8F1-D1BBBF941972}"/>
-              </a:ext>
-            </a:extLst>
-          </p:cNvPr>
-          <p:cNvCxnSpPr>
-            <a:cxnSpLocks/>
-          </p:cNvCxnSpPr>
-          <p:nvPr/>
-        </p:nvCxnSpPr>
-        <p:spPr>
-          <a:xfrm flipH="1" flipV="1">
-            <a:off x="8249335" y="3322101"/>
-            <a:ext cx="6579" cy="414440"/>
-          </a:xfrm>
-          <a:prstGeom prst="line">
-            <a:avLst/>
-          </a:prstGeom>
-          <a:ln w="12700">
-            <a:solidFill>
-              <a:schemeClr val="tx1"/>
-            </a:solidFill>
-            <a:prstDash val="dash"/>
-          </a:ln>
-        </p:spPr>
-        <p:style>
-          <a:lnRef idx="2">
-            <a:schemeClr val="accent1"/>
-          </a:lnRef>
-          <a:fillRef idx="0">
-            <a:schemeClr val="accent1"/>
-          </a:fillRef>
-          <a:effectRef idx="1">
-            <a:schemeClr val="accent1"/>
-          </a:effectRef>
-          <a:fontRef idx="minor">
-            <a:schemeClr val="tx1"/>
-          </a:fontRef>
-        </p:style>
-      </p:cxnSp>
-      <mc:AlternateContent xmlns:mc="http://schemas.openxmlformats.org/markup-compatibility/2006">
-        <mc:Choice xmlns:a14="http://schemas.microsoft.com/office/drawing/2010/main" Requires="a14">
-          <p:sp>
-            <p:nvSpPr>
-              <p:cNvPr id="100" name="TextBox 99">
-                <a:extLst>
-                  <a:ext uri="{FF2B5EF4-FFF2-40B4-BE49-F238E27FC236}">
-                    <a16:creationId xmlns:a16="http://schemas.microsoft.com/office/drawing/2014/main" id="{B986649D-BE05-4536-5CE7-82E1A8A25CCB}"/>
-                  </a:ext>
-                </a:extLst>
-              </p:cNvPr>
-              <p:cNvSpPr txBox="1"/>
-              <p:nvPr/>
-            </p:nvSpPr>
-            <p:spPr>
-              <a:xfrm>
-                <a:off x="7301607" y="1998380"/>
-                <a:ext cx="318425" cy="184666"/>
-              </a:xfrm>
-              <a:prstGeom prst="rect">
-                <a:avLst/>
-              </a:prstGeom>
-              <a:noFill/>
-            </p:spPr>
-            <p:txBody>
-              <a:bodyPr wrap="square" lIns="0" tIns="0" rIns="0" bIns="0" rtlCol="0">
-                <a:spAutoFit/>
-              </a:bodyPr>
-              <a:lstStyle/>
-              <a:p>
-                <a14:m>
-                  <m:oMathPara xmlns:m="http://schemas.openxmlformats.org/officeDocument/2006/math">
-                    <m:oMathParaPr>
-                      <m:jc m:val="centerGroup"/>
-                    </m:oMathParaPr>
-                    <m:oMath xmlns:m="http://schemas.openxmlformats.org/officeDocument/2006/math">
-                      <m:r>
-                        <a:rPr lang="en-US" sz="1200" b="0" i="1" smtClean="0">
-                          <a:latin typeface="Cambria Math" panose="02040503050406030204" pitchFamily="18" charset="0"/>
-                        </a:rPr>
-                        <m:t>𝑧</m:t>
-                      </m:r>
-                    </m:oMath>
-                  </m:oMathPara>
-                </a14:m>
-                <a:endParaRPr lang="en-US" sz="1600" dirty="0"/>
-              </a:p>
-            </p:txBody>
-          </p:sp>
-        </mc:Choice>
-        <mc:Fallback>
-          <p:sp>
-            <p:nvSpPr>
-              <p:cNvPr id="100" name="TextBox 99">
-                <a:extLst>
-                  <a:ext uri="{FF2B5EF4-FFF2-40B4-BE49-F238E27FC236}">
-                    <a16:creationId xmlns:a16="http://schemas.microsoft.com/office/drawing/2014/main" id="{B986649D-BE05-4536-5CE7-82E1A8A25CCB}"/>
-                  </a:ext>
-                </a:extLst>
-              </p:cNvPr>
-              <p:cNvSpPr txBox="1">
-                <a:spLocks noRot="1" noChangeAspect="1" noMove="1" noResize="1" noEditPoints="1" noAdjustHandles="1" noChangeArrowheads="1" noChangeShapeType="1" noTextEdit="1"/>
-              </p:cNvSpPr>
-              <p:nvPr/>
-            </p:nvSpPr>
-            <p:spPr>
-              <a:xfrm>
-                <a:off x="7301607" y="1998380"/>
-                <a:ext cx="318425" cy="184666"/>
-              </a:xfrm>
-              <a:prstGeom prst="rect">
-                <a:avLst/>
-              </a:prstGeom>
-              <a:blipFill>
-                <a:blip r:embed="rId18"/>
-                <a:stretch>
-                  <a:fillRect/>
-                </a:stretch>
-              </a:blipFill>
-            </p:spPr>
-            <p:txBody>
-              <a:bodyPr/>
-              <a:lstStyle/>
-              <a:p>
-                <a:r>
-                  <a:rPr lang="en-US">
-                    <a:noFill/>
-                  </a:rPr>
-                  <a:t> </a:t>
-                </a:r>
-              </a:p>
-            </p:txBody>
-          </p:sp>
-        </mc:Fallback>
-      </mc:AlternateContent>
-      <mc:AlternateContent xmlns:mc="http://schemas.openxmlformats.org/markup-compatibility/2006">
-        <mc:Choice xmlns:a14="http://schemas.microsoft.com/office/drawing/2010/main" Requires="a14">
-          <p:sp>
-            <p:nvSpPr>
-              <p:cNvPr id="101" name="TextBox 100">
-                <a:extLst>
-                  <a:ext uri="{FF2B5EF4-FFF2-40B4-BE49-F238E27FC236}">
-                    <a16:creationId xmlns:a16="http://schemas.microsoft.com/office/drawing/2014/main" id="{1DF090BD-D367-9370-568F-A50D28E6AC40}"/>
-                  </a:ext>
-                </a:extLst>
-              </p:cNvPr>
-              <p:cNvSpPr txBox="1"/>
-              <p:nvPr/>
-            </p:nvSpPr>
-            <p:spPr>
-              <a:xfrm>
-                <a:off x="6556587" y="4219706"/>
-                <a:ext cx="318425" cy="184666"/>
-              </a:xfrm>
-              <a:prstGeom prst="rect">
-                <a:avLst/>
-              </a:prstGeom>
-              <a:noFill/>
-            </p:spPr>
-            <p:txBody>
-              <a:bodyPr wrap="square" lIns="0" tIns="0" rIns="0" bIns="0" rtlCol="0">
-                <a:spAutoFit/>
-              </a:bodyPr>
-              <a:lstStyle/>
-              <a:p>
-                <a14:m>
-                  <m:oMathPara xmlns:m="http://schemas.openxmlformats.org/officeDocument/2006/math">
-                    <m:oMathParaPr>
-                      <m:jc m:val="centerGroup"/>
-                    </m:oMathParaPr>
-                    <m:oMath xmlns:m="http://schemas.openxmlformats.org/officeDocument/2006/math">
-                      <m:r>
-                        <a:rPr lang="en-US" sz="1200" b="0" i="1" smtClean="0">
-                          <a:latin typeface="Cambria Math" panose="02040503050406030204" pitchFamily="18" charset="0"/>
-                        </a:rPr>
-                        <m:t>𝑥</m:t>
-                      </m:r>
-                    </m:oMath>
-                  </m:oMathPara>
-                </a14:m>
-                <a:endParaRPr lang="en-US" sz="1600" dirty="0"/>
-              </a:p>
-            </p:txBody>
-          </p:sp>
-        </mc:Choice>
-        <mc:Fallback>
-          <p:sp>
-            <p:nvSpPr>
-              <p:cNvPr id="101" name="TextBox 100">
-                <a:extLst>
-                  <a:ext uri="{FF2B5EF4-FFF2-40B4-BE49-F238E27FC236}">
-                    <a16:creationId xmlns:a16="http://schemas.microsoft.com/office/drawing/2014/main" id="{1DF090BD-D367-9370-568F-A50D28E6AC40}"/>
-                  </a:ext>
-                </a:extLst>
-              </p:cNvPr>
-              <p:cNvSpPr txBox="1">
-                <a:spLocks noRot="1" noChangeAspect="1" noMove="1" noResize="1" noEditPoints="1" noAdjustHandles="1" noChangeArrowheads="1" noChangeShapeType="1" noTextEdit="1"/>
-              </p:cNvSpPr>
-              <p:nvPr/>
-            </p:nvSpPr>
-            <p:spPr>
-              <a:xfrm>
-                <a:off x="6556587" y="4219706"/>
-                <a:ext cx="318425" cy="184666"/>
-              </a:xfrm>
-              <a:prstGeom prst="rect">
-                <a:avLst/>
-              </a:prstGeom>
-              <a:blipFill>
-                <a:blip r:embed="rId19"/>
-                <a:stretch>
-                  <a:fillRect/>
-                </a:stretch>
-              </a:blipFill>
-            </p:spPr>
-            <p:txBody>
-              <a:bodyPr/>
-              <a:lstStyle/>
-              <a:p>
-                <a:r>
-                  <a:rPr lang="en-US">
-                    <a:noFill/>
-                  </a:rPr>
-                  <a:t> </a:t>
-                </a:r>
-              </a:p>
-            </p:txBody>
-          </p:sp>
-        </mc:Fallback>
-      </mc:AlternateContent>
-      <p:cxnSp>
-        <p:nvCxnSpPr>
-          <p:cNvPr id="102" name="Straight Connector 101">
-            <a:extLst>
-              <a:ext uri="{FF2B5EF4-FFF2-40B4-BE49-F238E27FC236}">
-                <a16:creationId xmlns:a16="http://schemas.microsoft.com/office/drawing/2014/main" id="{40806BDF-42DD-AE6A-4EBA-F430DD34304A}"/>
-              </a:ext>
-            </a:extLst>
-          </p:cNvPr>
-          <p:cNvCxnSpPr>
-            <a:cxnSpLocks/>
-          </p:cNvCxnSpPr>
-          <p:nvPr/>
-        </p:nvCxnSpPr>
-        <p:spPr>
-          <a:xfrm flipH="1" flipV="1">
-            <a:off x="7604061" y="3328893"/>
-            <a:ext cx="330990" cy="230764"/>
-          </a:xfrm>
-          <a:prstGeom prst="line">
-            <a:avLst/>
-          </a:prstGeom>
-          <a:ln w="12700">
-            <a:solidFill>
-              <a:schemeClr val="tx1"/>
-            </a:solidFill>
-            <a:prstDash val="dash"/>
-          </a:ln>
-        </p:spPr>
-        <p:style>
-          <a:lnRef idx="2">
-            <a:schemeClr val="accent1"/>
-          </a:lnRef>
-          <a:fillRef idx="0">
-            <a:schemeClr val="accent1"/>
-          </a:fillRef>
-          <a:effectRef idx="1">
-            <a:schemeClr val="accent1"/>
-          </a:effectRef>
-          <a:fontRef idx="minor">
-            <a:schemeClr val="tx1"/>
-          </a:fontRef>
-        </p:style>
-      </p:cxnSp>
-      <p:cxnSp>
-        <p:nvCxnSpPr>
-          <p:cNvPr id="106" name="Straight Connector 105">
-            <a:extLst>
-              <a:ext uri="{FF2B5EF4-FFF2-40B4-BE49-F238E27FC236}">
-                <a16:creationId xmlns:a16="http://schemas.microsoft.com/office/drawing/2014/main" id="{2160304E-7B41-7F31-B332-F98D8CB83544}"/>
-              </a:ext>
-            </a:extLst>
-          </p:cNvPr>
-          <p:cNvCxnSpPr>
-            <a:cxnSpLocks/>
-          </p:cNvCxnSpPr>
-          <p:nvPr/>
-        </p:nvCxnSpPr>
-        <p:spPr>
-          <a:xfrm flipV="1">
-            <a:off x="7935051" y="3600635"/>
-            <a:ext cx="0" cy="385886"/>
-          </a:xfrm>
-          <a:prstGeom prst="line">
-            <a:avLst/>
-          </a:prstGeom>
-          <a:ln w="12700">
-            <a:solidFill>
-              <a:schemeClr val="tx1"/>
-            </a:solidFill>
-            <a:prstDash val="dash"/>
-          </a:ln>
-        </p:spPr>
-        <p:style>
-          <a:lnRef idx="2">
-            <a:schemeClr val="accent1"/>
-          </a:lnRef>
-          <a:fillRef idx="0">
-            <a:schemeClr val="accent1"/>
-          </a:fillRef>
-          <a:effectRef idx="1">
-            <a:schemeClr val="accent1"/>
-          </a:effectRef>
-          <a:fontRef idx="minor">
-            <a:schemeClr val="tx1"/>
-          </a:fontRef>
-        </p:style>
-      </p:cxnSp>
-      <mc:AlternateContent xmlns:mc="http://schemas.openxmlformats.org/markup-compatibility/2006">
-        <mc:Choice xmlns:a14="http://schemas.microsoft.com/office/drawing/2010/main" Requires="a14">
-          <p:sp>
-            <p:nvSpPr>
-              <p:cNvPr id="112" name="TextBox 111">
-                <a:extLst>
-                  <a:ext uri="{FF2B5EF4-FFF2-40B4-BE49-F238E27FC236}">
-                    <a16:creationId xmlns:a16="http://schemas.microsoft.com/office/drawing/2014/main" id="{3386EB7A-5327-EECF-A57D-71AECA8CEE53}"/>
-                  </a:ext>
-                </a:extLst>
-              </p:cNvPr>
-              <p:cNvSpPr txBox="1"/>
-              <p:nvPr/>
-            </p:nvSpPr>
-            <p:spPr>
-              <a:xfrm>
-                <a:off x="9112652" y="3710846"/>
-                <a:ext cx="318425" cy="184666"/>
-              </a:xfrm>
-              <a:prstGeom prst="rect">
-                <a:avLst/>
-              </a:prstGeom>
-              <a:noFill/>
-            </p:spPr>
-            <p:txBody>
-              <a:bodyPr wrap="square" lIns="0" tIns="0" rIns="0" bIns="0" rtlCol="0">
-                <a:spAutoFit/>
-              </a:bodyPr>
-              <a:lstStyle/>
-              <a:p>
-                <a14:m>
-                  <m:oMathPara xmlns:m="http://schemas.openxmlformats.org/officeDocument/2006/math">
-                    <m:oMathParaPr>
-                      <m:jc m:val="centerGroup"/>
-                    </m:oMathParaPr>
-                    <m:oMath xmlns:m="http://schemas.openxmlformats.org/officeDocument/2006/math">
-                      <m:r>
-                        <a:rPr lang="en-US" sz="1200" b="0" i="1" smtClean="0">
-                          <a:latin typeface="Cambria Math" panose="02040503050406030204" pitchFamily="18" charset="0"/>
-                        </a:rPr>
-                        <m:t>𝑦</m:t>
-                      </m:r>
-                    </m:oMath>
-                  </m:oMathPara>
-                </a14:m>
-                <a:endParaRPr lang="en-US" sz="1600" dirty="0"/>
-              </a:p>
-            </p:txBody>
-          </p:sp>
-        </mc:Choice>
-        <mc:Fallback>
-          <p:sp>
-            <p:nvSpPr>
-              <p:cNvPr id="112" name="TextBox 111">
-                <a:extLst>
-                  <a:ext uri="{FF2B5EF4-FFF2-40B4-BE49-F238E27FC236}">
-                    <a16:creationId xmlns:a16="http://schemas.microsoft.com/office/drawing/2014/main" id="{3386EB7A-5327-EECF-A57D-71AECA8CEE53}"/>
-                  </a:ext>
-                </a:extLst>
-              </p:cNvPr>
-              <p:cNvSpPr txBox="1">
-                <a:spLocks noRot="1" noChangeAspect="1" noMove="1" noResize="1" noEditPoints="1" noAdjustHandles="1" noChangeArrowheads="1" noChangeShapeType="1" noTextEdit="1"/>
-              </p:cNvSpPr>
-              <p:nvPr/>
-            </p:nvSpPr>
-            <p:spPr>
-              <a:xfrm>
-                <a:off x="9112652" y="3710846"/>
-                <a:ext cx="318425" cy="184666"/>
-              </a:xfrm>
-              <a:prstGeom prst="rect">
-                <a:avLst/>
-              </a:prstGeom>
-              <a:blipFill>
-                <a:blip r:embed="rId20"/>
-                <a:stretch>
-                  <a:fillRect b="-33333"/>
-                </a:stretch>
-              </a:blipFill>
-            </p:spPr>
-            <p:txBody>
-              <a:bodyPr/>
-              <a:lstStyle/>
-              <a:p>
-                <a:r>
-                  <a:rPr lang="en-US">
-                    <a:noFill/>
-                  </a:rPr>
-                  <a:t> </a:t>
-                </a:r>
-              </a:p>
-            </p:txBody>
-          </p:sp>
-        </mc:Fallback>
-      </mc:AlternateContent>
-      <p:sp>
-        <p:nvSpPr>
-          <p:cNvPr id="129" name="Freeform 128">
-            <a:extLst>
-              <a:ext uri="{FF2B5EF4-FFF2-40B4-BE49-F238E27FC236}">
-                <a16:creationId xmlns:a16="http://schemas.microsoft.com/office/drawing/2014/main" id="{E6A02810-D25F-7BC0-28D4-A2AB62ABE34C}"/>
-              </a:ext>
-            </a:extLst>
-          </p:cNvPr>
-          <p:cNvSpPr/>
-          <p:nvPr/>
-        </p:nvSpPr>
-        <p:spPr>
-          <a:xfrm>
-            <a:off x="7604650" y="2493220"/>
-            <a:ext cx="782765" cy="1769498"/>
-          </a:xfrm>
-          <a:custGeom>
-            <a:avLst/>
-            <a:gdLst>
-              <a:gd name="connsiteX0" fmla="*/ 0 w 848616"/>
-              <a:gd name="connsiteY0" fmla="*/ 0 h 1861692"/>
-              <a:gd name="connsiteX1" fmla="*/ 348656 w 848616"/>
-              <a:gd name="connsiteY1" fmla="*/ 453911 h 1861692"/>
-              <a:gd name="connsiteX2" fmla="*/ 322343 w 848616"/>
-              <a:gd name="connsiteY2" fmla="*/ 1065704 h 1861692"/>
-              <a:gd name="connsiteX3" fmla="*/ 848616 w 848616"/>
-              <a:gd name="connsiteY3" fmla="*/ 1861692 h 1861692"/>
-            </a:gdLst>
-            <a:ahLst/>
-            <a:cxnLst>
-              <a:cxn ang="0">
-                <a:pos x="connsiteX0" y="connsiteY0"/>
-              </a:cxn>
-              <a:cxn ang="0">
-                <a:pos x="connsiteX1" y="connsiteY1"/>
-              </a:cxn>
-              <a:cxn ang="0">
-                <a:pos x="connsiteX2" y="connsiteY2"/>
-              </a:cxn>
-              <a:cxn ang="0">
-                <a:pos x="connsiteX3" y="connsiteY3"/>
-              </a:cxn>
-            </a:cxnLst>
-            <a:rect l="l" t="t" r="r" b="b"/>
-            <a:pathLst>
-              <a:path w="848616" h="1861692">
-                <a:moveTo>
-                  <a:pt x="0" y="0"/>
-                </a:moveTo>
-                <a:cubicBezTo>
-                  <a:pt x="147466" y="138147"/>
-                  <a:pt x="294932" y="276294"/>
-                  <a:pt x="348656" y="453911"/>
-                </a:cubicBezTo>
-                <a:cubicBezTo>
-                  <a:pt x="402380" y="631528"/>
-                  <a:pt x="239016" y="831074"/>
-                  <a:pt x="322343" y="1065704"/>
-                </a:cubicBezTo>
-                <a:cubicBezTo>
-                  <a:pt x="405670" y="1300334"/>
-                  <a:pt x="627143" y="1581013"/>
-                  <a:pt x="848616" y="1861692"/>
-                </a:cubicBezTo>
-              </a:path>
-            </a:pathLst>
-          </a:custGeom>
-          <a:noFill/>
-          <a:ln>
-            <a:solidFill>
-              <a:srgbClr val="C00000"/>
-            </a:solidFill>
-          </a:ln>
-        </p:spPr>
-        <p:style>
-          <a:lnRef idx="2">
-            <a:schemeClr val="accent1">
-              <a:shade val="15000"/>
-            </a:schemeClr>
-          </a:lnRef>
-          <a:fillRef idx="1">
-            <a:schemeClr val="accent1"/>
-          </a:fillRef>
-          <a:effectRef idx="0">
-            <a:schemeClr val="accent1"/>
-          </a:effectRef>
-          <a:fontRef idx="minor">
-            <a:schemeClr val="lt1"/>
-          </a:fontRef>
-        </p:style>
-        <p:txBody>
-          <a:bodyPr rtlCol="0" anchor="ctr"/>
-          <a:lstStyle/>
-          <a:p>
-            <a:pPr algn="ctr"/>
-            <a:endParaRPr lang="en-US"/>
-          </a:p>
-        </p:txBody>
-      </p:sp>
-      <mc:AlternateContent xmlns:mc="http://schemas.openxmlformats.org/markup-compatibility/2006">
-        <mc:Choice xmlns:a14="http://schemas.microsoft.com/office/drawing/2010/main" Requires="a14">
-          <p:sp>
-            <p:nvSpPr>
-              <p:cNvPr id="131" name="TextBox 130">
-                <a:extLst>
-                  <a:ext uri="{FF2B5EF4-FFF2-40B4-BE49-F238E27FC236}">
-                    <a16:creationId xmlns:a16="http://schemas.microsoft.com/office/drawing/2014/main" id="{FA79DD72-16F7-90C6-31D0-B265A9F66F3A}"/>
-                  </a:ext>
-                </a:extLst>
-              </p:cNvPr>
-              <p:cNvSpPr txBox="1"/>
-              <p:nvPr/>
-            </p:nvSpPr>
-            <p:spPr>
-              <a:xfrm>
-                <a:off x="7682488" y="3701245"/>
-                <a:ext cx="318425" cy="184666"/>
-              </a:xfrm>
-              <a:prstGeom prst="rect">
-                <a:avLst/>
-              </a:prstGeom>
-              <a:noFill/>
-            </p:spPr>
-            <p:txBody>
-              <a:bodyPr wrap="square" lIns="0" tIns="0" rIns="0" bIns="0" rtlCol="0">
-                <a:spAutoFit/>
-              </a:bodyPr>
-              <a:lstStyle/>
-              <a:p>
-                <a14:m>
-                  <m:oMathPara xmlns:m="http://schemas.openxmlformats.org/officeDocument/2006/math">
-                    <m:oMathParaPr>
-                      <m:jc m:val="centerGroup"/>
-                    </m:oMathParaPr>
-                    <m:oMath xmlns:m="http://schemas.openxmlformats.org/officeDocument/2006/math">
-                      <m:r>
-                        <a:rPr lang="en-US" sz="1200" b="0" i="1" smtClean="0">
-                          <a:latin typeface="Cambria Math" panose="02040503050406030204" pitchFamily="18" charset="0"/>
-                        </a:rPr>
-                        <m:t>𝑣</m:t>
-                      </m:r>
-                    </m:oMath>
-                  </m:oMathPara>
-                </a14:m>
-                <a:endParaRPr lang="en-US" sz="1600" dirty="0"/>
-              </a:p>
-            </p:txBody>
-          </p:sp>
-        </mc:Choice>
-        <mc:Fallback>
-          <p:sp>
-            <p:nvSpPr>
-              <p:cNvPr id="131" name="TextBox 130">
-                <a:extLst>
-                  <a:ext uri="{FF2B5EF4-FFF2-40B4-BE49-F238E27FC236}">
-                    <a16:creationId xmlns:a16="http://schemas.microsoft.com/office/drawing/2014/main" id="{FA79DD72-16F7-90C6-31D0-B265A9F66F3A}"/>
-                  </a:ext>
-                </a:extLst>
-              </p:cNvPr>
-              <p:cNvSpPr txBox="1">
-                <a:spLocks noRot="1" noChangeAspect="1" noMove="1" noResize="1" noEditPoints="1" noAdjustHandles="1" noChangeArrowheads="1" noChangeShapeType="1" noTextEdit="1"/>
-              </p:cNvSpPr>
-              <p:nvPr/>
-            </p:nvSpPr>
-            <p:spPr>
-              <a:xfrm>
-                <a:off x="7682488" y="3701245"/>
-                <a:ext cx="318425" cy="184666"/>
-              </a:xfrm>
-              <a:prstGeom prst="rect">
-                <a:avLst/>
-              </a:prstGeom>
-              <a:blipFill>
-                <a:blip r:embed="rId21"/>
-                <a:stretch>
-                  <a:fillRect/>
-                </a:stretch>
-              </a:blipFill>
-            </p:spPr>
-            <p:txBody>
-              <a:bodyPr/>
-              <a:lstStyle/>
-              <a:p>
-                <a:r>
-                  <a:rPr lang="en-US">
-                    <a:noFill/>
-                  </a:rPr>
-                  <a:t> </a:t>
-                </a:r>
-              </a:p>
-            </p:txBody>
-          </p:sp>
-        </mc:Fallback>
-      </mc:AlternateContent>
-      <p:sp>
-        <p:nvSpPr>
-          <p:cNvPr id="132" name="Freeform 131">
-            <a:extLst>
-              <a:ext uri="{FF2B5EF4-FFF2-40B4-BE49-F238E27FC236}">
-                <a16:creationId xmlns:a16="http://schemas.microsoft.com/office/drawing/2014/main" id="{D12260F8-1ACA-B91A-2DEC-59EA3CA58BBE}"/>
-              </a:ext>
-            </a:extLst>
-          </p:cNvPr>
-          <p:cNvSpPr/>
-          <p:nvPr/>
-        </p:nvSpPr>
-        <p:spPr>
-          <a:xfrm rot="21325441">
-            <a:off x="7712826" y="3736542"/>
-            <a:ext cx="46049" cy="78941"/>
-          </a:xfrm>
-          <a:custGeom>
-            <a:avLst/>
-            <a:gdLst>
-              <a:gd name="connsiteX0" fmla="*/ 46049 w 46049"/>
-              <a:gd name="connsiteY0" fmla="*/ 0 h 78941"/>
-              <a:gd name="connsiteX1" fmla="*/ 32892 w 46049"/>
-              <a:gd name="connsiteY1" fmla="*/ 52627 h 78941"/>
-              <a:gd name="connsiteX2" fmla="*/ 0 w 46049"/>
-              <a:gd name="connsiteY2" fmla="*/ 78941 h 78941"/>
-            </a:gdLst>
-            <a:ahLst/>
-            <a:cxnLst>
-              <a:cxn ang="0">
-                <a:pos x="connsiteX0" y="connsiteY0"/>
-              </a:cxn>
-              <a:cxn ang="0">
-                <a:pos x="connsiteX1" y="connsiteY1"/>
-              </a:cxn>
-              <a:cxn ang="0">
-                <a:pos x="connsiteX2" y="connsiteY2"/>
-              </a:cxn>
-            </a:cxnLst>
-            <a:rect l="l" t="t" r="r" b="b"/>
-            <a:pathLst>
-              <a:path w="46049" h="78941">
-                <a:moveTo>
-                  <a:pt x="46049" y="0"/>
-                </a:moveTo>
-                <a:cubicBezTo>
-                  <a:pt x="43308" y="19735"/>
-                  <a:pt x="40567" y="39470"/>
-                  <a:pt x="32892" y="52627"/>
-                </a:cubicBezTo>
-                <a:cubicBezTo>
-                  <a:pt x="25217" y="65784"/>
-                  <a:pt x="12608" y="72362"/>
-                  <a:pt x="0" y="78941"/>
-                </a:cubicBezTo>
-              </a:path>
-            </a:pathLst>
-          </a:custGeom>
-          <a:noFill/>
-          <a:ln w="12700"/>
-        </p:spPr>
-        <p:style>
-          <a:lnRef idx="2">
-            <a:schemeClr val="accent1">
-              <a:shade val="15000"/>
-            </a:schemeClr>
-          </a:lnRef>
-          <a:fillRef idx="1">
-            <a:schemeClr val="accent1"/>
-          </a:fillRef>
-          <a:effectRef idx="0">
-            <a:schemeClr val="accent1"/>
-          </a:effectRef>
-          <a:fontRef idx="minor">
-            <a:schemeClr val="lt1"/>
-          </a:fontRef>
-        </p:style>
-        <p:txBody>
-          <a:bodyPr rtlCol="0" anchor="ctr"/>
-          <a:lstStyle/>
-          <a:p>
-            <a:pPr algn="ctr"/>
-            <a:endParaRPr lang="en-US"/>
-          </a:p>
-        </p:txBody>
-      </p:sp>
-      <p:sp>
-        <p:nvSpPr>
-          <p:cNvPr id="135" name="Oval 134">
-            <a:extLst>
-              <a:ext uri="{FF2B5EF4-FFF2-40B4-BE49-F238E27FC236}">
-                <a16:creationId xmlns:a16="http://schemas.microsoft.com/office/drawing/2014/main" id="{C6C24C28-A2E7-AF51-9274-2C8160AFA311}"/>
-              </a:ext>
-            </a:extLst>
-          </p:cNvPr>
-          <p:cNvSpPr/>
-          <p:nvPr/>
-        </p:nvSpPr>
-        <p:spPr>
-          <a:xfrm>
-            <a:off x="7547265" y="3332173"/>
-            <a:ext cx="82287" cy="254439"/>
-          </a:xfrm>
-          <a:prstGeom prst="ellipse">
-            <a:avLst/>
-          </a:prstGeom>
-          <a:solidFill>
-            <a:schemeClr val="bg1"/>
-          </a:solidFill>
-          <a:ln>
-            <a:noFill/>
-          </a:ln>
-        </p:spPr>
-        <p:style>
-          <a:lnRef idx="2">
-            <a:schemeClr val="accent1">
-              <a:shade val="15000"/>
-            </a:schemeClr>
-          </a:lnRef>
-          <a:fillRef idx="1">
-            <a:schemeClr val="accent1"/>
-          </a:fillRef>
-          <a:effectRef idx="0">
-            <a:schemeClr val="accent1"/>
-          </a:effectRef>
-          <a:fontRef idx="minor">
-            <a:schemeClr val="lt1"/>
-          </a:fontRef>
-        </p:style>
-        <p:txBody>
-          <a:bodyPr rtlCol="0" anchor="ctr"/>
-          <a:lstStyle/>
-          <a:p>
-            <a:pPr algn="ctr"/>
-            <a:endParaRPr lang="en-US"/>
-          </a:p>
-        </p:txBody>
-      </p:sp>
-      <p:cxnSp>
-        <p:nvCxnSpPr>
-          <p:cNvPr id="137" name="Straight Connector 136">
-            <a:extLst>
-              <a:ext uri="{FF2B5EF4-FFF2-40B4-BE49-F238E27FC236}">
-                <a16:creationId xmlns:a16="http://schemas.microsoft.com/office/drawing/2014/main" id="{EF56844A-1BE0-9CBC-D88D-19015D303CC8}"/>
-              </a:ext>
-            </a:extLst>
-          </p:cNvPr>
-          <p:cNvCxnSpPr>
-            <a:cxnSpLocks/>
-          </p:cNvCxnSpPr>
-          <p:nvPr/>
-        </p:nvCxnSpPr>
-        <p:spPr>
-          <a:xfrm>
-            <a:off x="7591584" y="3332173"/>
-            <a:ext cx="0" cy="254439"/>
-          </a:xfrm>
-          <a:prstGeom prst="line">
-            <a:avLst/>
-          </a:prstGeom>
-          <a:ln>
-            <a:solidFill>
-              <a:schemeClr val="tx1"/>
-            </a:solidFill>
-            <a:prstDash val="sysDot"/>
-          </a:ln>
-        </p:spPr>
-        <p:style>
-          <a:lnRef idx="2">
-            <a:schemeClr val="accent1"/>
-          </a:lnRef>
-          <a:fillRef idx="0">
-            <a:schemeClr val="accent1"/>
-          </a:fillRef>
-          <a:effectRef idx="1">
-            <a:schemeClr val="accent1"/>
-          </a:effectRef>
-          <a:fontRef idx="minor">
-            <a:schemeClr val="tx1"/>
-          </a:fontRef>
-        </p:style>
-      </p:cxnSp>
-      <p:pic>
-        <p:nvPicPr>
-          <p:cNvPr id="138" name="Picture 137" descr="A blue light in the dark&#10;&#10;AI-generated content may be incorrect.">
-            <a:extLst>
-              <a:ext uri="{FF2B5EF4-FFF2-40B4-BE49-F238E27FC236}">
-                <a16:creationId xmlns:a16="http://schemas.microsoft.com/office/drawing/2014/main" id="{20BBC30F-62DE-CF23-BCF4-021D068CA265}"/>
-              </a:ext>
-            </a:extLst>
-          </p:cNvPr>
-          <p:cNvPicPr>
-            <a:picLocks noChangeAspect="1"/>
-          </p:cNvPicPr>
-          <p:nvPr/>
-        </p:nvPicPr>
-        <p:blipFill>
-          <a:blip r:embed="rId15"/>
-          <a:stretch>
-            <a:fillRect/>
-          </a:stretch>
-        </p:blipFill>
-        <p:spPr>
-          <a:xfrm>
-            <a:off x="7780551" y="3413377"/>
-            <a:ext cx="290185" cy="290185"/>
-          </a:xfrm>
-          <a:prstGeom prst="rect">
-            <a:avLst/>
-          </a:prstGeom>
-        </p:spPr>
-      </p:pic>
-      <p:cxnSp>
-        <p:nvCxnSpPr>
-          <p:cNvPr id="139" name="Straight Connector 138">
-            <a:extLst>
-              <a:ext uri="{FF2B5EF4-FFF2-40B4-BE49-F238E27FC236}">
-                <a16:creationId xmlns:a16="http://schemas.microsoft.com/office/drawing/2014/main" id="{2B305954-47DC-9F81-58FA-01F980749B22}"/>
-              </a:ext>
-            </a:extLst>
-          </p:cNvPr>
-          <p:cNvCxnSpPr>
-            <a:cxnSpLocks/>
-          </p:cNvCxnSpPr>
-          <p:nvPr/>
-        </p:nvCxnSpPr>
-        <p:spPr>
-          <a:xfrm flipH="1">
-            <a:off x="7278851" y="3986521"/>
-            <a:ext cx="656200" cy="0"/>
-          </a:xfrm>
-          <a:prstGeom prst="line">
-            <a:avLst/>
-          </a:prstGeom>
-          <a:ln w="12700">
-            <a:solidFill>
-              <a:schemeClr val="tx1"/>
-            </a:solidFill>
-            <a:prstDash val="dash"/>
-          </a:ln>
-        </p:spPr>
-        <p:style>
-          <a:lnRef idx="2">
-            <a:schemeClr val="accent1"/>
-          </a:lnRef>
-          <a:fillRef idx="0">
-            <a:schemeClr val="accent1"/>
-          </a:fillRef>
-          <a:effectRef idx="1">
-            <a:schemeClr val="accent1"/>
-          </a:effectRef>
-          <a:fontRef idx="minor">
-            <a:schemeClr val="tx1"/>
-          </a:fontRef>
-        </p:style>
-      </p:cxnSp>
-      <mc:AlternateContent xmlns:mc="http://schemas.openxmlformats.org/markup-compatibility/2006">
-        <mc:Choice xmlns:a14="http://schemas.microsoft.com/office/drawing/2010/main" Requires="a14">
-          <p:sp>
-            <p:nvSpPr>
-              <p:cNvPr id="140" name="TextBox 139">
-                <a:extLst>
-                  <a:ext uri="{FF2B5EF4-FFF2-40B4-BE49-F238E27FC236}">
-                    <a16:creationId xmlns:a16="http://schemas.microsoft.com/office/drawing/2014/main" id="{D87D8110-47B5-6110-D2E6-9331D2DEBDFF}"/>
-                  </a:ext>
-                </a:extLst>
-              </p:cNvPr>
-              <p:cNvSpPr txBox="1"/>
-              <p:nvPr/>
-            </p:nvSpPr>
-            <p:spPr>
-              <a:xfrm>
-                <a:off x="6481948" y="3835368"/>
-                <a:ext cx="748272" cy="184666"/>
-              </a:xfrm>
-              <a:prstGeom prst="rect">
-                <a:avLst/>
-              </a:prstGeom>
-              <a:noFill/>
-            </p:spPr>
-            <p:txBody>
-              <a:bodyPr wrap="square" lIns="0" tIns="0" rIns="0" bIns="0" rtlCol="0">
-                <a:spAutoFit/>
-              </a:bodyPr>
-              <a:lstStyle/>
-              <a:p>
-                <a14:m>
-                  <m:oMathPara xmlns:m="http://schemas.openxmlformats.org/officeDocument/2006/math">
-                    <m:oMathParaPr>
-                      <m:jc m:val="centerGroup"/>
-                    </m:oMathParaPr>
-                    <m:oMath xmlns:m="http://schemas.openxmlformats.org/officeDocument/2006/math">
-                      <m:r>
-                        <a:rPr lang="en-US" sz="1200" b="0" i="1" smtClean="0">
-                          <a:latin typeface="Cambria Math" panose="02040503050406030204" pitchFamily="18" charset="0"/>
-                        </a:rPr>
-                        <m:t>𝑓</m:t>
-                      </m:r>
-                      <m:d>
-                        <m:dPr>
-                          <m:ctrlPr>
-                            <a:rPr lang="en-US" sz="1200" b="0" i="1" smtClean="0">
-                              <a:latin typeface="Cambria Math" panose="02040503050406030204" pitchFamily="18" charset="0"/>
-                            </a:rPr>
-                          </m:ctrlPr>
-                        </m:dPr>
-                        <m:e>
-                          <m:r>
-                            <a:rPr lang="en-US" sz="1200" b="0" i="1" smtClean="0">
-                              <a:latin typeface="Cambria Math" panose="02040503050406030204" pitchFamily="18" charset="0"/>
-                            </a:rPr>
-                            <m:t>𝑢</m:t>
-                          </m:r>
-                        </m:e>
-                      </m:d>
-                      <m:r>
-                        <m:rPr>
-                          <m:sty m:val="p"/>
-                        </m:rPr>
-                        <a:rPr lang="en-US" sz="1200" b="0" i="1" smtClean="0">
-                          <a:latin typeface="Cambria Math" panose="02040503050406030204" pitchFamily="18" charset="0"/>
-                        </a:rPr>
-                        <m:t>cos</m:t>
-                      </m:r>
-                      <m:r>
-                        <a:rPr lang="en-US" sz="1200" b="0" i="1" smtClean="0">
-                          <a:latin typeface="Cambria Math" panose="02040503050406030204" pitchFamily="18" charset="0"/>
-                        </a:rPr>
-                        <m:t>(</m:t>
-                      </m:r>
-                      <m:r>
-                        <a:rPr lang="en-US" sz="1200" b="0" i="1" smtClean="0">
-                          <a:latin typeface="Cambria Math" panose="02040503050406030204" pitchFamily="18" charset="0"/>
-                        </a:rPr>
-                        <m:t>𝑣</m:t>
-                      </m:r>
-                      <m:r>
-                        <a:rPr lang="en-US" sz="1200" b="0" i="1" smtClean="0">
-                          <a:latin typeface="Cambria Math" panose="02040503050406030204" pitchFamily="18" charset="0"/>
-                        </a:rPr>
-                        <m:t>)</m:t>
-                      </m:r>
-                    </m:oMath>
-                  </m:oMathPara>
-                </a14:m>
-                <a:endParaRPr lang="en-US" sz="1600" dirty="0"/>
-              </a:p>
-            </p:txBody>
-          </p:sp>
-        </mc:Choice>
-        <mc:Fallback>
-          <p:sp>
-            <p:nvSpPr>
-              <p:cNvPr id="140" name="TextBox 139">
-                <a:extLst>
-                  <a:ext uri="{FF2B5EF4-FFF2-40B4-BE49-F238E27FC236}">
-                    <a16:creationId xmlns:a16="http://schemas.microsoft.com/office/drawing/2014/main" id="{D87D8110-47B5-6110-D2E6-9331D2DEBDFF}"/>
-                  </a:ext>
-                </a:extLst>
-              </p:cNvPr>
-              <p:cNvSpPr txBox="1">
-                <a:spLocks noRot="1" noChangeAspect="1" noMove="1" noResize="1" noEditPoints="1" noAdjustHandles="1" noChangeArrowheads="1" noChangeShapeType="1" noTextEdit="1"/>
-              </p:cNvSpPr>
-              <p:nvPr/>
-            </p:nvSpPr>
-            <p:spPr>
-              <a:xfrm>
-                <a:off x="6481948" y="3835368"/>
-                <a:ext cx="748272" cy="184666"/>
-              </a:xfrm>
-              <a:prstGeom prst="rect">
-                <a:avLst/>
-              </a:prstGeom>
-              <a:blipFill>
-                <a:blip r:embed="rId22"/>
-                <a:stretch>
-                  <a:fillRect l="-8333" r="-8333" b="-31250"/>
-                </a:stretch>
-              </a:blipFill>
-            </p:spPr>
-            <p:txBody>
-              <a:bodyPr/>
-              <a:lstStyle/>
-              <a:p>
-                <a:r>
-                  <a:rPr lang="en-US">
-                    <a:noFill/>
-                  </a:rPr>
-                  <a:t> </a:t>
-                </a:r>
-              </a:p>
-            </p:txBody>
-          </p:sp>
-        </mc:Fallback>
-      </mc:AlternateContent>
-      <mc:AlternateContent xmlns:mc="http://schemas.openxmlformats.org/markup-compatibility/2006">
-        <mc:Choice xmlns:a14="http://schemas.microsoft.com/office/drawing/2010/main" Requires="a14">
-          <p:sp>
-            <p:nvSpPr>
-              <p:cNvPr id="142" name="TextBox 141">
-                <a:extLst>
-                  <a:ext uri="{FF2B5EF4-FFF2-40B4-BE49-F238E27FC236}">
-                    <a16:creationId xmlns:a16="http://schemas.microsoft.com/office/drawing/2014/main" id="{1B76561F-EBD5-6E58-FA4E-2EE5C6790694}"/>
-                  </a:ext>
-                </a:extLst>
-              </p:cNvPr>
-              <p:cNvSpPr txBox="1"/>
-              <p:nvPr/>
-            </p:nvSpPr>
-            <p:spPr>
-              <a:xfrm>
-                <a:off x="7920699" y="2778608"/>
-                <a:ext cx="232865" cy="184666"/>
-              </a:xfrm>
-              <a:prstGeom prst="rect">
-                <a:avLst/>
-              </a:prstGeom>
-              <a:noFill/>
-            </p:spPr>
-            <p:txBody>
-              <a:bodyPr wrap="square" lIns="0" tIns="0" rIns="0" bIns="0" rtlCol="0">
-                <a:spAutoFit/>
-              </a:bodyPr>
-              <a:lstStyle/>
-              <a:p>
-                <a14:m>
-                  <m:oMathPara xmlns:m="http://schemas.openxmlformats.org/officeDocument/2006/math">
-                    <m:oMathParaPr>
-                      <m:jc m:val="centerGroup"/>
-                    </m:oMathParaPr>
-                    <m:oMath xmlns:m="http://schemas.openxmlformats.org/officeDocument/2006/math">
-                      <m:r>
-                        <a:rPr lang="en-US" sz="1200" b="0" i="1" smtClean="0">
-                          <a:solidFill>
-                            <a:srgbClr val="C00000"/>
-                          </a:solidFill>
-                          <a:latin typeface="Cambria Math" panose="02040503050406030204" pitchFamily="18" charset="0"/>
-                        </a:rPr>
-                        <m:t>𝛼</m:t>
-                      </m:r>
-                    </m:oMath>
-                  </m:oMathPara>
-                </a14:m>
-                <a:endParaRPr lang="en-US" sz="1600" dirty="0">
-                  <a:solidFill>
-                    <a:srgbClr val="C00000"/>
-                  </a:solidFill>
-                </a:endParaRPr>
-              </a:p>
-            </p:txBody>
-          </p:sp>
-        </mc:Choice>
-        <mc:Fallback>
-          <p:sp>
-            <p:nvSpPr>
-              <p:cNvPr id="142" name="TextBox 141">
-                <a:extLst>
-                  <a:ext uri="{FF2B5EF4-FFF2-40B4-BE49-F238E27FC236}">
-                    <a16:creationId xmlns:a16="http://schemas.microsoft.com/office/drawing/2014/main" id="{1B76561F-EBD5-6E58-FA4E-2EE5C6790694}"/>
-                  </a:ext>
-                </a:extLst>
-              </p:cNvPr>
-              <p:cNvSpPr txBox="1">
-                <a:spLocks noRot="1" noChangeAspect="1" noMove="1" noResize="1" noEditPoints="1" noAdjustHandles="1" noChangeArrowheads="1" noChangeShapeType="1" noTextEdit="1"/>
-              </p:cNvSpPr>
-              <p:nvPr/>
-            </p:nvSpPr>
-            <p:spPr>
-              <a:xfrm>
-                <a:off x="7920699" y="2778608"/>
-                <a:ext cx="232865" cy="184666"/>
-              </a:xfrm>
-              <a:prstGeom prst="rect">
-                <a:avLst/>
-              </a:prstGeom>
-              <a:blipFill>
-                <a:blip r:embed="rId23"/>
-                <a:stretch>
-                  <a:fillRect/>
-                </a:stretch>
-              </a:blipFill>
-            </p:spPr>
-            <p:txBody>
-              <a:bodyPr/>
-              <a:lstStyle/>
-              <a:p>
-                <a:r>
-                  <a:rPr lang="en-US">
-                    <a:noFill/>
-                  </a:rPr>
-                  <a:t> </a:t>
-                </a:r>
-              </a:p>
-            </p:txBody>
-          </p:sp>
-        </mc:Fallback>
-      </mc:AlternateContent>
-      <mc:AlternateContent xmlns:mc="http://schemas.openxmlformats.org/markup-compatibility/2006">
-        <mc:Choice xmlns:a14="http://schemas.microsoft.com/office/drawing/2010/main" Requires="a14">
-          <p:sp>
-            <p:nvSpPr>
-              <p:cNvPr id="143" name="TextBox 142">
-                <a:extLst>
-                  <a:ext uri="{FF2B5EF4-FFF2-40B4-BE49-F238E27FC236}">
-                    <a16:creationId xmlns:a16="http://schemas.microsoft.com/office/drawing/2014/main" id="{05B7AB14-F0D4-5874-F256-0D38B9BA2594}"/>
-                  </a:ext>
-                </a:extLst>
-              </p:cNvPr>
-              <p:cNvSpPr txBox="1"/>
-              <p:nvPr/>
-            </p:nvSpPr>
-            <p:spPr>
-              <a:xfrm>
-                <a:off x="8270982" y="2603663"/>
-                <a:ext cx="232865" cy="184666"/>
-              </a:xfrm>
-              <a:prstGeom prst="rect">
-                <a:avLst/>
-              </a:prstGeom>
-              <a:noFill/>
-            </p:spPr>
-            <p:txBody>
-              <a:bodyPr wrap="square" lIns="0" tIns="0" rIns="0" bIns="0" rtlCol="0">
-                <a:spAutoFit/>
-              </a:bodyPr>
-              <a:lstStyle/>
-              <a:p>
-                <a14:m>
-                  <m:oMathPara xmlns:m="http://schemas.openxmlformats.org/officeDocument/2006/math">
-                    <m:oMathParaPr>
-                      <m:jc m:val="centerGroup"/>
-                    </m:oMathParaPr>
-                    <m:oMath xmlns:m="http://schemas.openxmlformats.org/officeDocument/2006/math">
-                      <m:r>
-                        <a:rPr lang="en-US" sz="1200" b="0" i="1" smtClean="0">
-                          <a:solidFill>
-                            <a:schemeClr val="accent2">
-                              <a:lumMod val="40000"/>
-                              <a:lumOff val="60000"/>
-                            </a:schemeClr>
-                          </a:solidFill>
-                          <a:latin typeface="Cambria Math" panose="02040503050406030204" pitchFamily="18" charset="0"/>
-                        </a:rPr>
-                        <m:t>𝛽</m:t>
-                      </m:r>
-                    </m:oMath>
-                  </m:oMathPara>
-                </a14:m>
-                <a:endParaRPr lang="en-US" sz="1600" dirty="0">
-                  <a:solidFill>
-                    <a:schemeClr val="accent2">
-                      <a:lumMod val="40000"/>
-                      <a:lumOff val="60000"/>
-                    </a:schemeClr>
-                  </a:solidFill>
-                </a:endParaRPr>
-              </a:p>
-            </p:txBody>
-          </p:sp>
-        </mc:Choice>
-        <mc:Fallback>
-          <p:sp>
-            <p:nvSpPr>
-              <p:cNvPr id="143" name="TextBox 142">
-                <a:extLst>
-                  <a:ext uri="{FF2B5EF4-FFF2-40B4-BE49-F238E27FC236}">
-                    <a16:creationId xmlns:a16="http://schemas.microsoft.com/office/drawing/2014/main" id="{05B7AB14-F0D4-5874-F256-0D38B9BA2594}"/>
-                  </a:ext>
-                </a:extLst>
-              </p:cNvPr>
-              <p:cNvSpPr txBox="1">
-                <a:spLocks noRot="1" noChangeAspect="1" noMove="1" noResize="1" noEditPoints="1" noAdjustHandles="1" noChangeArrowheads="1" noChangeShapeType="1" noTextEdit="1"/>
-              </p:cNvSpPr>
-              <p:nvPr/>
-            </p:nvSpPr>
-            <p:spPr>
-              <a:xfrm>
-                <a:off x="8270982" y="2603663"/>
-                <a:ext cx="232865" cy="184666"/>
-              </a:xfrm>
-              <a:prstGeom prst="rect">
-                <a:avLst/>
-              </a:prstGeom>
-              <a:blipFill>
-                <a:blip r:embed="rId24"/>
-                <a:stretch>
-                  <a:fillRect l="-5263" b="-31250"/>
-                </a:stretch>
-              </a:blipFill>
-            </p:spPr>
-            <p:txBody>
-              <a:bodyPr/>
-              <a:lstStyle/>
-              <a:p>
-                <a:r>
-                  <a:rPr lang="en-US">
-                    <a:noFill/>
-                  </a:rPr>
-                  <a:t> </a:t>
-                </a:r>
-              </a:p>
-            </p:txBody>
-          </p:sp>
-        </mc:Fallback>
-      </mc:AlternateContent>
+            </a:fontRef>
+          </p:style>
+        </p:cxnSp>
+        <mc:AlternateContent xmlns:mc="http://schemas.openxmlformats.org/markup-compatibility/2006">
+          <mc:Choice xmlns:a14="http://schemas.microsoft.com/office/drawing/2010/main" Requires="a14">
+            <p:sp>
+              <p:nvSpPr>
+                <p:cNvPr id="140" name="TextBox 139">
+                  <a:extLst>
+                    <a:ext uri="{FF2B5EF4-FFF2-40B4-BE49-F238E27FC236}">
+                      <a16:creationId xmlns:a16="http://schemas.microsoft.com/office/drawing/2014/main" id="{D87D8110-47B5-6110-D2E6-9331D2DEBDFF}"/>
+                    </a:ext>
+                  </a:extLst>
+                </p:cNvPr>
+                <p:cNvSpPr txBox="1"/>
+                <p:nvPr/>
+              </p:nvSpPr>
+              <p:spPr>
+                <a:xfrm>
+                  <a:off x="6481948" y="3835368"/>
+                  <a:ext cx="748272" cy="184666"/>
+                </a:xfrm>
+                <a:prstGeom prst="rect">
+                  <a:avLst/>
+                </a:prstGeom>
+                <a:noFill/>
+              </p:spPr>
+              <p:txBody>
+                <a:bodyPr wrap="square" lIns="0" tIns="0" rIns="0" bIns="0" rtlCol="0">
+                  <a:spAutoFit/>
+                </a:bodyPr>
+                <a:lstStyle/>
+                <a:p>
+                  <a14:m>
+                    <m:oMathPara xmlns:m="http://schemas.openxmlformats.org/officeDocument/2006/math">
+                      <m:oMathParaPr>
+                        <m:jc m:val="centerGroup"/>
+                      </m:oMathParaPr>
+                      <m:oMath xmlns:m="http://schemas.openxmlformats.org/officeDocument/2006/math">
+                        <m:r>
+                          <a:rPr lang="en-US" sz="1200" b="0" i="1" smtClean="0">
+                            <a:latin typeface="Cambria Math" panose="02040503050406030204" pitchFamily="18" charset="0"/>
+                          </a:rPr>
+                          <m:t>𝑓</m:t>
+                        </m:r>
+                        <m:d>
+                          <m:dPr>
+                            <m:ctrlPr>
+                              <a:rPr lang="en-US" sz="1200" b="0" i="1" smtClean="0">
+                                <a:latin typeface="Cambria Math" panose="02040503050406030204" pitchFamily="18" charset="0"/>
+                              </a:rPr>
+                            </m:ctrlPr>
+                          </m:dPr>
+                          <m:e>
+                            <m:r>
+                              <a:rPr lang="en-US" sz="1200" b="0" i="1" smtClean="0">
+                                <a:latin typeface="Cambria Math" panose="02040503050406030204" pitchFamily="18" charset="0"/>
+                              </a:rPr>
+                              <m:t>𝑢</m:t>
+                            </m:r>
+                          </m:e>
+                        </m:d>
+                        <m:r>
+                          <m:rPr>
+                            <m:sty m:val="p"/>
+                          </m:rPr>
+                          <a:rPr lang="en-US" sz="1200" b="0" i="1" smtClean="0">
+                            <a:latin typeface="Cambria Math" panose="02040503050406030204" pitchFamily="18" charset="0"/>
+                          </a:rPr>
+                          <m:t>cos</m:t>
+                        </m:r>
+                        <m:r>
+                          <a:rPr lang="en-US" sz="1200" b="0" i="1" smtClean="0">
+                            <a:latin typeface="Cambria Math" panose="02040503050406030204" pitchFamily="18" charset="0"/>
+                          </a:rPr>
+                          <m:t>(</m:t>
+                        </m:r>
+                        <m:r>
+                          <a:rPr lang="en-US" sz="1200" b="0" i="1" smtClean="0">
+                            <a:latin typeface="Cambria Math" panose="02040503050406030204" pitchFamily="18" charset="0"/>
+                          </a:rPr>
+                          <m:t>𝑣</m:t>
+                        </m:r>
+                        <m:r>
+                          <a:rPr lang="en-US" sz="1200" b="0" i="1" smtClean="0">
+                            <a:latin typeface="Cambria Math" panose="02040503050406030204" pitchFamily="18" charset="0"/>
+                          </a:rPr>
+                          <m:t>)</m:t>
+                        </m:r>
+                      </m:oMath>
+                    </m:oMathPara>
+                  </a14:m>
+                  <a:endParaRPr lang="en-US" sz="1600" dirty="0"/>
+                </a:p>
+              </p:txBody>
+            </p:sp>
+          </mc:Choice>
+          <mc:Fallback>
+            <p:sp>
+              <p:nvSpPr>
+                <p:cNvPr id="140" name="TextBox 139">
+                  <a:extLst>
+                    <a:ext uri="{FF2B5EF4-FFF2-40B4-BE49-F238E27FC236}">
+                      <a16:creationId xmlns:a16="http://schemas.microsoft.com/office/drawing/2014/main" id="{D87D8110-47B5-6110-D2E6-9331D2DEBDFF}"/>
+                    </a:ext>
+                  </a:extLst>
+                </p:cNvPr>
+                <p:cNvSpPr txBox="1">
+                  <a:spLocks noRot="1" noChangeAspect="1" noMove="1" noResize="1" noEditPoints="1" noAdjustHandles="1" noChangeArrowheads="1" noChangeShapeType="1" noTextEdit="1"/>
+                </p:cNvSpPr>
+                <p:nvPr/>
+              </p:nvSpPr>
+              <p:spPr>
+                <a:xfrm>
+                  <a:off x="6481948" y="3835368"/>
+                  <a:ext cx="748272" cy="184666"/>
+                </a:xfrm>
+                <a:prstGeom prst="rect">
+                  <a:avLst/>
+                </a:prstGeom>
+                <a:blipFill>
+                  <a:blip r:embed="rId22"/>
+                  <a:stretch>
+                    <a:fillRect l="-8333" r="-8333" b="-31250"/>
+                  </a:stretch>
+                </a:blipFill>
+              </p:spPr>
+              <p:txBody>
+                <a:bodyPr/>
+                <a:lstStyle/>
+                <a:p>
+                  <a:r>
+                    <a:rPr lang="en-US">
+                      <a:noFill/>
+                    </a:rPr>
+                    <a:t> </a:t>
+                  </a:r>
+                </a:p>
+              </p:txBody>
+            </p:sp>
+          </mc:Fallback>
+        </mc:AlternateContent>
+        <mc:AlternateContent xmlns:mc="http://schemas.openxmlformats.org/markup-compatibility/2006">
+          <mc:Choice xmlns:a14="http://schemas.microsoft.com/office/drawing/2010/main" Requires="a14">
+            <p:sp>
+              <p:nvSpPr>
+                <p:cNvPr id="142" name="TextBox 141">
+                  <a:extLst>
+                    <a:ext uri="{FF2B5EF4-FFF2-40B4-BE49-F238E27FC236}">
+                      <a16:creationId xmlns:a16="http://schemas.microsoft.com/office/drawing/2014/main" id="{1B76561F-EBD5-6E58-FA4E-2EE5C6790694}"/>
+                    </a:ext>
+                  </a:extLst>
+                </p:cNvPr>
+                <p:cNvSpPr txBox="1"/>
+                <p:nvPr/>
+              </p:nvSpPr>
+              <p:spPr>
+                <a:xfrm>
+                  <a:off x="7920699" y="2778608"/>
+                  <a:ext cx="232865" cy="184666"/>
+                </a:xfrm>
+                <a:prstGeom prst="rect">
+                  <a:avLst/>
+                </a:prstGeom>
+                <a:noFill/>
+              </p:spPr>
+              <p:txBody>
+                <a:bodyPr wrap="square" lIns="0" tIns="0" rIns="0" bIns="0" rtlCol="0">
+                  <a:spAutoFit/>
+                </a:bodyPr>
+                <a:lstStyle/>
+                <a:p>
+                  <a14:m>
+                    <m:oMathPara xmlns:m="http://schemas.openxmlformats.org/officeDocument/2006/math">
+                      <m:oMathParaPr>
+                        <m:jc m:val="centerGroup"/>
+                      </m:oMathParaPr>
+                      <m:oMath xmlns:m="http://schemas.openxmlformats.org/officeDocument/2006/math">
+                        <m:r>
+                          <a:rPr lang="en-US" sz="1200" b="0" i="1" smtClean="0">
+                            <a:solidFill>
+                              <a:srgbClr val="C00000"/>
+                            </a:solidFill>
+                            <a:latin typeface="Cambria Math" panose="02040503050406030204" pitchFamily="18" charset="0"/>
+                          </a:rPr>
+                          <m:t>𝛼</m:t>
+                        </m:r>
+                      </m:oMath>
+                    </m:oMathPara>
+                  </a14:m>
+                  <a:endParaRPr lang="en-US" sz="1600" dirty="0">
+                    <a:solidFill>
+                      <a:srgbClr val="C00000"/>
+                    </a:solidFill>
+                  </a:endParaRPr>
+                </a:p>
+              </p:txBody>
+            </p:sp>
+          </mc:Choice>
+          <mc:Fallback>
+            <p:sp>
+              <p:nvSpPr>
+                <p:cNvPr id="142" name="TextBox 141">
+                  <a:extLst>
+                    <a:ext uri="{FF2B5EF4-FFF2-40B4-BE49-F238E27FC236}">
+                      <a16:creationId xmlns:a16="http://schemas.microsoft.com/office/drawing/2014/main" id="{1B76561F-EBD5-6E58-FA4E-2EE5C6790694}"/>
+                    </a:ext>
+                  </a:extLst>
+                </p:cNvPr>
+                <p:cNvSpPr txBox="1">
+                  <a:spLocks noRot="1" noChangeAspect="1" noMove="1" noResize="1" noEditPoints="1" noAdjustHandles="1" noChangeArrowheads="1" noChangeShapeType="1" noTextEdit="1"/>
+                </p:cNvSpPr>
+                <p:nvPr/>
+              </p:nvSpPr>
+              <p:spPr>
+                <a:xfrm>
+                  <a:off x="7920699" y="2778608"/>
+                  <a:ext cx="232865" cy="184666"/>
+                </a:xfrm>
+                <a:prstGeom prst="rect">
+                  <a:avLst/>
+                </a:prstGeom>
+                <a:blipFill>
+                  <a:blip r:embed="rId23"/>
+                  <a:stretch>
+                    <a:fillRect/>
+                  </a:stretch>
+                </a:blipFill>
+              </p:spPr>
+              <p:txBody>
+                <a:bodyPr/>
+                <a:lstStyle/>
+                <a:p>
+                  <a:r>
+                    <a:rPr lang="en-US">
+                      <a:noFill/>
+                    </a:rPr>
+                    <a:t> </a:t>
+                  </a:r>
+                </a:p>
+              </p:txBody>
+            </p:sp>
+          </mc:Fallback>
+        </mc:AlternateContent>
+        <mc:AlternateContent xmlns:mc="http://schemas.openxmlformats.org/markup-compatibility/2006">
+          <mc:Choice xmlns:a14="http://schemas.microsoft.com/office/drawing/2010/main" Requires="a14">
+            <p:sp>
+              <p:nvSpPr>
+                <p:cNvPr id="143" name="TextBox 142">
+                  <a:extLst>
+                    <a:ext uri="{FF2B5EF4-FFF2-40B4-BE49-F238E27FC236}">
+                      <a16:creationId xmlns:a16="http://schemas.microsoft.com/office/drawing/2014/main" id="{05B7AB14-F0D4-5874-F256-0D38B9BA2594}"/>
+                    </a:ext>
+                  </a:extLst>
+                </p:cNvPr>
+                <p:cNvSpPr txBox="1"/>
+                <p:nvPr/>
+              </p:nvSpPr>
+              <p:spPr>
+                <a:xfrm>
+                  <a:off x="8270982" y="2603663"/>
+                  <a:ext cx="232865" cy="184666"/>
+                </a:xfrm>
+                <a:prstGeom prst="rect">
+                  <a:avLst/>
+                </a:prstGeom>
+                <a:noFill/>
+              </p:spPr>
+              <p:txBody>
+                <a:bodyPr wrap="square" lIns="0" tIns="0" rIns="0" bIns="0" rtlCol="0">
+                  <a:spAutoFit/>
+                </a:bodyPr>
+                <a:lstStyle/>
+                <a:p>
+                  <a14:m>
+                    <m:oMathPara xmlns:m="http://schemas.openxmlformats.org/officeDocument/2006/math">
+                      <m:oMathParaPr>
+                        <m:jc m:val="centerGroup"/>
+                      </m:oMathParaPr>
+                      <m:oMath xmlns:m="http://schemas.openxmlformats.org/officeDocument/2006/math">
+                        <m:r>
+                          <a:rPr lang="en-US" sz="1200" b="0" i="1" smtClean="0">
+                            <a:solidFill>
+                              <a:schemeClr val="accent2">
+                                <a:lumMod val="40000"/>
+                                <a:lumOff val="60000"/>
+                              </a:schemeClr>
+                            </a:solidFill>
+                            <a:latin typeface="Cambria Math" panose="02040503050406030204" pitchFamily="18" charset="0"/>
+                          </a:rPr>
+                          <m:t>𝛽</m:t>
+                        </m:r>
+                      </m:oMath>
+                    </m:oMathPara>
+                  </a14:m>
+                  <a:endParaRPr lang="en-US" sz="1600" dirty="0">
+                    <a:solidFill>
+                      <a:schemeClr val="accent2">
+                        <a:lumMod val="40000"/>
+                        <a:lumOff val="60000"/>
+                      </a:schemeClr>
+                    </a:solidFill>
+                  </a:endParaRPr>
+                </a:p>
+              </p:txBody>
+            </p:sp>
+          </mc:Choice>
+          <mc:Fallback>
+            <p:sp>
+              <p:nvSpPr>
+                <p:cNvPr id="143" name="TextBox 142">
+                  <a:extLst>
+                    <a:ext uri="{FF2B5EF4-FFF2-40B4-BE49-F238E27FC236}">
+                      <a16:creationId xmlns:a16="http://schemas.microsoft.com/office/drawing/2014/main" id="{05B7AB14-F0D4-5874-F256-0D38B9BA2594}"/>
+                    </a:ext>
+                  </a:extLst>
+                </p:cNvPr>
+                <p:cNvSpPr txBox="1">
+                  <a:spLocks noRot="1" noChangeAspect="1" noMove="1" noResize="1" noEditPoints="1" noAdjustHandles="1" noChangeArrowheads="1" noChangeShapeType="1" noTextEdit="1"/>
+                </p:cNvSpPr>
+                <p:nvPr/>
+              </p:nvSpPr>
+              <p:spPr>
+                <a:xfrm>
+                  <a:off x="8270982" y="2603663"/>
+                  <a:ext cx="232865" cy="184666"/>
+                </a:xfrm>
+                <a:prstGeom prst="rect">
+                  <a:avLst/>
+                </a:prstGeom>
+                <a:blipFill>
+                  <a:blip r:embed="rId24"/>
+                  <a:stretch>
+                    <a:fillRect l="-5263" b="-31250"/>
+                  </a:stretch>
+                </a:blipFill>
+              </p:spPr>
+              <p:txBody>
+                <a:bodyPr/>
+                <a:lstStyle/>
+                <a:p>
+                  <a:r>
+                    <a:rPr lang="en-US">
+                      <a:noFill/>
+                    </a:rPr>
+                    <a:t> </a:t>
+                  </a:r>
+                </a:p>
+              </p:txBody>
+            </p:sp>
+          </mc:Fallback>
+        </mc:AlternateContent>
+      </p:grpSp>
     </p:spTree>
     <p:extLst>
       <p:ext uri="{BB962C8B-B14F-4D97-AF65-F5344CB8AC3E}">
